--- a/13 Modelos de negocios/Empresa Outtic.pptx
+++ b/13 Modelos de negocios/Empresa Outtic.pptx
@@ -5,7 +5,7 @@
     <p:sldMasterId id="2147483659" r:id="rId1"/>
   </p:sldMasterIdLst>
   <p:notesMasterIdLst>
-    <p:notesMasterId r:id="rId10"/>
+    <p:notesMasterId r:id="rId13"/>
   </p:notesMasterIdLst>
   <p:sldIdLst>
     <p:sldId id="256" r:id="rId2"/>
@@ -16,42 +16,45 @@
     <p:sldId id="271" r:id="rId7"/>
     <p:sldId id="273" r:id="rId8"/>
     <p:sldId id="287" r:id="rId9"/>
+    <p:sldId id="290" r:id="rId10"/>
+    <p:sldId id="288" r:id="rId11"/>
+    <p:sldId id="291" r:id="rId12"/>
   </p:sldIdLst>
   <p:sldSz cx="9144000" cy="5143500" type="screen16x9"/>
   <p:notesSz cx="6858000" cy="9144000"/>
   <p:embeddedFontLst>
     <p:embeddedFont>
       <p:font typeface="Barlow" panose="00000500000000000000" pitchFamily="2" charset="0"/>
-      <p:regular r:id="rId11"/>
-      <p:bold r:id="rId12"/>
-      <p:italic r:id="rId13"/>
-      <p:boldItalic r:id="rId14"/>
+      <p:regular r:id="rId14"/>
+      <p:bold r:id="rId15"/>
+      <p:italic r:id="rId16"/>
+      <p:boldItalic r:id="rId17"/>
     </p:embeddedFont>
     <p:embeddedFont>
       <p:font typeface="Barlow Light" panose="00000400000000000000" pitchFamily="2" charset="0"/>
-      <p:regular r:id="rId15"/>
-      <p:bold r:id="rId16"/>
-      <p:italic r:id="rId17"/>
-      <p:boldItalic r:id="rId18"/>
+      <p:regular r:id="rId18"/>
+      <p:bold r:id="rId19"/>
+      <p:italic r:id="rId20"/>
+      <p:boldItalic r:id="rId21"/>
     </p:embeddedFont>
     <p:embeddedFont>
       <p:font typeface="Calibri" panose="020F0502020204030204" pitchFamily="34" charset="0"/>
-      <p:regular r:id="rId19"/>
-      <p:bold r:id="rId20"/>
-      <p:italic r:id="rId21"/>
-      <p:boldItalic r:id="rId22"/>
+      <p:regular r:id="rId22"/>
+      <p:bold r:id="rId23"/>
+      <p:italic r:id="rId24"/>
+      <p:boldItalic r:id="rId25"/>
     </p:embeddedFont>
     <p:embeddedFont>
       <p:font typeface="Miriam Libre" panose="00000500000000000000" pitchFamily="2" charset="-79"/>
-      <p:regular r:id="rId23"/>
-      <p:bold r:id="rId24"/>
+      <p:regular r:id="rId26"/>
+      <p:bold r:id="rId27"/>
     </p:embeddedFont>
     <p:embeddedFont>
       <p:font typeface="Work Sans" pitchFamily="2" charset="0"/>
-      <p:regular r:id="rId25"/>
-      <p:bold r:id="rId26"/>
-      <p:italic r:id="rId27"/>
-      <p:boldItalic r:id="rId28"/>
+      <p:regular r:id="rId28"/>
+      <p:bold r:id="rId29"/>
+      <p:italic r:id="rId30"/>
+      <p:boldItalic r:id="rId31"/>
     </p:embeddedFont>
   </p:embeddedFontLst>
   <p:defaultTextStyle>
@@ -283,6 +286,11 @@
       </a:defRPr>
     </a:lvl9pPr>
   </p:defaultTextStyle>
+  <p:extLst>
+    <p:ext uri="{EFAFB233-063F-42B5-8137-9DF3F51BA10A}">
+      <p15:sldGuideLst xmlns:p15="http://schemas.microsoft.com/office/powerpoint/2012/main"/>
+    </p:ext>
+  </p:extLst>
 </p:presentation>
 </file>
 
@@ -831,6 +839,224 @@
 </p:notes>
 </file>
 
+<file path=ppt/notesSlides/notesSlide10.xml><?xml version="1.0" encoding="utf-8"?>
+<p:notes xmlns:a="http://schemas.openxmlformats.org/drawingml/2006/main" xmlns:r="http://schemas.openxmlformats.org/officeDocument/2006/relationships" xmlns:p="http://schemas.openxmlformats.org/presentationml/2006/main" showMasterSp="0" showMasterPhAnim="0">
+  <p:cSld>
+    <p:spTree>
+      <p:nvGrpSpPr>
+        <p:cNvPr id="1" name="Shape 406"/>
+        <p:cNvGrpSpPr/>
+        <p:nvPr/>
+      </p:nvGrpSpPr>
+      <p:grpSpPr>
+        <a:xfrm>
+          <a:off x="0" y="0"/>
+          <a:ext cx="0" cy="0"/>
+          <a:chOff x="0" y="0"/>
+          <a:chExt cx="0" cy="0"/>
+        </a:xfrm>
+      </p:grpSpPr>
+      <p:sp>
+        <p:nvSpPr>
+          <p:cNvPr id="407" name="Google Shape;407;g35ed75ccf_057:notes"/>
+          <p:cNvSpPr>
+            <a:spLocks noGrp="1" noRot="1" noChangeAspect="1"/>
+          </p:cNvSpPr>
+          <p:nvPr>
+            <p:ph type="sldImg" idx="2"/>
+          </p:nvPr>
+        </p:nvSpPr>
+        <p:spPr>
+          <a:xfrm>
+            <a:off x="381000" y="685800"/>
+            <a:ext cx="6096000" cy="3429000"/>
+          </a:xfrm>
+          <a:custGeom>
+            <a:avLst/>
+            <a:gdLst/>
+            <a:ahLst/>
+            <a:cxnLst/>
+            <a:rect l="l" t="t" r="r" b="b"/>
+            <a:pathLst>
+              <a:path w="120000" h="120000" extrusionOk="0">
+                <a:moveTo>
+                  <a:pt x="0" y="0"/>
+                </a:moveTo>
+                <a:lnTo>
+                  <a:pt x="120000" y="0"/>
+                </a:lnTo>
+                <a:lnTo>
+                  <a:pt x="120000" y="120000"/>
+                </a:lnTo>
+                <a:lnTo>
+                  <a:pt x="0" y="120000"/>
+                </a:lnTo>
+                <a:close/>
+              </a:path>
+            </a:pathLst>
+          </a:custGeom>
+        </p:spPr>
+      </p:sp>
+      <p:sp>
+        <p:nvSpPr>
+          <p:cNvPr id="408" name="Google Shape;408;g35ed75ccf_057:notes"/>
+          <p:cNvSpPr txBox="1">
+            <a:spLocks noGrp="1"/>
+          </p:cNvSpPr>
+          <p:nvPr>
+            <p:ph type="body" idx="1"/>
+          </p:nvPr>
+        </p:nvSpPr>
+        <p:spPr>
+          <a:xfrm>
+            <a:off x="685800" y="4343400"/>
+            <a:ext cx="5486400" cy="4114800"/>
+          </a:xfrm>
+          <a:prstGeom prst="rect">
+            <a:avLst/>
+          </a:prstGeom>
+        </p:spPr>
+        <p:txBody>
+          <a:bodyPr spcFirstLastPara="1" wrap="square" lIns="91425" tIns="91425" rIns="91425" bIns="91425" anchor="t" anchorCtr="0">
+            <a:noAutofit/>
+          </a:bodyPr>
+          <a:lstStyle/>
+          <a:p>
+            <a:pPr marL="0" lvl="0" indent="0" algn="l" rtl="0">
+              <a:spcBef>
+                <a:spcPts val="0"/>
+              </a:spcBef>
+              <a:spcAft>
+                <a:spcPts val="0"/>
+              </a:spcAft>
+              <a:buNone/>
+            </a:pPr>
+            <a:endParaRPr dirty="0"/>
+          </a:p>
+        </p:txBody>
+      </p:sp>
+    </p:spTree>
+    <p:extLst>
+      <p:ext uri="{BB962C8B-B14F-4D97-AF65-F5344CB8AC3E}">
+        <p14:creationId xmlns:p14="http://schemas.microsoft.com/office/powerpoint/2010/main" val="3303113062"/>
+      </p:ext>
+    </p:extLst>
+  </p:cSld>
+  <p:clrMapOvr>
+    <a:masterClrMapping/>
+  </p:clrMapOvr>
+</p:notes>
+</file>
+
+<file path=ppt/notesSlides/notesSlide11.xml><?xml version="1.0" encoding="utf-8"?>
+<p:notes xmlns:a="http://schemas.openxmlformats.org/drawingml/2006/main" xmlns:r="http://schemas.openxmlformats.org/officeDocument/2006/relationships" xmlns:p="http://schemas.openxmlformats.org/presentationml/2006/main" showMasterSp="0" showMasterPhAnim="0">
+  <p:cSld>
+    <p:spTree>
+      <p:nvGrpSpPr>
+        <p:cNvPr id="1" name="Shape 270"/>
+        <p:cNvGrpSpPr/>
+        <p:nvPr/>
+      </p:nvGrpSpPr>
+      <p:grpSpPr>
+        <a:xfrm>
+          <a:off x="0" y="0"/>
+          <a:ext cx="0" cy="0"/>
+          <a:chOff x="0" y="0"/>
+          <a:chExt cx="0" cy="0"/>
+        </a:xfrm>
+      </p:grpSpPr>
+      <p:sp>
+        <p:nvSpPr>
+          <p:cNvPr id="271" name="Google Shape;271;g35f391192_09:notes"/>
+          <p:cNvSpPr>
+            <a:spLocks noGrp="1" noRot="1" noChangeAspect="1"/>
+          </p:cNvSpPr>
+          <p:nvPr>
+            <p:ph type="sldImg" idx="2"/>
+          </p:nvPr>
+        </p:nvSpPr>
+        <p:spPr>
+          <a:xfrm>
+            <a:off x="381000" y="685800"/>
+            <a:ext cx="6096000" cy="3429000"/>
+          </a:xfrm>
+          <a:custGeom>
+            <a:avLst/>
+            <a:gdLst/>
+            <a:ahLst/>
+            <a:cxnLst/>
+            <a:rect l="l" t="t" r="r" b="b"/>
+            <a:pathLst>
+              <a:path w="120000" h="120000" extrusionOk="0">
+                <a:moveTo>
+                  <a:pt x="0" y="0"/>
+                </a:moveTo>
+                <a:lnTo>
+                  <a:pt x="120000" y="0"/>
+                </a:lnTo>
+                <a:lnTo>
+                  <a:pt x="120000" y="120000"/>
+                </a:lnTo>
+                <a:lnTo>
+                  <a:pt x="0" y="120000"/>
+                </a:lnTo>
+                <a:close/>
+              </a:path>
+            </a:pathLst>
+          </a:custGeom>
+        </p:spPr>
+      </p:sp>
+      <p:sp>
+        <p:nvSpPr>
+          <p:cNvPr id="272" name="Google Shape;272;g35f391192_09:notes"/>
+          <p:cNvSpPr txBox="1">
+            <a:spLocks noGrp="1"/>
+          </p:cNvSpPr>
+          <p:nvPr>
+            <p:ph type="body" idx="1"/>
+          </p:nvPr>
+        </p:nvSpPr>
+        <p:spPr>
+          <a:xfrm>
+            <a:off x="685800" y="4343400"/>
+            <a:ext cx="5486400" cy="4114800"/>
+          </a:xfrm>
+          <a:prstGeom prst="rect">
+            <a:avLst/>
+          </a:prstGeom>
+        </p:spPr>
+        <p:txBody>
+          <a:bodyPr spcFirstLastPara="1" wrap="square" lIns="91425" tIns="91425" rIns="91425" bIns="91425" anchor="t" anchorCtr="0">
+            <a:noAutofit/>
+          </a:bodyPr>
+          <a:lstStyle/>
+          <a:p>
+            <a:pPr marL="0" lvl="0" indent="0" algn="l" rtl="0">
+              <a:spcBef>
+                <a:spcPts val="0"/>
+              </a:spcBef>
+              <a:spcAft>
+                <a:spcPts val="0"/>
+              </a:spcAft>
+              <a:buNone/>
+            </a:pPr>
+            <a:endParaRPr/>
+          </a:p>
+        </p:txBody>
+      </p:sp>
+    </p:spTree>
+    <p:extLst>
+      <p:ext uri="{BB962C8B-B14F-4D97-AF65-F5344CB8AC3E}">
+        <p14:creationId xmlns:p14="http://schemas.microsoft.com/office/powerpoint/2010/main" val="3779669734"/>
+      </p:ext>
+    </p:extLst>
+  </p:cSld>
+  <p:clrMapOvr>
+    <a:masterClrMapping/>
+  </p:clrMapOvr>
+</p:notes>
+</file>
+
 <file path=ppt/notesSlides/notesSlide2.xml><?xml version="1.0" encoding="utf-8"?>
 <p:notes xmlns:a="http://schemas.openxmlformats.org/drawingml/2006/main" xmlns:r="http://schemas.openxmlformats.org/officeDocument/2006/relationships" xmlns:p="http://schemas.openxmlformats.org/presentationml/2006/main" showMasterSp="0" showMasterPhAnim="0">
   <p:cSld>
@@ -1552,6 +1778,115 @@
         </p:txBody>
       </p:sp>
     </p:spTree>
+  </p:cSld>
+  <p:clrMapOvr>
+    <a:masterClrMapping/>
+  </p:clrMapOvr>
+</p:notes>
+</file>
+
+<file path=ppt/notesSlides/notesSlide9.xml><?xml version="1.0" encoding="utf-8"?>
+<p:notes xmlns:a="http://schemas.openxmlformats.org/drawingml/2006/main" xmlns:r="http://schemas.openxmlformats.org/officeDocument/2006/relationships" xmlns:p="http://schemas.openxmlformats.org/presentationml/2006/main" showMasterSp="0" showMasterPhAnim="0">
+  <p:cSld>
+    <p:spTree>
+      <p:nvGrpSpPr>
+        <p:cNvPr id="1" name="Shape 257"/>
+        <p:cNvGrpSpPr/>
+        <p:nvPr/>
+      </p:nvGrpSpPr>
+      <p:grpSpPr>
+        <a:xfrm>
+          <a:off x="0" y="0"/>
+          <a:ext cx="0" cy="0"/>
+          <a:chOff x="0" y="0"/>
+          <a:chExt cx="0" cy="0"/>
+        </a:xfrm>
+      </p:grpSpPr>
+      <p:sp>
+        <p:nvSpPr>
+          <p:cNvPr id="258" name="Google Shape;258;p:notes"/>
+          <p:cNvSpPr>
+            <a:spLocks noGrp="1" noRot="1" noChangeAspect="1"/>
+          </p:cNvSpPr>
+          <p:nvPr>
+            <p:ph type="sldImg" idx="2"/>
+          </p:nvPr>
+        </p:nvSpPr>
+        <p:spPr>
+          <a:xfrm>
+            <a:off x="381000" y="685800"/>
+            <a:ext cx="6096000" cy="3429000"/>
+          </a:xfrm>
+          <a:custGeom>
+            <a:avLst/>
+            <a:gdLst/>
+            <a:ahLst/>
+            <a:cxnLst/>
+            <a:rect l="l" t="t" r="r" b="b"/>
+            <a:pathLst>
+              <a:path w="120000" h="120000" extrusionOk="0">
+                <a:moveTo>
+                  <a:pt x="0" y="0"/>
+                </a:moveTo>
+                <a:lnTo>
+                  <a:pt x="120000" y="0"/>
+                </a:lnTo>
+                <a:lnTo>
+                  <a:pt x="120000" y="120000"/>
+                </a:lnTo>
+                <a:lnTo>
+                  <a:pt x="0" y="120000"/>
+                </a:lnTo>
+                <a:close/>
+              </a:path>
+            </a:pathLst>
+          </a:custGeom>
+        </p:spPr>
+      </p:sp>
+      <p:sp>
+        <p:nvSpPr>
+          <p:cNvPr id="259" name="Google Shape;259;p:notes"/>
+          <p:cNvSpPr txBox="1">
+            <a:spLocks noGrp="1"/>
+          </p:cNvSpPr>
+          <p:nvPr>
+            <p:ph type="body" idx="1"/>
+          </p:nvPr>
+        </p:nvSpPr>
+        <p:spPr>
+          <a:xfrm>
+            <a:off x="685800" y="4343400"/>
+            <a:ext cx="5486400" cy="4114800"/>
+          </a:xfrm>
+          <a:prstGeom prst="rect">
+            <a:avLst/>
+          </a:prstGeom>
+        </p:spPr>
+        <p:txBody>
+          <a:bodyPr spcFirstLastPara="1" wrap="square" lIns="91425" tIns="91425" rIns="91425" bIns="91425" anchor="t" anchorCtr="0">
+            <a:noAutofit/>
+          </a:bodyPr>
+          <a:lstStyle/>
+          <a:p>
+            <a:pPr marL="0" lvl="0" indent="0" algn="l" rtl="0">
+              <a:spcBef>
+                <a:spcPts val="0"/>
+              </a:spcBef>
+              <a:spcAft>
+                <a:spcPts val="0"/>
+              </a:spcAft>
+              <a:buNone/>
+            </a:pPr>
+            <a:endParaRPr/>
+          </a:p>
+        </p:txBody>
+      </p:sp>
+    </p:spTree>
+    <p:extLst>
+      <p:ext uri="{BB962C8B-B14F-4D97-AF65-F5344CB8AC3E}">
+        <p14:creationId xmlns:p14="http://schemas.microsoft.com/office/powerpoint/2010/main" val="4271102724"/>
+      </p:ext>
+    </p:extLst>
   </p:cSld>
   <p:clrMapOvr>
     <a:masterClrMapping/>
@@ -32673,6 +33008,1729 @@
 </p:sld>
 </file>
 
+<file path=ppt/slides/slide10.xml><?xml version="1.0" encoding="utf-8"?>
+<p:sld xmlns:a="http://schemas.openxmlformats.org/drawingml/2006/main" xmlns:r="http://schemas.openxmlformats.org/officeDocument/2006/relationships" xmlns:p="http://schemas.openxmlformats.org/presentationml/2006/main">
+  <p:cSld>
+    <p:spTree>
+      <p:nvGrpSpPr>
+        <p:cNvPr id="1" name="Shape 409"/>
+        <p:cNvGrpSpPr/>
+        <p:nvPr/>
+      </p:nvGrpSpPr>
+      <p:grpSpPr>
+        <a:xfrm>
+          <a:off x="0" y="0"/>
+          <a:ext cx="0" cy="0"/>
+          <a:chOff x="0" y="0"/>
+          <a:chExt cx="0" cy="0"/>
+        </a:xfrm>
+      </p:grpSpPr>
+      <p:sp>
+        <p:nvSpPr>
+          <p:cNvPr id="410" name="Google Shape;410;p30"/>
+          <p:cNvSpPr txBox="1">
+            <a:spLocks noGrp="1"/>
+          </p:cNvSpPr>
+          <p:nvPr>
+            <p:ph type="title"/>
+          </p:nvPr>
+        </p:nvSpPr>
+        <p:spPr>
+          <a:xfrm>
+            <a:off x="531558" y="122259"/>
+            <a:ext cx="5138700" cy="857400"/>
+          </a:xfrm>
+          <a:prstGeom prst="rect">
+            <a:avLst/>
+          </a:prstGeom>
+        </p:spPr>
+        <p:txBody>
+          <a:bodyPr spcFirstLastPara="1" wrap="square" lIns="91425" tIns="91425" rIns="91425" bIns="91425" anchor="b" anchorCtr="0">
+            <a:noAutofit/>
+          </a:bodyPr>
+          <a:lstStyle/>
+          <a:p>
+            <a:pPr marL="0" lvl="0" indent="0" algn="l" rtl="0">
+              <a:spcBef>
+                <a:spcPts val="0"/>
+              </a:spcBef>
+              <a:spcAft>
+                <a:spcPts val="0"/>
+              </a:spcAft>
+              <a:buNone/>
+            </a:pPr>
+            <a:r>
+              <a:rPr lang="es-MX" dirty="0"/>
+              <a:t>Estructura organizacional </a:t>
+            </a:r>
+          </a:p>
+        </p:txBody>
+      </p:sp>
+      <p:sp>
+        <p:nvSpPr>
+          <p:cNvPr id="414" name="Google Shape;414;p30"/>
+          <p:cNvSpPr txBox="1">
+            <a:spLocks noGrp="1"/>
+          </p:cNvSpPr>
+          <p:nvPr>
+            <p:ph type="sldNum" idx="12"/>
+          </p:nvPr>
+        </p:nvSpPr>
+        <p:spPr>
+          <a:xfrm>
+            <a:off x="8808000" y="2208175"/>
+            <a:ext cx="336000" cy="727200"/>
+          </a:xfrm>
+          <a:prstGeom prst="rect">
+            <a:avLst/>
+          </a:prstGeom>
+        </p:spPr>
+        <p:txBody>
+          <a:bodyPr spcFirstLastPara="1" wrap="square" lIns="91425" tIns="91425" rIns="91425" bIns="91425" anchor="ctr" anchorCtr="0">
+            <a:noAutofit/>
+          </a:bodyPr>
+          <a:lstStyle/>
+          <a:p>
+            <a:pPr marL="0" lvl="0" indent="0" algn="ctr" rtl="0">
+              <a:spcBef>
+                <a:spcPts val="0"/>
+              </a:spcBef>
+              <a:spcAft>
+                <a:spcPts val="0"/>
+              </a:spcAft>
+              <a:buNone/>
+            </a:pPr>
+            <a:fld id="{00000000-1234-1234-1234-123412341234}" type="slidenum">
+              <a:rPr lang="en"/>
+              <a:t>10</a:t>
+            </a:fld>
+            <a:endParaRPr dirty="0"/>
+          </a:p>
+        </p:txBody>
+      </p:sp>
+      <p:sp>
+        <p:nvSpPr>
+          <p:cNvPr id="18" name="Rectángulo 17">
+            <a:extLst>
+              <a:ext uri="{FF2B5EF4-FFF2-40B4-BE49-F238E27FC236}">
+                <a16:creationId xmlns:a16="http://schemas.microsoft.com/office/drawing/2014/main" id="{712F7BD7-C796-A451-57C6-F38A79CDF9CF}"/>
+              </a:ext>
+            </a:extLst>
+          </p:cNvPr>
+          <p:cNvSpPr/>
+          <p:nvPr/>
+        </p:nvSpPr>
+        <p:spPr>
+          <a:xfrm>
+            <a:off x="1701210" y="1303952"/>
+            <a:ext cx="808075" cy="595423"/>
+          </a:xfrm>
+          <a:prstGeom prst="rect">
+            <a:avLst/>
+          </a:prstGeom>
+        </p:spPr>
+        <p:style>
+          <a:lnRef idx="2">
+            <a:schemeClr val="accent1">
+              <a:shade val="50000"/>
+            </a:schemeClr>
+          </a:lnRef>
+          <a:fillRef idx="1">
+            <a:schemeClr val="accent1"/>
+          </a:fillRef>
+          <a:effectRef idx="0">
+            <a:schemeClr val="accent1"/>
+          </a:effectRef>
+          <a:fontRef idx="minor">
+            <a:schemeClr val="lt1"/>
+          </a:fontRef>
+        </p:style>
+        <p:txBody>
+          <a:bodyPr rtlCol="0" anchor="ctr"/>
+          <a:lstStyle/>
+          <a:p>
+            <a:pPr algn="ctr"/>
+            <a:r>
+              <a:rPr lang="es-MX" dirty="0">
+                <a:solidFill>
+                  <a:schemeClr val="tx1">
+                    <a:lumMod val="75000"/>
+                    <a:lumOff val="25000"/>
+                  </a:schemeClr>
+                </a:solidFill>
+              </a:rPr>
+              <a:t>Ceo1</a:t>
+            </a:r>
+          </a:p>
+        </p:txBody>
+      </p:sp>
+      <p:sp>
+        <p:nvSpPr>
+          <p:cNvPr id="19" name="Rectángulo 18">
+            <a:extLst>
+              <a:ext uri="{FF2B5EF4-FFF2-40B4-BE49-F238E27FC236}">
+                <a16:creationId xmlns:a16="http://schemas.microsoft.com/office/drawing/2014/main" id="{836AC573-F931-943D-09AC-DE088C3CB468}"/>
+              </a:ext>
+            </a:extLst>
+          </p:cNvPr>
+          <p:cNvSpPr/>
+          <p:nvPr/>
+        </p:nvSpPr>
+        <p:spPr>
+          <a:xfrm>
+            <a:off x="2785730" y="1303951"/>
+            <a:ext cx="808075" cy="595423"/>
+          </a:xfrm>
+          <a:prstGeom prst="rect">
+            <a:avLst/>
+          </a:prstGeom>
+        </p:spPr>
+        <p:style>
+          <a:lnRef idx="2">
+            <a:schemeClr val="accent1">
+              <a:shade val="50000"/>
+            </a:schemeClr>
+          </a:lnRef>
+          <a:fillRef idx="1">
+            <a:schemeClr val="accent1"/>
+          </a:fillRef>
+          <a:effectRef idx="0">
+            <a:schemeClr val="accent1"/>
+          </a:effectRef>
+          <a:fontRef idx="minor">
+            <a:schemeClr val="lt1"/>
+          </a:fontRef>
+        </p:style>
+        <p:txBody>
+          <a:bodyPr rtlCol="0" anchor="ctr"/>
+          <a:lstStyle/>
+          <a:p>
+            <a:pPr algn="ctr"/>
+            <a:r>
+              <a:rPr lang="es-MX" dirty="0">
+                <a:solidFill>
+                  <a:schemeClr val="tx1">
+                    <a:lumMod val="75000"/>
+                    <a:lumOff val="25000"/>
+                  </a:schemeClr>
+                </a:solidFill>
+              </a:rPr>
+              <a:t>Ceo2</a:t>
+            </a:r>
+          </a:p>
+        </p:txBody>
+      </p:sp>
+      <p:sp>
+        <p:nvSpPr>
+          <p:cNvPr id="20" name="Rectángulo 19">
+            <a:extLst>
+              <a:ext uri="{FF2B5EF4-FFF2-40B4-BE49-F238E27FC236}">
+                <a16:creationId xmlns:a16="http://schemas.microsoft.com/office/drawing/2014/main" id="{103B8D52-0440-3D9E-A13C-9D8FC97DDD77}"/>
+              </a:ext>
+            </a:extLst>
+          </p:cNvPr>
+          <p:cNvSpPr/>
+          <p:nvPr/>
+        </p:nvSpPr>
+        <p:spPr>
+          <a:xfrm>
+            <a:off x="3870250" y="1303951"/>
+            <a:ext cx="808075" cy="595423"/>
+          </a:xfrm>
+          <a:prstGeom prst="rect">
+            <a:avLst/>
+          </a:prstGeom>
+        </p:spPr>
+        <p:style>
+          <a:lnRef idx="2">
+            <a:schemeClr val="accent1">
+              <a:shade val="50000"/>
+            </a:schemeClr>
+          </a:lnRef>
+          <a:fillRef idx="1">
+            <a:schemeClr val="accent1"/>
+          </a:fillRef>
+          <a:effectRef idx="0">
+            <a:schemeClr val="accent1"/>
+          </a:effectRef>
+          <a:fontRef idx="minor">
+            <a:schemeClr val="lt1"/>
+          </a:fontRef>
+        </p:style>
+        <p:txBody>
+          <a:bodyPr rtlCol="0" anchor="ctr"/>
+          <a:lstStyle/>
+          <a:p>
+            <a:pPr algn="ctr"/>
+            <a:r>
+              <a:rPr lang="es-MX" dirty="0">
+                <a:solidFill>
+                  <a:schemeClr val="tx1">
+                    <a:lumMod val="75000"/>
+                    <a:lumOff val="25000"/>
+                  </a:schemeClr>
+                </a:solidFill>
+              </a:rPr>
+              <a:t>Ceo3</a:t>
+            </a:r>
+          </a:p>
+        </p:txBody>
+      </p:sp>
+      <p:sp>
+        <p:nvSpPr>
+          <p:cNvPr id="21" name="Rectángulo 20">
+            <a:extLst>
+              <a:ext uri="{FF2B5EF4-FFF2-40B4-BE49-F238E27FC236}">
+                <a16:creationId xmlns:a16="http://schemas.microsoft.com/office/drawing/2014/main" id="{91351F5C-5134-4A6B-110D-4EF336B3AE30}"/>
+              </a:ext>
+            </a:extLst>
+          </p:cNvPr>
+          <p:cNvSpPr/>
+          <p:nvPr/>
+        </p:nvSpPr>
+        <p:spPr>
+          <a:xfrm>
+            <a:off x="1190847" y="2559788"/>
+            <a:ext cx="808075" cy="595423"/>
+          </a:xfrm>
+          <a:prstGeom prst="rect">
+            <a:avLst/>
+          </a:prstGeom>
+        </p:spPr>
+        <p:style>
+          <a:lnRef idx="2">
+            <a:schemeClr val="accent1">
+              <a:shade val="50000"/>
+            </a:schemeClr>
+          </a:lnRef>
+          <a:fillRef idx="1">
+            <a:schemeClr val="accent1"/>
+          </a:fillRef>
+          <a:effectRef idx="0">
+            <a:schemeClr val="accent1"/>
+          </a:effectRef>
+          <a:fontRef idx="minor">
+            <a:schemeClr val="lt1"/>
+          </a:fontRef>
+        </p:style>
+        <p:txBody>
+          <a:bodyPr rtlCol="0" anchor="ctr"/>
+          <a:lstStyle/>
+          <a:p>
+            <a:pPr algn="ctr"/>
+            <a:r>
+              <a:rPr lang="es-MX" sz="800" dirty="0">
+                <a:solidFill>
+                  <a:schemeClr val="tx1">
+                    <a:lumMod val="75000"/>
+                    <a:lumOff val="25000"/>
+                  </a:schemeClr>
+                </a:solidFill>
+              </a:rPr>
+              <a:t>Encargado de restauración</a:t>
+            </a:r>
+          </a:p>
+        </p:txBody>
+      </p:sp>
+      <p:sp>
+        <p:nvSpPr>
+          <p:cNvPr id="27" name="Rectángulo 26">
+            <a:extLst>
+              <a:ext uri="{FF2B5EF4-FFF2-40B4-BE49-F238E27FC236}">
+                <a16:creationId xmlns:a16="http://schemas.microsoft.com/office/drawing/2014/main" id="{07F84793-1EFD-406D-8915-BBAD92C80B81}"/>
+              </a:ext>
+            </a:extLst>
+          </p:cNvPr>
+          <p:cNvSpPr/>
+          <p:nvPr/>
+        </p:nvSpPr>
+        <p:spPr>
+          <a:xfrm>
+            <a:off x="106327" y="3697474"/>
+            <a:ext cx="808075" cy="595423"/>
+          </a:xfrm>
+          <a:prstGeom prst="rect">
+            <a:avLst/>
+          </a:prstGeom>
+        </p:spPr>
+        <p:style>
+          <a:lnRef idx="2">
+            <a:schemeClr val="accent1">
+              <a:shade val="50000"/>
+            </a:schemeClr>
+          </a:lnRef>
+          <a:fillRef idx="1">
+            <a:schemeClr val="accent1"/>
+          </a:fillRef>
+          <a:effectRef idx="0">
+            <a:schemeClr val="accent1"/>
+          </a:effectRef>
+          <a:fontRef idx="minor">
+            <a:schemeClr val="lt1"/>
+          </a:fontRef>
+        </p:style>
+        <p:txBody>
+          <a:bodyPr rtlCol="0" anchor="ctr"/>
+          <a:lstStyle/>
+          <a:p>
+            <a:pPr algn="ctr"/>
+            <a:r>
+              <a:rPr lang="es-MX" sz="1000" dirty="0">
+                <a:solidFill>
+                  <a:schemeClr val="tx1">
+                    <a:lumMod val="75000"/>
+                    <a:lumOff val="25000"/>
+                  </a:schemeClr>
+                </a:solidFill>
+              </a:rPr>
+              <a:t>Empleado</a:t>
+            </a:r>
+          </a:p>
+        </p:txBody>
+      </p:sp>
+      <p:sp>
+        <p:nvSpPr>
+          <p:cNvPr id="38" name="Rectángulo 37">
+            <a:extLst>
+              <a:ext uri="{FF2B5EF4-FFF2-40B4-BE49-F238E27FC236}">
+                <a16:creationId xmlns:a16="http://schemas.microsoft.com/office/drawing/2014/main" id="{BDF697B9-0DF6-CB69-B9C2-94124B4E02D3}"/>
+              </a:ext>
+            </a:extLst>
+          </p:cNvPr>
+          <p:cNvSpPr/>
+          <p:nvPr/>
+        </p:nvSpPr>
+        <p:spPr>
+          <a:xfrm>
+            <a:off x="1190847" y="3734687"/>
+            <a:ext cx="808075" cy="595423"/>
+          </a:xfrm>
+          <a:prstGeom prst="rect">
+            <a:avLst/>
+          </a:prstGeom>
+        </p:spPr>
+        <p:style>
+          <a:lnRef idx="2">
+            <a:schemeClr val="accent1">
+              <a:shade val="50000"/>
+            </a:schemeClr>
+          </a:lnRef>
+          <a:fillRef idx="1">
+            <a:schemeClr val="accent1"/>
+          </a:fillRef>
+          <a:effectRef idx="0">
+            <a:schemeClr val="accent1"/>
+          </a:effectRef>
+          <a:fontRef idx="minor">
+            <a:schemeClr val="lt1"/>
+          </a:fontRef>
+        </p:style>
+        <p:txBody>
+          <a:bodyPr rtlCol="0" anchor="ctr"/>
+          <a:lstStyle/>
+          <a:p>
+            <a:pPr algn="ctr"/>
+            <a:r>
+              <a:rPr lang="es-MX" sz="1000" dirty="0">
+                <a:solidFill>
+                  <a:schemeClr val="tx1">
+                    <a:lumMod val="75000"/>
+                    <a:lumOff val="25000"/>
+                  </a:schemeClr>
+                </a:solidFill>
+              </a:rPr>
+              <a:t>Empleado</a:t>
+            </a:r>
+          </a:p>
+        </p:txBody>
+      </p:sp>
+      <p:sp>
+        <p:nvSpPr>
+          <p:cNvPr id="39" name="Rectángulo 38">
+            <a:extLst>
+              <a:ext uri="{FF2B5EF4-FFF2-40B4-BE49-F238E27FC236}">
+                <a16:creationId xmlns:a16="http://schemas.microsoft.com/office/drawing/2014/main" id="{16AD5D56-21FF-427D-73C3-A102AEF5B68A}"/>
+              </a:ext>
+            </a:extLst>
+          </p:cNvPr>
+          <p:cNvSpPr/>
+          <p:nvPr/>
+        </p:nvSpPr>
+        <p:spPr>
+          <a:xfrm>
+            <a:off x="2275366" y="3734686"/>
+            <a:ext cx="808075" cy="595423"/>
+          </a:xfrm>
+          <a:prstGeom prst="rect">
+            <a:avLst/>
+          </a:prstGeom>
+        </p:spPr>
+        <p:style>
+          <a:lnRef idx="2">
+            <a:schemeClr val="accent1">
+              <a:shade val="50000"/>
+            </a:schemeClr>
+          </a:lnRef>
+          <a:fillRef idx="1">
+            <a:schemeClr val="accent1"/>
+          </a:fillRef>
+          <a:effectRef idx="0">
+            <a:schemeClr val="accent1"/>
+          </a:effectRef>
+          <a:fontRef idx="minor">
+            <a:schemeClr val="lt1"/>
+          </a:fontRef>
+        </p:style>
+        <p:txBody>
+          <a:bodyPr rtlCol="0" anchor="ctr"/>
+          <a:lstStyle/>
+          <a:p>
+            <a:pPr algn="ctr"/>
+            <a:r>
+              <a:rPr lang="es-MX" sz="1000" dirty="0">
+                <a:solidFill>
+                  <a:schemeClr val="tx1">
+                    <a:lumMod val="75000"/>
+                    <a:lumOff val="25000"/>
+                  </a:schemeClr>
+                </a:solidFill>
+              </a:rPr>
+              <a:t>Empleado</a:t>
+            </a:r>
+          </a:p>
+        </p:txBody>
+      </p:sp>
+      <p:sp>
+        <p:nvSpPr>
+          <p:cNvPr id="40" name="Rectángulo 39">
+            <a:extLst>
+              <a:ext uri="{FF2B5EF4-FFF2-40B4-BE49-F238E27FC236}">
+                <a16:creationId xmlns:a16="http://schemas.microsoft.com/office/drawing/2014/main" id="{92883D08-DDEC-D479-59B3-86F6A896ABC2}"/>
+              </a:ext>
+            </a:extLst>
+          </p:cNvPr>
+          <p:cNvSpPr/>
+          <p:nvPr/>
+        </p:nvSpPr>
+        <p:spPr>
+          <a:xfrm>
+            <a:off x="3359888" y="3737343"/>
+            <a:ext cx="808075" cy="595423"/>
+          </a:xfrm>
+          <a:prstGeom prst="rect">
+            <a:avLst/>
+          </a:prstGeom>
+        </p:spPr>
+        <p:style>
+          <a:lnRef idx="2">
+            <a:schemeClr val="accent1">
+              <a:shade val="50000"/>
+            </a:schemeClr>
+          </a:lnRef>
+          <a:fillRef idx="1">
+            <a:schemeClr val="accent1"/>
+          </a:fillRef>
+          <a:effectRef idx="0">
+            <a:schemeClr val="accent1"/>
+          </a:effectRef>
+          <a:fontRef idx="minor">
+            <a:schemeClr val="lt1"/>
+          </a:fontRef>
+        </p:style>
+        <p:txBody>
+          <a:bodyPr rtlCol="0" anchor="ctr"/>
+          <a:lstStyle/>
+          <a:p>
+            <a:pPr algn="ctr"/>
+            <a:r>
+              <a:rPr lang="es-MX" sz="1000" dirty="0">
+                <a:solidFill>
+                  <a:schemeClr val="tx1">
+                    <a:lumMod val="75000"/>
+                    <a:lumOff val="25000"/>
+                  </a:schemeClr>
+                </a:solidFill>
+              </a:rPr>
+              <a:t>Empleado</a:t>
+            </a:r>
+          </a:p>
+        </p:txBody>
+      </p:sp>
+      <p:sp>
+        <p:nvSpPr>
+          <p:cNvPr id="41" name="Rectángulo 40">
+            <a:extLst>
+              <a:ext uri="{FF2B5EF4-FFF2-40B4-BE49-F238E27FC236}">
+                <a16:creationId xmlns:a16="http://schemas.microsoft.com/office/drawing/2014/main" id="{9C5F6D30-4DB1-17FA-ED40-7EC9625B9169}"/>
+              </a:ext>
+            </a:extLst>
+          </p:cNvPr>
+          <p:cNvSpPr/>
+          <p:nvPr/>
+        </p:nvSpPr>
+        <p:spPr>
+          <a:xfrm>
+            <a:off x="4444408" y="3774556"/>
+            <a:ext cx="808075" cy="595423"/>
+          </a:xfrm>
+          <a:prstGeom prst="rect">
+            <a:avLst/>
+          </a:prstGeom>
+        </p:spPr>
+        <p:style>
+          <a:lnRef idx="2">
+            <a:schemeClr val="accent1">
+              <a:shade val="50000"/>
+            </a:schemeClr>
+          </a:lnRef>
+          <a:fillRef idx="1">
+            <a:schemeClr val="accent1"/>
+          </a:fillRef>
+          <a:effectRef idx="0">
+            <a:schemeClr val="accent1"/>
+          </a:effectRef>
+          <a:fontRef idx="minor">
+            <a:schemeClr val="lt1"/>
+          </a:fontRef>
+        </p:style>
+        <p:txBody>
+          <a:bodyPr rtlCol="0" anchor="ctr"/>
+          <a:lstStyle/>
+          <a:p>
+            <a:pPr algn="ctr"/>
+            <a:r>
+              <a:rPr lang="es-MX" sz="1000" dirty="0">
+                <a:solidFill>
+                  <a:schemeClr val="tx1">
+                    <a:lumMod val="75000"/>
+                    <a:lumOff val="25000"/>
+                  </a:schemeClr>
+                </a:solidFill>
+              </a:rPr>
+              <a:t>Empleado</a:t>
+            </a:r>
+          </a:p>
+        </p:txBody>
+      </p:sp>
+      <p:sp>
+        <p:nvSpPr>
+          <p:cNvPr id="42" name="Rectángulo 41">
+            <a:extLst>
+              <a:ext uri="{FF2B5EF4-FFF2-40B4-BE49-F238E27FC236}">
+                <a16:creationId xmlns:a16="http://schemas.microsoft.com/office/drawing/2014/main" id="{703E4584-A359-B913-DF14-9C563C00F4B6}"/>
+              </a:ext>
+            </a:extLst>
+          </p:cNvPr>
+          <p:cNvSpPr/>
+          <p:nvPr/>
+        </p:nvSpPr>
+        <p:spPr>
+          <a:xfrm>
+            <a:off x="5528927" y="3774555"/>
+            <a:ext cx="808075" cy="595423"/>
+          </a:xfrm>
+          <a:prstGeom prst="rect">
+            <a:avLst/>
+          </a:prstGeom>
+        </p:spPr>
+        <p:style>
+          <a:lnRef idx="2">
+            <a:schemeClr val="accent1">
+              <a:shade val="50000"/>
+            </a:schemeClr>
+          </a:lnRef>
+          <a:fillRef idx="1">
+            <a:schemeClr val="accent1"/>
+          </a:fillRef>
+          <a:effectRef idx="0">
+            <a:schemeClr val="accent1"/>
+          </a:effectRef>
+          <a:fontRef idx="minor">
+            <a:schemeClr val="lt1"/>
+          </a:fontRef>
+        </p:style>
+        <p:txBody>
+          <a:bodyPr rtlCol="0" anchor="ctr"/>
+          <a:lstStyle/>
+          <a:p>
+            <a:pPr algn="ctr"/>
+            <a:r>
+              <a:rPr lang="es-MX" sz="1000" dirty="0">
+                <a:solidFill>
+                  <a:schemeClr val="tx1">
+                    <a:lumMod val="75000"/>
+                    <a:lumOff val="25000"/>
+                  </a:schemeClr>
+                </a:solidFill>
+              </a:rPr>
+              <a:t>Empleado</a:t>
+            </a:r>
+          </a:p>
+        </p:txBody>
+      </p:sp>
+      <p:sp>
+        <p:nvSpPr>
+          <p:cNvPr id="43" name="Rectángulo 42">
+            <a:extLst>
+              <a:ext uri="{FF2B5EF4-FFF2-40B4-BE49-F238E27FC236}">
+                <a16:creationId xmlns:a16="http://schemas.microsoft.com/office/drawing/2014/main" id="{EF887EA8-D946-1724-5DFA-3F1DCC64E317}"/>
+              </a:ext>
+            </a:extLst>
+          </p:cNvPr>
+          <p:cNvSpPr/>
+          <p:nvPr/>
+        </p:nvSpPr>
+        <p:spPr>
+          <a:xfrm>
+            <a:off x="72232" y="2557129"/>
+            <a:ext cx="882574" cy="595423"/>
+          </a:xfrm>
+          <a:prstGeom prst="rect">
+            <a:avLst/>
+          </a:prstGeom>
+        </p:spPr>
+        <p:style>
+          <a:lnRef idx="2">
+            <a:schemeClr val="accent1">
+              <a:shade val="50000"/>
+            </a:schemeClr>
+          </a:lnRef>
+          <a:fillRef idx="1">
+            <a:schemeClr val="accent1"/>
+          </a:fillRef>
+          <a:effectRef idx="0">
+            <a:schemeClr val="accent1"/>
+          </a:effectRef>
+          <a:fontRef idx="minor">
+            <a:schemeClr val="lt1"/>
+          </a:fontRef>
+        </p:style>
+        <p:txBody>
+          <a:bodyPr rtlCol="0" anchor="ctr"/>
+          <a:lstStyle/>
+          <a:p>
+            <a:pPr algn="ctr"/>
+            <a:r>
+              <a:rPr lang="es-MX" sz="800" dirty="0">
+                <a:solidFill>
+                  <a:schemeClr val="tx1">
+                    <a:lumMod val="75000"/>
+                    <a:lumOff val="25000"/>
+                  </a:schemeClr>
+                </a:solidFill>
+              </a:rPr>
+              <a:t>Encargado de reconstrucción</a:t>
+            </a:r>
+          </a:p>
+        </p:txBody>
+      </p:sp>
+      <p:sp>
+        <p:nvSpPr>
+          <p:cNvPr id="44" name="Rectángulo 43">
+            <a:extLst>
+              <a:ext uri="{FF2B5EF4-FFF2-40B4-BE49-F238E27FC236}">
+                <a16:creationId xmlns:a16="http://schemas.microsoft.com/office/drawing/2014/main" id="{8D3FE9D4-56E9-6AFA-134F-B52376929379}"/>
+              </a:ext>
+            </a:extLst>
+          </p:cNvPr>
+          <p:cNvSpPr/>
+          <p:nvPr/>
+        </p:nvSpPr>
+        <p:spPr>
+          <a:xfrm>
+            <a:off x="2275365" y="2559788"/>
+            <a:ext cx="808075" cy="595423"/>
+          </a:xfrm>
+          <a:prstGeom prst="rect">
+            <a:avLst/>
+          </a:prstGeom>
+        </p:spPr>
+        <p:style>
+          <a:lnRef idx="2">
+            <a:schemeClr val="accent1">
+              <a:shade val="50000"/>
+            </a:schemeClr>
+          </a:lnRef>
+          <a:fillRef idx="1">
+            <a:schemeClr val="accent1"/>
+          </a:fillRef>
+          <a:effectRef idx="0">
+            <a:schemeClr val="accent1"/>
+          </a:effectRef>
+          <a:fontRef idx="minor">
+            <a:schemeClr val="lt1"/>
+          </a:fontRef>
+        </p:style>
+        <p:txBody>
+          <a:bodyPr rtlCol="0" anchor="ctr"/>
+          <a:lstStyle/>
+          <a:p>
+            <a:pPr algn="ctr"/>
+            <a:r>
+              <a:rPr lang="es-MX" sz="800" dirty="0">
+                <a:solidFill>
+                  <a:schemeClr val="tx1">
+                    <a:lumMod val="75000"/>
+                    <a:lumOff val="25000"/>
+                  </a:schemeClr>
+                </a:solidFill>
+              </a:rPr>
+              <a:t>Encargado de mejoras</a:t>
+            </a:r>
+          </a:p>
+        </p:txBody>
+      </p:sp>
+      <p:sp>
+        <p:nvSpPr>
+          <p:cNvPr id="45" name="Rectángulo 44">
+            <a:extLst>
+              <a:ext uri="{FF2B5EF4-FFF2-40B4-BE49-F238E27FC236}">
+                <a16:creationId xmlns:a16="http://schemas.microsoft.com/office/drawing/2014/main" id="{AC872631-5A37-AB7A-8D2D-434B47B68F77}"/>
+              </a:ext>
+            </a:extLst>
+          </p:cNvPr>
+          <p:cNvSpPr/>
+          <p:nvPr/>
+        </p:nvSpPr>
+        <p:spPr>
+          <a:xfrm>
+            <a:off x="3359883" y="2578395"/>
+            <a:ext cx="808075" cy="595423"/>
+          </a:xfrm>
+          <a:prstGeom prst="rect">
+            <a:avLst/>
+          </a:prstGeom>
+        </p:spPr>
+        <p:style>
+          <a:lnRef idx="2">
+            <a:schemeClr val="accent1">
+              <a:shade val="50000"/>
+            </a:schemeClr>
+          </a:lnRef>
+          <a:fillRef idx="1">
+            <a:schemeClr val="accent1"/>
+          </a:fillRef>
+          <a:effectRef idx="0">
+            <a:schemeClr val="accent1"/>
+          </a:effectRef>
+          <a:fontRef idx="minor">
+            <a:schemeClr val="lt1"/>
+          </a:fontRef>
+        </p:style>
+        <p:txBody>
+          <a:bodyPr rtlCol="0" anchor="ctr"/>
+          <a:lstStyle/>
+          <a:p>
+            <a:pPr algn="ctr"/>
+            <a:r>
+              <a:rPr lang="es-MX" sz="800" dirty="0">
+                <a:solidFill>
+                  <a:schemeClr val="tx1">
+                    <a:lumMod val="75000"/>
+                    <a:lumOff val="25000"/>
+                  </a:schemeClr>
+                </a:solidFill>
+              </a:rPr>
+              <a:t>Encargado de actualización</a:t>
+            </a:r>
+          </a:p>
+        </p:txBody>
+      </p:sp>
+      <p:sp>
+        <p:nvSpPr>
+          <p:cNvPr id="46" name="Rectángulo 45">
+            <a:extLst>
+              <a:ext uri="{FF2B5EF4-FFF2-40B4-BE49-F238E27FC236}">
+                <a16:creationId xmlns:a16="http://schemas.microsoft.com/office/drawing/2014/main" id="{8D89BE8F-BAE0-829F-46E3-727A96F6364D}"/>
+              </a:ext>
+            </a:extLst>
+          </p:cNvPr>
+          <p:cNvSpPr/>
+          <p:nvPr/>
+        </p:nvSpPr>
+        <p:spPr>
+          <a:xfrm>
+            <a:off x="4457164" y="2567762"/>
+            <a:ext cx="808075" cy="595423"/>
+          </a:xfrm>
+          <a:prstGeom prst="rect">
+            <a:avLst/>
+          </a:prstGeom>
+        </p:spPr>
+        <p:style>
+          <a:lnRef idx="2">
+            <a:schemeClr val="accent1">
+              <a:shade val="50000"/>
+            </a:schemeClr>
+          </a:lnRef>
+          <a:fillRef idx="1">
+            <a:schemeClr val="accent1"/>
+          </a:fillRef>
+          <a:effectRef idx="0">
+            <a:schemeClr val="accent1"/>
+          </a:effectRef>
+          <a:fontRef idx="minor">
+            <a:schemeClr val="lt1"/>
+          </a:fontRef>
+        </p:style>
+        <p:txBody>
+          <a:bodyPr rtlCol="0" anchor="ctr"/>
+          <a:lstStyle/>
+          <a:p>
+            <a:pPr algn="ctr"/>
+            <a:r>
+              <a:rPr lang="es-MX" sz="800" dirty="0">
+                <a:solidFill>
+                  <a:schemeClr val="tx1">
+                    <a:lumMod val="75000"/>
+                    <a:lumOff val="25000"/>
+                  </a:schemeClr>
+                </a:solidFill>
+              </a:rPr>
+              <a:t>Encargado de análisis</a:t>
+            </a:r>
+          </a:p>
+        </p:txBody>
+      </p:sp>
+      <p:sp>
+        <p:nvSpPr>
+          <p:cNvPr id="47" name="Rectángulo 46">
+            <a:extLst>
+              <a:ext uri="{FF2B5EF4-FFF2-40B4-BE49-F238E27FC236}">
+                <a16:creationId xmlns:a16="http://schemas.microsoft.com/office/drawing/2014/main" id="{6B9E87D6-008B-1377-2E4F-A6329D9A32CA}"/>
+              </a:ext>
+            </a:extLst>
+          </p:cNvPr>
+          <p:cNvSpPr/>
+          <p:nvPr/>
+        </p:nvSpPr>
+        <p:spPr>
+          <a:xfrm>
+            <a:off x="5554444" y="2573078"/>
+            <a:ext cx="882574" cy="595423"/>
+          </a:xfrm>
+          <a:prstGeom prst="rect">
+            <a:avLst/>
+          </a:prstGeom>
+        </p:spPr>
+        <p:style>
+          <a:lnRef idx="2">
+            <a:schemeClr val="accent1">
+              <a:shade val="50000"/>
+            </a:schemeClr>
+          </a:lnRef>
+          <a:fillRef idx="1">
+            <a:schemeClr val="accent1"/>
+          </a:fillRef>
+          <a:effectRef idx="0">
+            <a:schemeClr val="accent1"/>
+          </a:effectRef>
+          <a:fontRef idx="minor">
+            <a:schemeClr val="lt1"/>
+          </a:fontRef>
+        </p:style>
+        <p:txBody>
+          <a:bodyPr rtlCol="0" anchor="ctr"/>
+          <a:lstStyle/>
+          <a:p>
+            <a:pPr algn="ctr"/>
+            <a:r>
+              <a:rPr lang="es-MX" sz="800" dirty="0">
+                <a:solidFill>
+                  <a:schemeClr val="tx1">
+                    <a:lumMod val="75000"/>
+                    <a:lumOff val="25000"/>
+                  </a:schemeClr>
+                </a:solidFill>
+              </a:rPr>
+              <a:t>Encargado de “</a:t>
+            </a:r>
+            <a:r>
+              <a:rPr lang="es-MX" sz="800" dirty="0" err="1">
+                <a:solidFill>
+                  <a:schemeClr val="tx1">
+                    <a:lumMod val="75000"/>
+                    <a:lumOff val="25000"/>
+                  </a:schemeClr>
+                </a:solidFill>
+              </a:rPr>
+              <a:t>CodeMyCode</a:t>
+            </a:r>
+            <a:r>
+              <a:rPr lang="es-MX" sz="800" dirty="0">
+                <a:solidFill>
+                  <a:schemeClr val="tx1">
+                    <a:lumMod val="75000"/>
+                    <a:lumOff val="25000"/>
+                  </a:schemeClr>
+                </a:solidFill>
+              </a:rPr>
+              <a:t>”</a:t>
+            </a:r>
+          </a:p>
+        </p:txBody>
+      </p:sp>
+      <p:cxnSp>
+        <p:nvCxnSpPr>
+          <p:cNvPr id="51" name="Conector recto 50">
+            <a:extLst>
+              <a:ext uri="{FF2B5EF4-FFF2-40B4-BE49-F238E27FC236}">
+                <a16:creationId xmlns:a16="http://schemas.microsoft.com/office/drawing/2014/main" id="{C44F6EBE-7666-77B5-5ED3-9EC2DBAD216C}"/>
+              </a:ext>
+            </a:extLst>
+          </p:cNvPr>
+          <p:cNvCxnSpPr>
+            <a:cxnSpLocks/>
+          </p:cNvCxnSpPr>
+          <p:nvPr/>
+        </p:nvCxnSpPr>
+        <p:spPr>
+          <a:xfrm>
+            <a:off x="531558" y="2208175"/>
+            <a:ext cx="5465205" cy="0"/>
+          </a:xfrm>
+          <a:prstGeom prst="line">
+            <a:avLst/>
+          </a:prstGeom>
+        </p:spPr>
+        <p:style>
+          <a:lnRef idx="1">
+            <a:schemeClr val="accent1"/>
+          </a:lnRef>
+          <a:fillRef idx="0">
+            <a:schemeClr val="accent1"/>
+          </a:fillRef>
+          <a:effectRef idx="0">
+            <a:schemeClr val="accent1"/>
+          </a:effectRef>
+          <a:fontRef idx="minor">
+            <a:schemeClr val="tx1"/>
+          </a:fontRef>
+        </p:style>
+      </p:cxnSp>
+      <p:cxnSp>
+        <p:nvCxnSpPr>
+          <p:cNvPr id="58" name="Conector recto de flecha 57">
+            <a:extLst>
+              <a:ext uri="{FF2B5EF4-FFF2-40B4-BE49-F238E27FC236}">
+                <a16:creationId xmlns:a16="http://schemas.microsoft.com/office/drawing/2014/main" id="{F0FFA62A-3811-B5AE-5CF1-06D8E3A657A2}"/>
+              </a:ext>
+            </a:extLst>
+          </p:cNvPr>
+          <p:cNvCxnSpPr>
+            <a:stCxn id="43" idx="2"/>
+            <a:endCxn id="27" idx="0"/>
+          </p:cNvCxnSpPr>
+          <p:nvPr/>
+        </p:nvCxnSpPr>
+        <p:spPr>
+          <a:xfrm flipH="1">
+            <a:off x="510365" y="3152552"/>
+            <a:ext cx="3154" cy="544922"/>
+          </a:xfrm>
+          <a:prstGeom prst="straightConnector1">
+            <a:avLst/>
+          </a:prstGeom>
+          <a:ln>
+            <a:tailEnd type="triangle"/>
+          </a:ln>
+        </p:spPr>
+        <p:style>
+          <a:lnRef idx="1">
+            <a:schemeClr val="accent1"/>
+          </a:lnRef>
+          <a:fillRef idx="0">
+            <a:schemeClr val="accent1"/>
+          </a:fillRef>
+          <a:effectRef idx="0">
+            <a:schemeClr val="accent1"/>
+          </a:effectRef>
+          <a:fontRef idx="minor">
+            <a:schemeClr val="tx1"/>
+          </a:fontRef>
+        </p:style>
+      </p:cxnSp>
+      <p:cxnSp>
+        <p:nvCxnSpPr>
+          <p:cNvPr id="59" name="Conector recto de flecha 58">
+            <a:extLst>
+              <a:ext uri="{FF2B5EF4-FFF2-40B4-BE49-F238E27FC236}">
+                <a16:creationId xmlns:a16="http://schemas.microsoft.com/office/drawing/2014/main" id="{1655A78F-2C7A-B326-4567-17EAD15CAAE3}"/>
+              </a:ext>
+            </a:extLst>
+          </p:cNvPr>
+          <p:cNvCxnSpPr/>
+          <p:nvPr/>
+        </p:nvCxnSpPr>
+        <p:spPr>
+          <a:xfrm flipH="1">
+            <a:off x="1587478" y="3164231"/>
+            <a:ext cx="3154" cy="544922"/>
+          </a:xfrm>
+          <a:prstGeom prst="straightConnector1">
+            <a:avLst/>
+          </a:prstGeom>
+          <a:ln>
+            <a:tailEnd type="triangle"/>
+          </a:ln>
+        </p:spPr>
+        <p:style>
+          <a:lnRef idx="1">
+            <a:schemeClr val="accent1"/>
+          </a:lnRef>
+          <a:fillRef idx="0">
+            <a:schemeClr val="accent1"/>
+          </a:fillRef>
+          <a:effectRef idx="0">
+            <a:schemeClr val="accent1"/>
+          </a:effectRef>
+          <a:fontRef idx="minor">
+            <a:schemeClr val="tx1"/>
+          </a:fontRef>
+        </p:style>
+      </p:cxnSp>
+      <p:cxnSp>
+        <p:nvCxnSpPr>
+          <p:cNvPr id="60" name="Conector recto de flecha 59">
+            <a:extLst>
+              <a:ext uri="{FF2B5EF4-FFF2-40B4-BE49-F238E27FC236}">
+                <a16:creationId xmlns:a16="http://schemas.microsoft.com/office/drawing/2014/main" id="{78C196E3-8FDA-E7D4-DF51-BB70B0E54A9F}"/>
+              </a:ext>
+            </a:extLst>
+          </p:cNvPr>
+          <p:cNvCxnSpPr/>
+          <p:nvPr/>
+        </p:nvCxnSpPr>
+        <p:spPr>
+          <a:xfrm flipH="1">
+            <a:off x="2693737" y="3161857"/>
+            <a:ext cx="3154" cy="544922"/>
+          </a:xfrm>
+          <a:prstGeom prst="straightConnector1">
+            <a:avLst/>
+          </a:prstGeom>
+          <a:ln>
+            <a:tailEnd type="triangle"/>
+          </a:ln>
+        </p:spPr>
+        <p:style>
+          <a:lnRef idx="1">
+            <a:schemeClr val="accent1"/>
+          </a:lnRef>
+          <a:fillRef idx="0">
+            <a:schemeClr val="accent1"/>
+          </a:fillRef>
+          <a:effectRef idx="0">
+            <a:schemeClr val="accent1"/>
+          </a:effectRef>
+          <a:fontRef idx="minor">
+            <a:schemeClr val="tx1"/>
+          </a:fontRef>
+        </p:style>
+      </p:cxnSp>
+      <p:cxnSp>
+        <p:nvCxnSpPr>
+          <p:cNvPr id="61" name="Conector recto de flecha 60">
+            <a:extLst>
+              <a:ext uri="{FF2B5EF4-FFF2-40B4-BE49-F238E27FC236}">
+                <a16:creationId xmlns:a16="http://schemas.microsoft.com/office/drawing/2014/main" id="{F5A1177E-B11E-1881-FDEF-6C4CE03CB833}"/>
+              </a:ext>
+            </a:extLst>
+          </p:cNvPr>
+          <p:cNvCxnSpPr/>
+          <p:nvPr/>
+        </p:nvCxnSpPr>
+        <p:spPr>
+          <a:xfrm flipH="1">
+            <a:off x="3770850" y="3152270"/>
+            <a:ext cx="3154" cy="544922"/>
+          </a:xfrm>
+          <a:prstGeom prst="straightConnector1">
+            <a:avLst/>
+          </a:prstGeom>
+          <a:ln>
+            <a:tailEnd type="triangle"/>
+          </a:ln>
+        </p:spPr>
+        <p:style>
+          <a:lnRef idx="1">
+            <a:schemeClr val="accent1"/>
+          </a:lnRef>
+          <a:fillRef idx="0">
+            <a:schemeClr val="accent1"/>
+          </a:fillRef>
+          <a:effectRef idx="0">
+            <a:schemeClr val="accent1"/>
+          </a:effectRef>
+          <a:fontRef idx="minor">
+            <a:schemeClr val="tx1"/>
+          </a:fontRef>
+        </p:style>
+      </p:cxnSp>
+      <p:cxnSp>
+        <p:nvCxnSpPr>
+          <p:cNvPr id="62" name="Conector recto de flecha 61">
+            <a:extLst>
+              <a:ext uri="{FF2B5EF4-FFF2-40B4-BE49-F238E27FC236}">
+                <a16:creationId xmlns:a16="http://schemas.microsoft.com/office/drawing/2014/main" id="{DD0B454B-7544-362D-FD3B-50D69D73563A}"/>
+              </a:ext>
+            </a:extLst>
+          </p:cNvPr>
+          <p:cNvCxnSpPr/>
+          <p:nvPr/>
+        </p:nvCxnSpPr>
+        <p:spPr>
+          <a:xfrm flipH="1">
+            <a:off x="4858840" y="3164199"/>
+            <a:ext cx="3154" cy="544922"/>
+          </a:xfrm>
+          <a:prstGeom prst="straightConnector1">
+            <a:avLst/>
+          </a:prstGeom>
+          <a:ln>
+            <a:tailEnd type="triangle"/>
+          </a:ln>
+        </p:spPr>
+        <p:style>
+          <a:lnRef idx="1">
+            <a:schemeClr val="accent1"/>
+          </a:lnRef>
+          <a:fillRef idx="0">
+            <a:schemeClr val="accent1"/>
+          </a:fillRef>
+          <a:effectRef idx="0">
+            <a:schemeClr val="accent1"/>
+          </a:effectRef>
+          <a:fontRef idx="minor">
+            <a:schemeClr val="tx1"/>
+          </a:fontRef>
+        </p:style>
+      </p:cxnSp>
+      <p:cxnSp>
+        <p:nvCxnSpPr>
+          <p:cNvPr id="63" name="Conector recto de flecha 62">
+            <a:extLst>
+              <a:ext uri="{FF2B5EF4-FFF2-40B4-BE49-F238E27FC236}">
+                <a16:creationId xmlns:a16="http://schemas.microsoft.com/office/drawing/2014/main" id="{0A3963BC-B549-8487-1DEA-26C9FB93EAA5}"/>
+              </a:ext>
+            </a:extLst>
+          </p:cNvPr>
+          <p:cNvCxnSpPr/>
+          <p:nvPr/>
+        </p:nvCxnSpPr>
+        <p:spPr>
+          <a:xfrm flipH="1">
+            <a:off x="5935953" y="3175878"/>
+            <a:ext cx="3154" cy="544922"/>
+          </a:xfrm>
+          <a:prstGeom prst="straightConnector1">
+            <a:avLst/>
+          </a:prstGeom>
+          <a:ln>
+            <a:tailEnd type="triangle"/>
+          </a:ln>
+        </p:spPr>
+        <p:style>
+          <a:lnRef idx="1">
+            <a:schemeClr val="accent1"/>
+          </a:lnRef>
+          <a:fillRef idx="0">
+            <a:schemeClr val="accent1"/>
+          </a:fillRef>
+          <a:effectRef idx="0">
+            <a:schemeClr val="accent1"/>
+          </a:effectRef>
+          <a:fontRef idx="minor">
+            <a:schemeClr val="tx1"/>
+          </a:fontRef>
+        </p:style>
+      </p:cxnSp>
+      <p:cxnSp>
+        <p:nvCxnSpPr>
+          <p:cNvPr id="385" name="Conector recto de flecha 384">
+            <a:extLst>
+              <a:ext uri="{FF2B5EF4-FFF2-40B4-BE49-F238E27FC236}">
+                <a16:creationId xmlns:a16="http://schemas.microsoft.com/office/drawing/2014/main" id="{0C32BD35-983A-DA06-A4F6-91DCBF8C6557}"/>
+              </a:ext>
+            </a:extLst>
+          </p:cNvPr>
+          <p:cNvCxnSpPr>
+            <a:cxnSpLocks/>
+            <a:endCxn id="43" idx="0"/>
+          </p:cNvCxnSpPr>
+          <p:nvPr/>
+        </p:nvCxnSpPr>
+        <p:spPr>
+          <a:xfrm flipH="1">
+            <a:off x="513519" y="2208175"/>
+            <a:ext cx="18039" cy="348954"/>
+          </a:xfrm>
+          <a:prstGeom prst="straightConnector1">
+            <a:avLst/>
+          </a:prstGeom>
+          <a:ln>
+            <a:tailEnd type="triangle"/>
+          </a:ln>
+        </p:spPr>
+        <p:style>
+          <a:lnRef idx="1">
+            <a:schemeClr val="accent1"/>
+          </a:lnRef>
+          <a:fillRef idx="0">
+            <a:schemeClr val="accent1"/>
+          </a:fillRef>
+          <a:effectRef idx="0">
+            <a:schemeClr val="accent1"/>
+          </a:effectRef>
+          <a:fontRef idx="minor">
+            <a:schemeClr val="tx1"/>
+          </a:fontRef>
+        </p:style>
+      </p:cxnSp>
+      <p:cxnSp>
+        <p:nvCxnSpPr>
+          <p:cNvPr id="387" name="Conector recto de flecha 386">
+            <a:extLst>
+              <a:ext uri="{FF2B5EF4-FFF2-40B4-BE49-F238E27FC236}">
+                <a16:creationId xmlns:a16="http://schemas.microsoft.com/office/drawing/2014/main" id="{F23E29FF-4463-0333-CBD4-D5DBC2EC27FF}"/>
+              </a:ext>
+            </a:extLst>
+          </p:cNvPr>
+          <p:cNvCxnSpPr>
+            <a:cxnSpLocks/>
+          </p:cNvCxnSpPr>
+          <p:nvPr/>
+        </p:nvCxnSpPr>
+        <p:spPr>
+          <a:xfrm flipH="1">
+            <a:off x="1587478" y="2208175"/>
+            <a:ext cx="18039" cy="348954"/>
+          </a:xfrm>
+          <a:prstGeom prst="straightConnector1">
+            <a:avLst/>
+          </a:prstGeom>
+          <a:ln>
+            <a:tailEnd type="triangle"/>
+          </a:ln>
+        </p:spPr>
+        <p:style>
+          <a:lnRef idx="1">
+            <a:schemeClr val="accent1"/>
+          </a:lnRef>
+          <a:fillRef idx="0">
+            <a:schemeClr val="accent1"/>
+          </a:fillRef>
+          <a:effectRef idx="0">
+            <a:schemeClr val="accent1"/>
+          </a:effectRef>
+          <a:fontRef idx="minor">
+            <a:schemeClr val="tx1"/>
+          </a:fontRef>
+        </p:style>
+      </p:cxnSp>
+      <p:cxnSp>
+        <p:nvCxnSpPr>
+          <p:cNvPr id="388" name="Conector recto de flecha 387">
+            <a:extLst>
+              <a:ext uri="{FF2B5EF4-FFF2-40B4-BE49-F238E27FC236}">
+                <a16:creationId xmlns:a16="http://schemas.microsoft.com/office/drawing/2014/main" id="{C34B704E-5103-D0AD-9A69-1953307E6D62}"/>
+              </a:ext>
+            </a:extLst>
+          </p:cNvPr>
+          <p:cNvCxnSpPr>
+            <a:cxnSpLocks/>
+          </p:cNvCxnSpPr>
+          <p:nvPr/>
+        </p:nvCxnSpPr>
+        <p:spPr>
+          <a:xfrm flipH="1">
+            <a:off x="2693737" y="2210834"/>
+            <a:ext cx="18039" cy="348954"/>
+          </a:xfrm>
+          <a:prstGeom prst="straightConnector1">
+            <a:avLst/>
+          </a:prstGeom>
+          <a:ln>
+            <a:tailEnd type="triangle"/>
+          </a:ln>
+        </p:spPr>
+        <p:style>
+          <a:lnRef idx="1">
+            <a:schemeClr val="accent1"/>
+          </a:lnRef>
+          <a:fillRef idx="0">
+            <a:schemeClr val="accent1"/>
+          </a:fillRef>
+          <a:effectRef idx="0">
+            <a:schemeClr val="accent1"/>
+          </a:effectRef>
+          <a:fontRef idx="minor">
+            <a:schemeClr val="tx1"/>
+          </a:fontRef>
+        </p:style>
+      </p:cxnSp>
+      <p:cxnSp>
+        <p:nvCxnSpPr>
+          <p:cNvPr id="389" name="Conector recto de flecha 388">
+            <a:extLst>
+              <a:ext uri="{FF2B5EF4-FFF2-40B4-BE49-F238E27FC236}">
+                <a16:creationId xmlns:a16="http://schemas.microsoft.com/office/drawing/2014/main" id="{4087EE1C-065A-F970-E872-9C8354E3F610}"/>
+              </a:ext>
+            </a:extLst>
+          </p:cNvPr>
+          <p:cNvCxnSpPr>
+            <a:cxnSpLocks/>
+          </p:cNvCxnSpPr>
+          <p:nvPr/>
+        </p:nvCxnSpPr>
+        <p:spPr>
+          <a:xfrm flipH="1">
+            <a:off x="3793822" y="2214223"/>
+            <a:ext cx="18039" cy="348954"/>
+          </a:xfrm>
+          <a:prstGeom prst="straightConnector1">
+            <a:avLst/>
+          </a:prstGeom>
+          <a:ln>
+            <a:tailEnd type="triangle"/>
+          </a:ln>
+        </p:spPr>
+        <p:style>
+          <a:lnRef idx="1">
+            <a:schemeClr val="accent1"/>
+          </a:lnRef>
+          <a:fillRef idx="0">
+            <a:schemeClr val="accent1"/>
+          </a:fillRef>
+          <a:effectRef idx="0">
+            <a:schemeClr val="accent1"/>
+          </a:effectRef>
+          <a:fontRef idx="minor">
+            <a:schemeClr val="tx1"/>
+          </a:fontRef>
+        </p:style>
+      </p:cxnSp>
+      <p:cxnSp>
+        <p:nvCxnSpPr>
+          <p:cNvPr id="390" name="Conector recto de flecha 389">
+            <a:extLst>
+              <a:ext uri="{FF2B5EF4-FFF2-40B4-BE49-F238E27FC236}">
+                <a16:creationId xmlns:a16="http://schemas.microsoft.com/office/drawing/2014/main" id="{DE38B5E3-F7C8-CDAB-1886-1662C00BFAA4}"/>
+              </a:ext>
+            </a:extLst>
+          </p:cNvPr>
+          <p:cNvCxnSpPr>
+            <a:cxnSpLocks/>
+          </p:cNvCxnSpPr>
+          <p:nvPr/>
+        </p:nvCxnSpPr>
+        <p:spPr>
+          <a:xfrm flipH="1">
+            <a:off x="4867781" y="2214223"/>
+            <a:ext cx="18039" cy="348954"/>
+          </a:xfrm>
+          <a:prstGeom prst="straightConnector1">
+            <a:avLst/>
+          </a:prstGeom>
+          <a:ln>
+            <a:tailEnd type="triangle"/>
+          </a:ln>
+        </p:spPr>
+        <p:style>
+          <a:lnRef idx="1">
+            <a:schemeClr val="accent1"/>
+          </a:lnRef>
+          <a:fillRef idx="0">
+            <a:schemeClr val="accent1"/>
+          </a:fillRef>
+          <a:effectRef idx="0">
+            <a:schemeClr val="accent1"/>
+          </a:effectRef>
+          <a:fontRef idx="minor">
+            <a:schemeClr val="tx1"/>
+          </a:fontRef>
+        </p:style>
+      </p:cxnSp>
+      <p:cxnSp>
+        <p:nvCxnSpPr>
+          <p:cNvPr id="391" name="Conector recto de flecha 390">
+            <a:extLst>
+              <a:ext uri="{FF2B5EF4-FFF2-40B4-BE49-F238E27FC236}">
+                <a16:creationId xmlns:a16="http://schemas.microsoft.com/office/drawing/2014/main" id="{DEBE976F-7B55-E1AB-184A-0BDE765BB8B2}"/>
+              </a:ext>
+            </a:extLst>
+          </p:cNvPr>
+          <p:cNvCxnSpPr>
+            <a:cxnSpLocks/>
+          </p:cNvCxnSpPr>
+          <p:nvPr/>
+        </p:nvCxnSpPr>
+        <p:spPr>
+          <a:xfrm flipH="1">
+            <a:off x="5974040" y="2216882"/>
+            <a:ext cx="18039" cy="348954"/>
+          </a:xfrm>
+          <a:prstGeom prst="straightConnector1">
+            <a:avLst/>
+          </a:prstGeom>
+          <a:ln>
+            <a:tailEnd type="triangle"/>
+          </a:ln>
+        </p:spPr>
+        <p:style>
+          <a:lnRef idx="1">
+            <a:schemeClr val="accent1"/>
+          </a:lnRef>
+          <a:fillRef idx="0">
+            <a:schemeClr val="accent1"/>
+          </a:fillRef>
+          <a:effectRef idx="0">
+            <a:schemeClr val="accent1"/>
+          </a:effectRef>
+          <a:fontRef idx="minor">
+            <a:schemeClr val="tx1"/>
+          </a:fontRef>
+        </p:style>
+      </p:cxnSp>
+      <p:cxnSp>
+        <p:nvCxnSpPr>
+          <p:cNvPr id="393" name="Conector recto de flecha 392">
+            <a:extLst>
+              <a:ext uri="{FF2B5EF4-FFF2-40B4-BE49-F238E27FC236}">
+                <a16:creationId xmlns:a16="http://schemas.microsoft.com/office/drawing/2014/main" id="{6D8FFA17-A6FF-42C4-2A1F-167021045F60}"/>
+              </a:ext>
+            </a:extLst>
+          </p:cNvPr>
+          <p:cNvCxnSpPr>
+            <a:cxnSpLocks/>
+            <a:stCxn id="18" idx="2"/>
+          </p:cNvCxnSpPr>
+          <p:nvPr/>
+        </p:nvCxnSpPr>
+        <p:spPr>
+          <a:xfrm>
+            <a:off x="2105248" y="1899375"/>
+            <a:ext cx="0" cy="308800"/>
+          </a:xfrm>
+          <a:prstGeom prst="straightConnector1">
+            <a:avLst/>
+          </a:prstGeom>
+          <a:ln>
+            <a:tailEnd type="triangle"/>
+          </a:ln>
+        </p:spPr>
+        <p:style>
+          <a:lnRef idx="1">
+            <a:schemeClr val="accent1"/>
+          </a:lnRef>
+          <a:fillRef idx="0">
+            <a:schemeClr val="accent1"/>
+          </a:fillRef>
+          <a:effectRef idx="0">
+            <a:schemeClr val="accent1"/>
+          </a:effectRef>
+          <a:fontRef idx="minor">
+            <a:schemeClr val="tx1"/>
+          </a:fontRef>
+        </p:style>
+      </p:cxnSp>
+      <p:cxnSp>
+        <p:nvCxnSpPr>
+          <p:cNvPr id="398" name="Conector recto de flecha 397">
+            <a:extLst>
+              <a:ext uri="{FF2B5EF4-FFF2-40B4-BE49-F238E27FC236}">
+                <a16:creationId xmlns:a16="http://schemas.microsoft.com/office/drawing/2014/main" id="{6DEE17CC-C71C-9717-AC1E-EAEFA17CBFE3}"/>
+              </a:ext>
+            </a:extLst>
+          </p:cNvPr>
+          <p:cNvCxnSpPr>
+            <a:cxnSpLocks/>
+          </p:cNvCxnSpPr>
+          <p:nvPr/>
+        </p:nvCxnSpPr>
+        <p:spPr>
+          <a:xfrm>
+            <a:off x="3214578" y="1908082"/>
+            <a:ext cx="0" cy="308800"/>
+          </a:xfrm>
+          <a:prstGeom prst="straightConnector1">
+            <a:avLst/>
+          </a:prstGeom>
+          <a:ln>
+            <a:tailEnd type="triangle"/>
+          </a:ln>
+        </p:spPr>
+        <p:style>
+          <a:lnRef idx="1">
+            <a:schemeClr val="accent1"/>
+          </a:lnRef>
+          <a:fillRef idx="0">
+            <a:schemeClr val="accent1"/>
+          </a:fillRef>
+          <a:effectRef idx="0">
+            <a:schemeClr val="accent1"/>
+          </a:effectRef>
+          <a:fontRef idx="minor">
+            <a:schemeClr val="tx1"/>
+          </a:fontRef>
+        </p:style>
+      </p:cxnSp>
+      <p:cxnSp>
+        <p:nvCxnSpPr>
+          <p:cNvPr id="399" name="Conector recto de flecha 398">
+            <a:extLst>
+              <a:ext uri="{FF2B5EF4-FFF2-40B4-BE49-F238E27FC236}">
+                <a16:creationId xmlns:a16="http://schemas.microsoft.com/office/drawing/2014/main" id="{DBEA1AC9-7281-9E6D-379E-82677CBEF4FB}"/>
+              </a:ext>
+            </a:extLst>
+          </p:cNvPr>
+          <p:cNvCxnSpPr>
+            <a:cxnSpLocks/>
+          </p:cNvCxnSpPr>
+          <p:nvPr/>
+        </p:nvCxnSpPr>
+        <p:spPr>
+          <a:xfrm>
+            <a:off x="4299099" y="1899374"/>
+            <a:ext cx="0" cy="308800"/>
+          </a:xfrm>
+          <a:prstGeom prst="straightConnector1">
+            <a:avLst/>
+          </a:prstGeom>
+          <a:ln>
+            <a:tailEnd type="triangle"/>
+          </a:ln>
+        </p:spPr>
+        <p:style>
+          <a:lnRef idx="1">
+            <a:schemeClr val="accent1"/>
+          </a:lnRef>
+          <a:fillRef idx="0">
+            <a:schemeClr val="accent1"/>
+          </a:fillRef>
+          <a:effectRef idx="0">
+            <a:schemeClr val="accent1"/>
+          </a:effectRef>
+          <a:fontRef idx="minor">
+            <a:schemeClr val="tx1"/>
+          </a:fontRef>
+        </p:style>
+      </p:cxnSp>
+    </p:spTree>
+    <p:extLst>
+      <p:ext uri="{BB962C8B-B14F-4D97-AF65-F5344CB8AC3E}">
+        <p14:creationId xmlns:p14="http://schemas.microsoft.com/office/powerpoint/2010/main" val="3259033352"/>
+      </p:ext>
+    </p:extLst>
+  </p:cSld>
+  <p:clrMapOvr>
+    <a:masterClrMapping/>
+  </p:clrMapOvr>
+</p:sld>
+</file>
+
+<file path=ppt/slides/slide11.xml><?xml version="1.0" encoding="utf-8"?>
+<p:sld xmlns:a="http://schemas.openxmlformats.org/drawingml/2006/main" xmlns:r="http://schemas.openxmlformats.org/officeDocument/2006/relationships" xmlns:p="http://schemas.openxmlformats.org/presentationml/2006/main">
+  <p:cSld>
+    <p:spTree>
+      <p:nvGrpSpPr>
+        <p:cNvPr id="1" name="Shape 273"/>
+        <p:cNvGrpSpPr/>
+        <p:nvPr/>
+      </p:nvGrpSpPr>
+      <p:grpSpPr>
+        <a:xfrm>
+          <a:off x="0" y="0"/>
+          <a:ext cx="0" cy="0"/>
+          <a:chOff x="0" y="0"/>
+          <a:chExt cx="0" cy="0"/>
+        </a:xfrm>
+      </p:grpSpPr>
+      <p:sp>
+        <p:nvSpPr>
+          <p:cNvPr id="275" name="Google Shape;275;p18"/>
+          <p:cNvSpPr txBox="1">
+            <a:spLocks noGrp="1"/>
+          </p:cNvSpPr>
+          <p:nvPr>
+            <p:ph type="sldNum" idx="12"/>
+          </p:nvPr>
+        </p:nvSpPr>
+        <p:spPr>
+          <a:xfrm>
+            <a:off x="4116400" y="4807500"/>
+            <a:ext cx="911100" cy="336000"/>
+          </a:xfrm>
+          <a:prstGeom prst="rect">
+            <a:avLst/>
+          </a:prstGeom>
+        </p:spPr>
+        <p:txBody>
+          <a:bodyPr spcFirstLastPara="1" wrap="square" lIns="91425" tIns="91425" rIns="91425" bIns="91425" anchor="ctr" anchorCtr="0">
+            <a:noAutofit/>
+          </a:bodyPr>
+          <a:lstStyle/>
+          <a:p>
+            <a:pPr marL="0" lvl="0" indent="0" algn="ctr" rtl="0">
+              <a:spcBef>
+                <a:spcPts val="0"/>
+              </a:spcBef>
+              <a:spcAft>
+                <a:spcPts val="0"/>
+              </a:spcAft>
+              <a:buNone/>
+            </a:pPr>
+            <a:fld id="{00000000-1234-1234-1234-123412341234}" type="slidenum">
+              <a:rPr lang="en"/>
+              <a:t>11</a:t>
+            </a:fld>
+            <a:endParaRPr/>
+          </a:p>
+        </p:txBody>
+      </p:sp>
+      <p:pic>
+        <p:nvPicPr>
+          <p:cNvPr id="4" name="Imagen 3">
+            <a:extLst>
+              <a:ext uri="{FF2B5EF4-FFF2-40B4-BE49-F238E27FC236}">
+                <a16:creationId xmlns:a16="http://schemas.microsoft.com/office/drawing/2014/main" id="{867BB939-6888-E7DD-CB74-C42C7CEEC064}"/>
+              </a:ext>
+            </a:extLst>
+          </p:cNvPr>
+          <p:cNvPicPr>
+            <a:picLocks noChangeAspect="1"/>
+          </p:cNvPicPr>
+          <p:nvPr/>
+        </p:nvPicPr>
+        <p:blipFill>
+          <a:blip r:embed="rId3"/>
+          <a:stretch>
+            <a:fillRect/>
+          </a:stretch>
+        </p:blipFill>
+        <p:spPr>
+          <a:xfrm>
+            <a:off x="2524640" y="1173822"/>
+            <a:ext cx="4094720" cy="3223249"/>
+          </a:xfrm>
+          <a:prstGeom prst="rect">
+            <a:avLst/>
+          </a:prstGeom>
+        </p:spPr>
+      </p:pic>
+    </p:spTree>
+    <p:extLst>
+      <p:ext uri="{BB962C8B-B14F-4D97-AF65-F5344CB8AC3E}">
+        <p14:creationId xmlns:p14="http://schemas.microsoft.com/office/powerpoint/2010/main" val="3813945401"/>
+      </p:ext>
+    </p:extLst>
+  </p:cSld>
+  <p:clrMapOvr>
+    <a:masterClrMapping/>
+  </p:clrMapOvr>
+</p:sld>
+</file>
+
 <file path=ppt/slides/slide2.xml><?xml version="1.0" encoding="utf-8"?>
 <p:sld xmlns:a="http://schemas.openxmlformats.org/drawingml/2006/main" xmlns:r="http://schemas.openxmlformats.org/officeDocument/2006/relationships" xmlns:p="http://schemas.openxmlformats.org/presentationml/2006/main">
   <p:cSld>
@@ -47239,6 +49297,238 @@
         </p:txBody>
       </p:sp>
     </p:spTree>
+  </p:cSld>
+  <p:clrMapOvr>
+    <a:masterClrMapping/>
+  </p:clrMapOvr>
+</p:sld>
+</file>
+
+<file path=ppt/slides/slide9.xml><?xml version="1.0" encoding="utf-8"?>
+<p:sld xmlns:a="http://schemas.openxmlformats.org/drawingml/2006/main" xmlns:r="http://schemas.openxmlformats.org/officeDocument/2006/relationships" xmlns:p="http://schemas.openxmlformats.org/presentationml/2006/main">
+  <p:cSld>
+    <p:spTree>
+      <p:nvGrpSpPr>
+        <p:cNvPr id="1" name="Shape 260"/>
+        <p:cNvGrpSpPr/>
+        <p:nvPr/>
+      </p:nvGrpSpPr>
+      <p:grpSpPr>
+        <a:xfrm>
+          <a:off x="0" y="0"/>
+          <a:ext cx="0" cy="0"/>
+          <a:chOff x="0" y="0"/>
+          <a:chExt cx="0" cy="0"/>
+        </a:xfrm>
+      </p:grpSpPr>
+      <p:sp>
+        <p:nvSpPr>
+          <p:cNvPr id="261" name="Google Shape;261;p16"/>
+          <p:cNvSpPr txBox="1">
+            <a:spLocks noGrp="1"/>
+          </p:cNvSpPr>
+          <p:nvPr>
+            <p:ph type="title"/>
+          </p:nvPr>
+        </p:nvSpPr>
+        <p:spPr>
+          <a:xfrm>
+            <a:off x="403805" y="93065"/>
+            <a:ext cx="5138700" cy="857400"/>
+          </a:xfrm>
+          <a:prstGeom prst="rect">
+            <a:avLst/>
+          </a:prstGeom>
+        </p:spPr>
+        <p:txBody>
+          <a:bodyPr spcFirstLastPara="1" wrap="square" lIns="91425" tIns="91425" rIns="91425" bIns="91425" anchor="b" anchorCtr="0">
+            <a:noAutofit/>
+          </a:bodyPr>
+          <a:lstStyle/>
+          <a:p>
+            <a:pPr marL="0" lvl="0" indent="0" algn="l" rtl="0">
+              <a:spcBef>
+                <a:spcPts val="0"/>
+              </a:spcBef>
+              <a:spcAft>
+                <a:spcPts val="0"/>
+              </a:spcAft>
+              <a:buNone/>
+            </a:pPr>
+            <a:r>
+              <a:rPr lang="es-MX"/>
+              <a:t>Tipos de contrato</a:t>
+            </a:r>
+          </a:p>
+        </p:txBody>
+      </p:sp>
+      <p:sp>
+        <p:nvSpPr>
+          <p:cNvPr id="262" name="Google Shape;262;p16"/>
+          <p:cNvSpPr txBox="1">
+            <a:spLocks noGrp="1"/>
+          </p:cNvSpPr>
+          <p:nvPr>
+            <p:ph type="body" idx="1"/>
+          </p:nvPr>
+        </p:nvSpPr>
+        <p:spPr>
+          <a:xfrm>
+            <a:off x="225846" y="1429138"/>
+            <a:ext cx="5138700" cy="1506341"/>
+          </a:xfrm>
+          <a:prstGeom prst="rect">
+            <a:avLst/>
+          </a:prstGeom>
+        </p:spPr>
+        <p:txBody>
+          <a:bodyPr spcFirstLastPara="1" wrap="square" lIns="91425" tIns="91425" rIns="91425" bIns="91425" anchor="t" anchorCtr="0">
+            <a:noAutofit/>
+          </a:bodyPr>
+          <a:lstStyle/>
+          <a:p>
+            <a:pPr marL="457200" lvl="0" indent="-381000" algn="l" rtl="0">
+              <a:spcBef>
+                <a:spcPts val="600"/>
+              </a:spcBef>
+              <a:spcAft>
+                <a:spcPts val="0"/>
+              </a:spcAft>
+              <a:buSzPts val="2400"/>
+              <a:buChar char="▹"/>
+            </a:pPr>
+            <a:r>
+              <a:rPr lang="es-MX"/>
+              <a:t>Contrato a termino fijo </a:t>
+            </a:r>
+          </a:p>
+          <a:p>
+            <a:pPr marL="457200" lvl="0" indent="-381000" algn="l" rtl="0">
+              <a:spcBef>
+                <a:spcPts val="600"/>
+              </a:spcBef>
+              <a:spcAft>
+                <a:spcPts val="0"/>
+              </a:spcAft>
+              <a:buSzPts val="2400"/>
+              <a:buChar char="▹"/>
+            </a:pPr>
+            <a:r>
+              <a:rPr lang="es-MX"/>
+              <a:t>Contrato a termino indefinido</a:t>
+            </a:r>
+          </a:p>
+          <a:p>
+            <a:pPr marL="457200" lvl="0" indent="-381000" algn="l" rtl="0">
+              <a:spcBef>
+                <a:spcPts val="600"/>
+              </a:spcBef>
+              <a:spcAft>
+                <a:spcPts val="0"/>
+              </a:spcAft>
+              <a:buSzPts val="2400"/>
+              <a:buChar char="▹"/>
+            </a:pPr>
+            <a:r>
+              <a:rPr lang="es-MX"/>
+              <a:t>Contratacion civil por prestacion de servicios</a:t>
+            </a:r>
+          </a:p>
+          <a:p>
+            <a:pPr marL="457200" lvl="0" indent="-381000" algn="l" rtl="0">
+              <a:spcBef>
+                <a:spcPts val="600"/>
+              </a:spcBef>
+              <a:spcAft>
+                <a:spcPts val="0"/>
+              </a:spcAft>
+              <a:buSzPts val="2400"/>
+              <a:buChar char="▹"/>
+            </a:pPr>
+            <a:r>
+              <a:rPr lang="es-MX"/>
+              <a:t>Contratacion por servicios</a:t>
+            </a:r>
+          </a:p>
+          <a:p>
+            <a:pPr marL="457200" lvl="0" indent="-381000" algn="l" rtl="0">
+              <a:spcBef>
+                <a:spcPts val="600"/>
+              </a:spcBef>
+              <a:spcAft>
+                <a:spcPts val="0"/>
+              </a:spcAft>
+              <a:buSzPts val="2400"/>
+              <a:buChar char="▹"/>
+            </a:pPr>
+            <a:r>
+              <a:rPr lang="es-MX"/>
+              <a:t>Contrato por asesorias</a:t>
+            </a:r>
+          </a:p>
+          <a:p>
+            <a:pPr marL="457200" lvl="0" indent="-381000" algn="l" rtl="0">
+              <a:spcBef>
+                <a:spcPts val="600"/>
+              </a:spcBef>
+              <a:spcAft>
+                <a:spcPts val="0"/>
+              </a:spcAft>
+              <a:buSzPts val="2400"/>
+              <a:buChar char="▹"/>
+            </a:pPr>
+            <a:endParaRPr lang="es-MX"/>
+          </a:p>
+        </p:txBody>
+      </p:sp>
+      <p:sp>
+        <p:nvSpPr>
+          <p:cNvPr id="263" name="Google Shape;263;p16"/>
+          <p:cNvSpPr txBox="1">
+            <a:spLocks noGrp="1"/>
+          </p:cNvSpPr>
+          <p:nvPr>
+            <p:ph type="sldNum" idx="12"/>
+          </p:nvPr>
+        </p:nvSpPr>
+        <p:spPr>
+          <a:xfrm>
+            <a:off x="8808000" y="2208279"/>
+            <a:ext cx="336000" cy="727200"/>
+          </a:xfrm>
+          <a:prstGeom prst="rect">
+            <a:avLst/>
+          </a:prstGeom>
+        </p:spPr>
+        <p:txBody>
+          <a:bodyPr spcFirstLastPara="1" wrap="square" lIns="91425" tIns="91425" rIns="91425" bIns="91425" anchor="ctr" anchorCtr="0">
+            <a:noAutofit/>
+          </a:bodyPr>
+          <a:lstStyle/>
+          <a:p>
+            <a:pPr marL="0" lvl="0" indent="0" algn="ctr" rtl="0">
+              <a:spcBef>
+                <a:spcPts val="0"/>
+              </a:spcBef>
+              <a:spcAft>
+                <a:spcPts val="0"/>
+              </a:spcAft>
+              <a:buNone/>
+            </a:pPr>
+            <a:fld id="{00000000-1234-1234-1234-123412341234}" type="slidenum">
+              <a:rPr lang="en"/>
+              <a:t>9</a:t>
+            </a:fld>
+            <a:endParaRPr/>
+          </a:p>
+        </p:txBody>
+      </p:sp>
+    </p:spTree>
+    <p:extLst>
+      <p:ext uri="{BB962C8B-B14F-4D97-AF65-F5344CB8AC3E}">
+        <p14:creationId xmlns:p14="http://schemas.microsoft.com/office/powerpoint/2010/main" val="1866388024"/>
+      </p:ext>
+    </p:extLst>
   </p:cSld>
   <p:clrMapOvr>
     <a:masterClrMapping/>

--- a/13 Modelos de negocios/Empresa Outtic.pptx
+++ b/13 Modelos de negocios/Empresa Outtic.pptx
@@ -5,7 +5,7 @@
     <p:sldMasterId id="2147483659" r:id="rId1"/>
   </p:sldMasterIdLst>
   <p:notesMasterIdLst>
-    <p:notesMasterId r:id="rId13"/>
+    <p:notesMasterId r:id="rId14"/>
   </p:notesMasterIdLst>
   <p:sldIdLst>
     <p:sldId id="256" r:id="rId2"/>
@@ -18,43 +18,44 @@
     <p:sldId id="287" r:id="rId9"/>
     <p:sldId id="290" r:id="rId10"/>
     <p:sldId id="288" r:id="rId11"/>
-    <p:sldId id="291" r:id="rId12"/>
+    <p:sldId id="292" r:id="rId12"/>
+    <p:sldId id="291" r:id="rId13"/>
   </p:sldIdLst>
   <p:sldSz cx="9144000" cy="5143500" type="screen16x9"/>
   <p:notesSz cx="6858000" cy="9144000"/>
   <p:embeddedFontLst>
     <p:embeddedFont>
       <p:font typeface="Barlow" panose="00000500000000000000" pitchFamily="2" charset="0"/>
-      <p:regular r:id="rId14"/>
-      <p:bold r:id="rId15"/>
-      <p:italic r:id="rId16"/>
-      <p:boldItalic r:id="rId17"/>
+      <p:regular r:id="rId15"/>
+      <p:bold r:id="rId16"/>
+      <p:italic r:id="rId17"/>
+      <p:boldItalic r:id="rId18"/>
     </p:embeddedFont>
     <p:embeddedFont>
       <p:font typeface="Barlow Light" panose="00000400000000000000" pitchFamily="2" charset="0"/>
-      <p:regular r:id="rId18"/>
-      <p:bold r:id="rId19"/>
-      <p:italic r:id="rId20"/>
-      <p:boldItalic r:id="rId21"/>
+      <p:regular r:id="rId19"/>
+      <p:bold r:id="rId20"/>
+      <p:italic r:id="rId21"/>
+      <p:boldItalic r:id="rId22"/>
     </p:embeddedFont>
     <p:embeddedFont>
       <p:font typeface="Calibri" panose="020F0502020204030204" pitchFamily="34" charset="0"/>
-      <p:regular r:id="rId22"/>
-      <p:bold r:id="rId23"/>
-      <p:italic r:id="rId24"/>
-      <p:boldItalic r:id="rId25"/>
+      <p:regular r:id="rId23"/>
+      <p:bold r:id="rId24"/>
+      <p:italic r:id="rId25"/>
+      <p:boldItalic r:id="rId26"/>
     </p:embeddedFont>
     <p:embeddedFont>
       <p:font typeface="Miriam Libre" panose="00000500000000000000" pitchFamily="2" charset="-79"/>
-      <p:regular r:id="rId26"/>
-      <p:bold r:id="rId27"/>
+      <p:regular r:id="rId27"/>
+      <p:bold r:id="rId28"/>
     </p:embeddedFont>
     <p:embeddedFont>
       <p:font typeface="Work Sans" pitchFamily="2" charset="0"/>
-      <p:regular r:id="rId28"/>
-      <p:bold r:id="rId29"/>
-      <p:italic r:id="rId30"/>
-      <p:boldItalic r:id="rId31"/>
+      <p:regular r:id="rId29"/>
+      <p:bold r:id="rId30"/>
+      <p:italic r:id="rId31"/>
+      <p:boldItalic r:id="rId32"/>
     </p:embeddedFont>
   </p:embeddedFontLst>
   <p:defaultTextStyle>
@@ -33159,7 +33160,7 @@
                   </a:schemeClr>
                 </a:solidFill>
               </a:rPr>
-              <a:t>Ceo1</a:t>
+              <a:t>Jefe1</a:t>
             </a:r>
           </a:p>
         </p:txBody>
@@ -33215,7 +33216,7 @@
                   </a:schemeClr>
                 </a:solidFill>
               </a:rPr>
-              <a:t>Ceo2</a:t>
+              <a:t>Jefe2</a:t>
             </a:r>
           </a:p>
         </p:txBody>
@@ -33271,7 +33272,7 @@
                   </a:schemeClr>
                 </a:solidFill>
               </a:rPr>
-              <a:t>Ceo3</a:t>
+              <a:t>Jefe3</a:t>
             </a:r>
           </a:p>
         </p:txBody>
@@ -34634,6 +34635,145 @@
   <p:cSld>
     <p:spTree>
       <p:nvGrpSpPr>
+        <p:cNvPr id="1" name=""/>
+        <p:cNvGrpSpPr/>
+        <p:nvPr/>
+      </p:nvGrpSpPr>
+      <p:grpSpPr>
+        <a:xfrm>
+          <a:off x="0" y="0"/>
+          <a:ext cx="0" cy="0"/>
+          <a:chOff x="0" y="0"/>
+          <a:chExt cx="0" cy="0"/>
+        </a:xfrm>
+      </p:grpSpPr>
+      <p:sp>
+        <p:nvSpPr>
+          <p:cNvPr id="2" name="Título 1">
+            <a:extLst>
+              <a:ext uri="{FF2B5EF4-FFF2-40B4-BE49-F238E27FC236}">
+                <a16:creationId xmlns:a16="http://schemas.microsoft.com/office/drawing/2014/main" id="{D0F0BA0D-B8E4-9E33-551C-3A88161A8711}"/>
+              </a:ext>
+            </a:extLst>
+          </p:cNvPr>
+          <p:cNvSpPr>
+            <a:spLocks noGrp="1"/>
+          </p:cNvSpPr>
+          <p:nvPr>
+            <p:ph type="title"/>
+          </p:nvPr>
+        </p:nvSpPr>
+        <p:spPr/>
+        <p:txBody>
+          <a:bodyPr/>
+          <a:lstStyle/>
+          <a:p>
+            <a:r>
+              <a:rPr lang="es-MX" dirty="0"/>
+              <a:t>Arquitectura del sitio Web</a:t>
+            </a:r>
+          </a:p>
+        </p:txBody>
+      </p:sp>
+      <p:sp>
+        <p:nvSpPr>
+          <p:cNvPr id="6" name="Marcador de número de diapositiva 5">
+            <a:extLst>
+              <a:ext uri="{FF2B5EF4-FFF2-40B4-BE49-F238E27FC236}">
+                <a16:creationId xmlns:a16="http://schemas.microsoft.com/office/drawing/2014/main" id="{02F18B8F-D25E-51B3-DD21-423532634130}"/>
+              </a:ext>
+            </a:extLst>
+          </p:cNvPr>
+          <p:cNvSpPr>
+            <a:spLocks noGrp="1"/>
+          </p:cNvSpPr>
+          <p:nvPr>
+            <p:ph type="sldNum" idx="12"/>
+          </p:nvPr>
+        </p:nvSpPr>
+        <p:spPr/>
+        <p:txBody>
+          <a:bodyPr/>
+          <a:lstStyle/>
+          <a:p>
+            <a:pPr marL="0" lvl="0" indent="0" algn="ctr" rtl="0">
+              <a:spcBef>
+                <a:spcPts val="0"/>
+              </a:spcBef>
+              <a:spcAft>
+                <a:spcPts val="0"/>
+              </a:spcAft>
+              <a:buNone/>
+            </a:pPr>
+            <a:fld id="{00000000-1234-1234-1234-123412341234}" type="slidenum">
+              <a:rPr lang="es-MX" smtClean="0"/>
+              <a:t>11</a:t>
+            </a:fld>
+            <a:endParaRPr lang="es-MX" dirty="0"/>
+          </a:p>
+        </p:txBody>
+      </p:sp>
+      <p:pic>
+        <p:nvPicPr>
+          <p:cNvPr id="8" name="Imagen 7">
+            <a:extLst>
+              <a:ext uri="{FF2B5EF4-FFF2-40B4-BE49-F238E27FC236}">
+                <a16:creationId xmlns:a16="http://schemas.microsoft.com/office/drawing/2014/main" id="{A3AB40C7-CA0D-4F5D-A753-B74820BBE82B}"/>
+              </a:ext>
+            </a:extLst>
+          </p:cNvPr>
+          <p:cNvPicPr>
+            <a:picLocks noChangeAspect="1"/>
+          </p:cNvPicPr>
+          <p:nvPr/>
+        </p:nvPicPr>
+        <p:blipFill>
+          <a:blip r:embed="rId2"/>
+          <a:stretch>
+            <a:fillRect/>
+          </a:stretch>
+        </p:blipFill>
+        <p:spPr>
+          <a:xfrm>
+            <a:off x="174765" y="1788933"/>
+            <a:ext cx="5703570" cy="2767592"/>
+          </a:xfrm>
+          <a:prstGeom prst="roundRect">
+            <a:avLst>
+              <a:gd name="adj" fmla="val 8594"/>
+            </a:avLst>
+          </a:prstGeom>
+          <a:solidFill>
+            <a:srgbClr val="FFFFFF">
+              <a:shade val="85000"/>
+            </a:srgbClr>
+          </a:solidFill>
+          <a:ln>
+            <a:noFill/>
+          </a:ln>
+          <a:effectLst>
+            <a:reflection blurRad="12700" stA="38000" endPos="28000" dist="5000" dir="5400000" sy="-100000" algn="bl" rotWithShape="0"/>
+          </a:effectLst>
+        </p:spPr>
+      </p:pic>
+    </p:spTree>
+    <p:extLst>
+      <p:ext uri="{BB962C8B-B14F-4D97-AF65-F5344CB8AC3E}">
+        <p14:creationId xmlns:p14="http://schemas.microsoft.com/office/powerpoint/2010/main" val="2572740147"/>
+      </p:ext>
+    </p:extLst>
+  </p:cSld>
+  <p:clrMapOvr>
+    <a:masterClrMapping/>
+  </p:clrMapOvr>
+</p:sld>
+</file>
+
+<file path=ppt/slides/slide12.xml><?xml version="1.0" encoding="utf-8"?>
+<p:sld xmlns:a="http://schemas.openxmlformats.org/drawingml/2006/main" xmlns:r="http://schemas.openxmlformats.org/officeDocument/2006/relationships" xmlns:p="http://schemas.openxmlformats.org/presentationml/2006/main">
+  <p:cSld>
+    <p:spTree>
+      <p:nvGrpSpPr>
         <p:cNvPr id="1" name="Shape 273"/>
         <p:cNvGrpSpPr/>
         <p:nvPr/>
@@ -34682,7 +34822,7 @@
             </a:pPr>
             <a:fld id="{00000000-1234-1234-1234-123412341234}" type="slidenum">
               <a:rPr lang="en"/>
-              <a:t>11</a:t>
+              <a:t>12</a:t>
             </a:fld>
             <a:endParaRPr/>
           </a:p>

--- a/13 Modelos de negocios/Empresa Outtic.pptx
+++ b/13 Modelos de negocios/Empresa Outtic.pptx
@@ -5,7 +5,7 @@
     <p:sldMasterId id="2147483659" r:id="rId1"/>
   </p:sldMasterIdLst>
   <p:notesMasterIdLst>
-    <p:notesMasterId r:id="rId14"/>
+    <p:notesMasterId r:id="rId17"/>
   </p:notesMasterIdLst>
   <p:sldIdLst>
     <p:sldId id="256" r:id="rId2"/>
@@ -16,46 +16,49 @@
     <p:sldId id="271" r:id="rId7"/>
     <p:sldId id="273" r:id="rId8"/>
     <p:sldId id="287" r:id="rId9"/>
-    <p:sldId id="290" r:id="rId10"/>
-    <p:sldId id="288" r:id="rId11"/>
-    <p:sldId id="292" r:id="rId12"/>
-    <p:sldId id="291" r:id="rId13"/>
+    <p:sldId id="293" r:id="rId10"/>
+    <p:sldId id="294" r:id="rId11"/>
+    <p:sldId id="295" r:id="rId12"/>
+    <p:sldId id="290" r:id="rId13"/>
+    <p:sldId id="288" r:id="rId14"/>
+    <p:sldId id="292" r:id="rId15"/>
+    <p:sldId id="291" r:id="rId16"/>
   </p:sldIdLst>
   <p:sldSz cx="9144000" cy="5143500" type="screen16x9"/>
   <p:notesSz cx="6858000" cy="9144000"/>
   <p:embeddedFontLst>
     <p:embeddedFont>
       <p:font typeface="Barlow" panose="00000500000000000000" pitchFamily="2" charset="0"/>
-      <p:regular r:id="rId15"/>
-      <p:bold r:id="rId16"/>
-      <p:italic r:id="rId17"/>
-      <p:boldItalic r:id="rId18"/>
+      <p:regular r:id="rId18"/>
+      <p:bold r:id="rId19"/>
+      <p:italic r:id="rId20"/>
+      <p:boldItalic r:id="rId21"/>
     </p:embeddedFont>
     <p:embeddedFont>
       <p:font typeface="Barlow Light" panose="00000400000000000000" pitchFamily="2" charset="0"/>
-      <p:regular r:id="rId19"/>
-      <p:bold r:id="rId20"/>
-      <p:italic r:id="rId21"/>
-      <p:boldItalic r:id="rId22"/>
+      <p:regular r:id="rId22"/>
+      <p:bold r:id="rId23"/>
+      <p:italic r:id="rId24"/>
+      <p:boldItalic r:id="rId25"/>
     </p:embeddedFont>
     <p:embeddedFont>
       <p:font typeface="Calibri" panose="020F0502020204030204" pitchFamily="34" charset="0"/>
-      <p:regular r:id="rId23"/>
-      <p:bold r:id="rId24"/>
-      <p:italic r:id="rId25"/>
-      <p:boldItalic r:id="rId26"/>
+      <p:regular r:id="rId26"/>
+      <p:bold r:id="rId27"/>
+      <p:italic r:id="rId28"/>
+      <p:boldItalic r:id="rId29"/>
     </p:embeddedFont>
     <p:embeddedFont>
       <p:font typeface="Miriam Libre" panose="00000500000000000000" pitchFamily="2" charset="-79"/>
-      <p:regular r:id="rId27"/>
-      <p:bold r:id="rId28"/>
+      <p:regular r:id="rId30"/>
+      <p:bold r:id="rId31"/>
     </p:embeddedFont>
     <p:embeddedFont>
       <p:font typeface="Work Sans" pitchFamily="2" charset="0"/>
-      <p:regular r:id="rId29"/>
-      <p:bold r:id="rId30"/>
-      <p:italic r:id="rId31"/>
-      <p:boldItalic r:id="rId32"/>
+      <p:regular r:id="rId32"/>
+      <p:bold r:id="rId33"/>
+      <p:italic r:id="rId34"/>
+      <p:boldItalic r:id="rId35"/>
     </p:embeddedFont>
   </p:embeddedFontLst>
   <p:defaultTextStyle>
@@ -845,6 +848,333 @@
   <p:cSld>
     <p:spTree>
       <p:nvGrpSpPr>
+        <p:cNvPr id="1" name="Shape 257"/>
+        <p:cNvGrpSpPr/>
+        <p:nvPr/>
+      </p:nvGrpSpPr>
+      <p:grpSpPr>
+        <a:xfrm>
+          <a:off x="0" y="0"/>
+          <a:ext cx="0" cy="0"/>
+          <a:chOff x="0" y="0"/>
+          <a:chExt cx="0" cy="0"/>
+        </a:xfrm>
+      </p:grpSpPr>
+      <p:sp>
+        <p:nvSpPr>
+          <p:cNvPr id="258" name="Google Shape;258;p:notes"/>
+          <p:cNvSpPr>
+            <a:spLocks noGrp="1" noRot="1" noChangeAspect="1"/>
+          </p:cNvSpPr>
+          <p:nvPr>
+            <p:ph type="sldImg" idx="2"/>
+          </p:nvPr>
+        </p:nvSpPr>
+        <p:spPr>
+          <a:xfrm>
+            <a:off x="381000" y="685800"/>
+            <a:ext cx="6096000" cy="3429000"/>
+          </a:xfrm>
+          <a:custGeom>
+            <a:avLst/>
+            <a:gdLst/>
+            <a:ahLst/>
+            <a:cxnLst/>
+            <a:rect l="l" t="t" r="r" b="b"/>
+            <a:pathLst>
+              <a:path w="120000" h="120000" extrusionOk="0">
+                <a:moveTo>
+                  <a:pt x="0" y="0"/>
+                </a:moveTo>
+                <a:lnTo>
+                  <a:pt x="120000" y="0"/>
+                </a:lnTo>
+                <a:lnTo>
+                  <a:pt x="120000" y="120000"/>
+                </a:lnTo>
+                <a:lnTo>
+                  <a:pt x="0" y="120000"/>
+                </a:lnTo>
+                <a:close/>
+              </a:path>
+            </a:pathLst>
+          </a:custGeom>
+        </p:spPr>
+      </p:sp>
+      <p:sp>
+        <p:nvSpPr>
+          <p:cNvPr id="259" name="Google Shape;259;p:notes"/>
+          <p:cNvSpPr txBox="1">
+            <a:spLocks noGrp="1"/>
+          </p:cNvSpPr>
+          <p:nvPr>
+            <p:ph type="body" idx="1"/>
+          </p:nvPr>
+        </p:nvSpPr>
+        <p:spPr>
+          <a:xfrm>
+            <a:off x="685800" y="4343400"/>
+            <a:ext cx="5486400" cy="4114800"/>
+          </a:xfrm>
+          <a:prstGeom prst="rect">
+            <a:avLst/>
+          </a:prstGeom>
+        </p:spPr>
+        <p:txBody>
+          <a:bodyPr spcFirstLastPara="1" wrap="square" lIns="91425" tIns="91425" rIns="91425" bIns="91425" anchor="t" anchorCtr="0">
+            <a:noAutofit/>
+          </a:bodyPr>
+          <a:lstStyle/>
+          <a:p>
+            <a:pPr marL="0" lvl="0" indent="0" algn="l" rtl="0">
+              <a:spcBef>
+                <a:spcPts val="0"/>
+              </a:spcBef>
+              <a:spcAft>
+                <a:spcPts val="0"/>
+              </a:spcAft>
+              <a:buNone/>
+            </a:pPr>
+            <a:endParaRPr/>
+          </a:p>
+        </p:txBody>
+      </p:sp>
+    </p:spTree>
+    <p:extLst>
+      <p:ext uri="{BB962C8B-B14F-4D97-AF65-F5344CB8AC3E}">
+        <p14:creationId xmlns:p14="http://schemas.microsoft.com/office/powerpoint/2010/main" val="2918921846"/>
+      </p:ext>
+    </p:extLst>
+  </p:cSld>
+  <p:clrMapOvr>
+    <a:masterClrMapping/>
+  </p:clrMapOvr>
+</p:notes>
+</file>
+
+<file path=ppt/notesSlides/notesSlide11.xml><?xml version="1.0" encoding="utf-8"?>
+<p:notes xmlns:a="http://schemas.openxmlformats.org/drawingml/2006/main" xmlns:r="http://schemas.openxmlformats.org/officeDocument/2006/relationships" xmlns:p="http://schemas.openxmlformats.org/presentationml/2006/main" showMasterSp="0" showMasterPhAnim="0">
+  <p:cSld>
+    <p:spTree>
+      <p:nvGrpSpPr>
+        <p:cNvPr id="1" name="Shape 257"/>
+        <p:cNvGrpSpPr/>
+        <p:nvPr/>
+      </p:nvGrpSpPr>
+      <p:grpSpPr>
+        <a:xfrm>
+          <a:off x="0" y="0"/>
+          <a:ext cx="0" cy="0"/>
+          <a:chOff x="0" y="0"/>
+          <a:chExt cx="0" cy="0"/>
+        </a:xfrm>
+      </p:grpSpPr>
+      <p:sp>
+        <p:nvSpPr>
+          <p:cNvPr id="258" name="Google Shape;258;p:notes"/>
+          <p:cNvSpPr>
+            <a:spLocks noGrp="1" noRot="1" noChangeAspect="1"/>
+          </p:cNvSpPr>
+          <p:nvPr>
+            <p:ph type="sldImg" idx="2"/>
+          </p:nvPr>
+        </p:nvSpPr>
+        <p:spPr>
+          <a:xfrm>
+            <a:off x="381000" y="685800"/>
+            <a:ext cx="6096000" cy="3429000"/>
+          </a:xfrm>
+          <a:custGeom>
+            <a:avLst/>
+            <a:gdLst/>
+            <a:ahLst/>
+            <a:cxnLst/>
+            <a:rect l="l" t="t" r="r" b="b"/>
+            <a:pathLst>
+              <a:path w="120000" h="120000" extrusionOk="0">
+                <a:moveTo>
+                  <a:pt x="0" y="0"/>
+                </a:moveTo>
+                <a:lnTo>
+                  <a:pt x="120000" y="0"/>
+                </a:lnTo>
+                <a:lnTo>
+                  <a:pt x="120000" y="120000"/>
+                </a:lnTo>
+                <a:lnTo>
+                  <a:pt x="0" y="120000"/>
+                </a:lnTo>
+                <a:close/>
+              </a:path>
+            </a:pathLst>
+          </a:custGeom>
+        </p:spPr>
+      </p:sp>
+      <p:sp>
+        <p:nvSpPr>
+          <p:cNvPr id="259" name="Google Shape;259;p:notes"/>
+          <p:cNvSpPr txBox="1">
+            <a:spLocks noGrp="1"/>
+          </p:cNvSpPr>
+          <p:nvPr>
+            <p:ph type="body" idx="1"/>
+          </p:nvPr>
+        </p:nvSpPr>
+        <p:spPr>
+          <a:xfrm>
+            <a:off x="685800" y="4343400"/>
+            <a:ext cx="5486400" cy="4114800"/>
+          </a:xfrm>
+          <a:prstGeom prst="rect">
+            <a:avLst/>
+          </a:prstGeom>
+        </p:spPr>
+        <p:txBody>
+          <a:bodyPr spcFirstLastPara="1" wrap="square" lIns="91425" tIns="91425" rIns="91425" bIns="91425" anchor="t" anchorCtr="0">
+            <a:noAutofit/>
+          </a:bodyPr>
+          <a:lstStyle/>
+          <a:p>
+            <a:pPr marL="0" lvl="0" indent="0" algn="l" rtl="0">
+              <a:spcBef>
+                <a:spcPts val="0"/>
+              </a:spcBef>
+              <a:spcAft>
+                <a:spcPts val="0"/>
+              </a:spcAft>
+              <a:buNone/>
+            </a:pPr>
+            <a:endParaRPr/>
+          </a:p>
+        </p:txBody>
+      </p:sp>
+    </p:spTree>
+    <p:extLst>
+      <p:ext uri="{BB962C8B-B14F-4D97-AF65-F5344CB8AC3E}">
+        <p14:creationId xmlns:p14="http://schemas.microsoft.com/office/powerpoint/2010/main" val="3024203158"/>
+      </p:ext>
+    </p:extLst>
+  </p:cSld>
+  <p:clrMapOvr>
+    <a:masterClrMapping/>
+  </p:clrMapOvr>
+</p:notes>
+</file>
+
+<file path=ppt/notesSlides/notesSlide12.xml><?xml version="1.0" encoding="utf-8"?>
+<p:notes xmlns:a="http://schemas.openxmlformats.org/drawingml/2006/main" xmlns:r="http://schemas.openxmlformats.org/officeDocument/2006/relationships" xmlns:p="http://schemas.openxmlformats.org/presentationml/2006/main" showMasterSp="0" showMasterPhAnim="0">
+  <p:cSld>
+    <p:spTree>
+      <p:nvGrpSpPr>
+        <p:cNvPr id="1" name="Shape 257"/>
+        <p:cNvGrpSpPr/>
+        <p:nvPr/>
+      </p:nvGrpSpPr>
+      <p:grpSpPr>
+        <a:xfrm>
+          <a:off x="0" y="0"/>
+          <a:ext cx="0" cy="0"/>
+          <a:chOff x="0" y="0"/>
+          <a:chExt cx="0" cy="0"/>
+        </a:xfrm>
+      </p:grpSpPr>
+      <p:sp>
+        <p:nvSpPr>
+          <p:cNvPr id="258" name="Google Shape;258;p:notes"/>
+          <p:cNvSpPr>
+            <a:spLocks noGrp="1" noRot="1" noChangeAspect="1"/>
+          </p:cNvSpPr>
+          <p:nvPr>
+            <p:ph type="sldImg" idx="2"/>
+          </p:nvPr>
+        </p:nvSpPr>
+        <p:spPr>
+          <a:xfrm>
+            <a:off x="381000" y="685800"/>
+            <a:ext cx="6096000" cy="3429000"/>
+          </a:xfrm>
+          <a:custGeom>
+            <a:avLst/>
+            <a:gdLst/>
+            <a:ahLst/>
+            <a:cxnLst/>
+            <a:rect l="l" t="t" r="r" b="b"/>
+            <a:pathLst>
+              <a:path w="120000" h="120000" extrusionOk="0">
+                <a:moveTo>
+                  <a:pt x="0" y="0"/>
+                </a:moveTo>
+                <a:lnTo>
+                  <a:pt x="120000" y="0"/>
+                </a:lnTo>
+                <a:lnTo>
+                  <a:pt x="120000" y="120000"/>
+                </a:lnTo>
+                <a:lnTo>
+                  <a:pt x="0" y="120000"/>
+                </a:lnTo>
+                <a:close/>
+              </a:path>
+            </a:pathLst>
+          </a:custGeom>
+        </p:spPr>
+      </p:sp>
+      <p:sp>
+        <p:nvSpPr>
+          <p:cNvPr id="259" name="Google Shape;259;p:notes"/>
+          <p:cNvSpPr txBox="1">
+            <a:spLocks noGrp="1"/>
+          </p:cNvSpPr>
+          <p:nvPr>
+            <p:ph type="body" idx="1"/>
+          </p:nvPr>
+        </p:nvSpPr>
+        <p:spPr>
+          <a:xfrm>
+            <a:off x="685800" y="4343400"/>
+            <a:ext cx="5486400" cy="4114800"/>
+          </a:xfrm>
+          <a:prstGeom prst="rect">
+            <a:avLst/>
+          </a:prstGeom>
+        </p:spPr>
+        <p:txBody>
+          <a:bodyPr spcFirstLastPara="1" wrap="square" lIns="91425" tIns="91425" rIns="91425" bIns="91425" anchor="t" anchorCtr="0">
+            <a:noAutofit/>
+          </a:bodyPr>
+          <a:lstStyle/>
+          <a:p>
+            <a:pPr marL="0" lvl="0" indent="0" algn="l" rtl="0">
+              <a:spcBef>
+                <a:spcPts val="0"/>
+              </a:spcBef>
+              <a:spcAft>
+                <a:spcPts val="0"/>
+              </a:spcAft>
+              <a:buNone/>
+            </a:pPr>
+            <a:endParaRPr/>
+          </a:p>
+        </p:txBody>
+      </p:sp>
+    </p:spTree>
+    <p:extLst>
+      <p:ext uri="{BB962C8B-B14F-4D97-AF65-F5344CB8AC3E}">
+        <p14:creationId xmlns:p14="http://schemas.microsoft.com/office/powerpoint/2010/main" val="4271102724"/>
+      </p:ext>
+    </p:extLst>
+  </p:cSld>
+  <p:clrMapOvr>
+    <a:masterClrMapping/>
+  </p:clrMapOvr>
+</p:notes>
+</file>
+
+<file path=ppt/notesSlides/notesSlide13.xml><?xml version="1.0" encoding="utf-8"?>
+<p:notes xmlns:a="http://schemas.openxmlformats.org/drawingml/2006/main" xmlns:r="http://schemas.openxmlformats.org/officeDocument/2006/relationships" xmlns:p="http://schemas.openxmlformats.org/presentationml/2006/main" showMasterSp="0" showMasterPhAnim="0">
+  <p:cSld>
+    <p:spTree>
+      <p:nvGrpSpPr>
         <p:cNvPr id="1" name="Shape 406"/>
         <p:cNvGrpSpPr/>
         <p:nvPr/>
@@ -949,7 +1279,7 @@
 </p:notes>
 </file>
 
-<file path=ppt/notesSlides/notesSlide11.xml><?xml version="1.0" encoding="utf-8"?>
+<file path=ppt/notesSlides/notesSlide14.xml><?xml version="1.0" encoding="utf-8"?>
 <p:notes xmlns:a="http://schemas.openxmlformats.org/drawingml/2006/main" xmlns:r="http://schemas.openxmlformats.org/officeDocument/2006/relationships" xmlns:p="http://schemas.openxmlformats.org/presentationml/2006/main" showMasterSp="0" showMasterPhAnim="0">
   <p:cSld>
     <p:spTree>
@@ -1885,7 +2215,7 @@
     </p:spTree>
     <p:extLst>
       <p:ext uri="{BB962C8B-B14F-4D97-AF65-F5344CB8AC3E}">
-        <p14:creationId xmlns:p14="http://schemas.microsoft.com/office/powerpoint/2010/main" val="4271102724"/>
+        <p14:creationId xmlns:p14="http://schemas.microsoft.com/office/powerpoint/2010/main" val="1490668514"/>
       </p:ext>
     </p:extLst>
   </p:cSld>
@@ -33014,6 +33344,649 @@
   <p:cSld>
     <p:spTree>
       <p:nvGrpSpPr>
+        <p:cNvPr id="1" name="Shape 260"/>
+        <p:cNvGrpSpPr/>
+        <p:nvPr/>
+      </p:nvGrpSpPr>
+      <p:grpSpPr>
+        <a:xfrm>
+          <a:off x="0" y="0"/>
+          <a:ext cx="0" cy="0"/>
+          <a:chOff x="0" y="0"/>
+          <a:chExt cx="0" cy="0"/>
+        </a:xfrm>
+      </p:grpSpPr>
+      <p:sp>
+        <p:nvSpPr>
+          <p:cNvPr id="261" name="Google Shape;261;p16"/>
+          <p:cNvSpPr txBox="1">
+            <a:spLocks noGrp="1"/>
+          </p:cNvSpPr>
+          <p:nvPr>
+            <p:ph type="title"/>
+          </p:nvPr>
+        </p:nvSpPr>
+        <p:spPr>
+          <a:xfrm>
+            <a:off x="350410" y="687091"/>
+            <a:ext cx="5138700" cy="857400"/>
+          </a:xfrm>
+          <a:prstGeom prst="rect">
+            <a:avLst/>
+          </a:prstGeom>
+        </p:spPr>
+        <p:txBody>
+          <a:bodyPr spcFirstLastPara="1" wrap="square" lIns="91425" tIns="91425" rIns="91425" bIns="91425" anchor="b" anchorCtr="0">
+            <a:noAutofit/>
+          </a:bodyPr>
+          <a:lstStyle/>
+          <a:p>
+            <a:pPr marL="0" lvl="0" indent="0" algn="l" rtl="0">
+              <a:spcBef>
+                <a:spcPts val="0"/>
+              </a:spcBef>
+              <a:spcAft>
+                <a:spcPts val="0"/>
+              </a:spcAft>
+              <a:buNone/>
+            </a:pPr>
+            <a:r>
+              <a:rPr lang="es-MX" dirty="0"/>
+              <a:t>Leyes del marco legal correspondiente  a nuestros servicios </a:t>
+            </a:r>
+          </a:p>
+        </p:txBody>
+      </p:sp>
+      <p:sp>
+        <p:nvSpPr>
+          <p:cNvPr id="263" name="Google Shape;263;p16"/>
+          <p:cNvSpPr txBox="1">
+            <a:spLocks noGrp="1"/>
+          </p:cNvSpPr>
+          <p:nvPr>
+            <p:ph type="sldNum" idx="12"/>
+          </p:nvPr>
+        </p:nvSpPr>
+        <p:spPr>
+          <a:xfrm>
+            <a:off x="8808000" y="2208279"/>
+            <a:ext cx="336000" cy="727200"/>
+          </a:xfrm>
+          <a:prstGeom prst="rect">
+            <a:avLst/>
+          </a:prstGeom>
+        </p:spPr>
+        <p:txBody>
+          <a:bodyPr spcFirstLastPara="1" wrap="square" lIns="91425" tIns="91425" rIns="91425" bIns="91425" anchor="ctr" anchorCtr="0">
+            <a:noAutofit/>
+          </a:bodyPr>
+          <a:lstStyle/>
+          <a:p>
+            <a:pPr marL="0" lvl="0" indent="0" algn="ctr" rtl="0">
+              <a:spcBef>
+                <a:spcPts val="0"/>
+              </a:spcBef>
+              <a:spcAft>
+                <a:spcPts val="0"/>
+              </a:spcAft>
+              <a:buNone/>
+            </a:pPr>
+            <a:fld id="{00000000-1234-1234-1234-123412341234}" type="slidenum">
+              <a:rPr lang="en"/>
+              <a:t>10</a:t>
+            </a:fld>
+            <a:endParaRPr/>
+          </a:p>
+        </p:txBody>
+      </p:sp>
+      <p:sp>
+        <p:nvSpPr>
+          <p:cNvPr id="7" name="CuadroTexto 6">
+            <a:extLst>
+              <a:ext uri="{FF2B5EF4-FFF2-40B4-BE49-F238E27FC236}">
+                <a16:creationId xmlns:a16="http://schemas.microsoft.com/office/drawing/2014/main" id="{7CC02281-3960-F87C-9DCC-C2A11D30C8B1}"/>
+              </a:ext>
+            </a:extLst>
+          </p:cNvPr>
+          <p:cNvSpPr txBox="1"/>
+          <p:nvPr/>
+        </p:nvSpPr>
+        <p:spPr>
+          <a:xfrm>
+            <a:off x="129540" y="1712131"/>
+            <a:ext cx="6042660" cy="2631490"/>
+          </a:xfrm>
+          <a:prstGeom prst="rect">
+            <a:avLst/>
+          </a:prstGeom>
+          <a:noFill/>
+        </p:spPr>
+        <p:txBody>
+          <a:bodyPr wrap="square">
+            <a:spAutoFit/>
+          </a:bodyPr>
+          <a:lstStyle/>
+          <a:p>
+            <a:r>
+              <a:rPr lang="es-MX" sz="1100" b="1" dirty="0"/>
+              <a:t>Artículo 110</a:t>
+            </a:r>
+            <a:r>
+              <a:rPr lang="es-MX" sz="1100" dirty="0"/>
+              <a:t>.- El titular del derecho patrimonial sobre una base de datos tendrá el derecho exclusivo,</a:t>
+            </a:r>
+          </a:p>
+          <a:p>
+            <a:r>
+              <a:rPr lang="es-MX" sz="1100" dirty="0"/>
+              <a:t>respecto de la forma de expresión de la estructura de dicha base, de autorizar o prohibir:</a:t>
+            </a:r>
+          </a:p>
+          <a:p>
+            <a:r>
+              <a:rPr lang="es-MX" sz="1100" dirty="0"/>
+              <a:t>I. Su reproducción permanente o temporal, total o parcial, por cualquier medio y de cualquier forma;</a:t>
+            </a:r>
+          </a:p>
+          <a:p>
+            <a:r>
+              <a:rPr lang="es-MX" sz="1100" dirty="0"/>
+              <a:t>II. Su traducción, adaptación, reordenación y cualquier otra modificación;</a:t>
+            </a:r>
+          </a:p>
+          <a:p>
+            <a:r>
+              <a:rPr lang="es-MX" sz="1100" dirty="0"/>
+              <a:t>III. La distribución del original o copias de la base de datos;</a:t>
+            </a:r>
+          </a:p>
+          <a:p>
+            <a:r>
+              <a:rPr lang="es-MX" sz="1100" dirty="0"/>
+              <a:t>IV. La comunicación al público, y</a:t>
+            </a:r>
+          </a:p>
+          <a:p>
+            <a:r>
+              <a:rPr lang="es-MX" sz="1100" dirty="0"/>
+              <a:t>V. La reproducción, distribución o comunicación pública de los resultados de las operaciones</a:t>
+            </a:r>
+          </a:p>
+          <a:p>
+            <a:r>
+              <a:rPr lang="es-MX" sz="1100" dirty="0"/>
+              <a:t>mencionadas en la fracción II del presente artículo.</a:t>
+            </a:r>
+          </a:p>
+          <a:p>
+            <a:r>
+              <a:rPr lang="es-MX" sz="1100" b="1" dirty="0"/>
+              <a:t>Artículo 111</a:t>
+            </a:r>
+            <a:r>
+              <a:rPr lang="es-MX" sz="1100" dirty="0"/>
+              <a:t>.- Los programas efectuados electrónicamente que contengan elementos visuales,</a:t>
+            </a:r>
+          </a:p>
+          <a:p>
+            <a:r>
+              <a:rPr lang="es-MX" sz="1100" dirty="0"/>
+              <a:t>sonoros, tridimensionales o animados quedan protegidos por esta Ley en los elementos primigenios que</a:t>
+            </a:r>
+          </a:p>
+          <a:p>
+            <a:r>
+              <a:rPr lang="es-MX" sz="1100" dirty="0"/>
+              <a:t>contengan.</a:t>
+            </a:r>
+          </a:p>
+        </p:txBody>
+      </p:sp>
+    </p:spTree>
+    <p:extLst>
+      <p:ext uri="{BB962C8B-B14F-4D97-AF65-F5344CB8AC3E}">
+        <p14:creationId xmlns:p14="http://schemas.microsoft.com/office/powerpoint/2010/main" val="168979628"/>
+      </p:ext>
+    </p:extLst>
+  </p:cSld>
+  <p:clrMapOvr>
+    <a:masterClrMapping/>
+  </p:clrMapOvr>
+</p:sld>
+</file>
+
+<file path=ppt/slides/slide11.xml><?xml version="1.0" encoding="utf-8"?>
+<p:sld xmlns:a="http://schemas.openxmlformats.org/drawingml/2006/main" xmlns:r="http://schemas.openxmlformats.org/officeDocument/2006/relationships" xmlns:p="http://schemas.openxmlformats.org/presentationml/2006/main">
+  <p:cSld>
+    <p:spTree>
+      <p:nvGrpSpPr>
+        <p:cNvPr id="1" name="Shape 260"/>
+        <p:cNvGrpSpPr/>
+        <p:nvPr/>
+      </p:nvGrpSpPr>
+      <p:grpSpPr>
+        <a:xfrm>
+          <a:off x="0" y="0"/>
+          <a:ext cx="0" cy="0"/>
+          <a:chOff x="0" y="0"/>
+          <a:chExt cx="0" cy="0"/>
+        </a:xfrm>
+      </p:grpSpPr>
+      <p:sp>
+        <p:nvSpPr>
+          <p:cNvPr id="261" name="Google Shape;261;p16"/>
+          <p:cNvSpPr txBox="1">
+            <a:spLocks noGrp="1"/>
+          </p:cNvSpPr>
+          <p:nvPr>
+            <p:ph type="title"/>
+          </p:nvPr>
+        </p:nvSpPr>
+        <p:spPr>
+          <a:xfrm>
+            <a:off x="350410" y="687091"/>
+            <a:ext cx="5138700" cy="857400"/>
+          </a:xfrm>
+          <a:prstGeom prst="rect">
+            <a:avLst/>
+          </a:prstGeom>
+        </p:spPr>
+        <p:txBody>
+          <a:bodyPr spcFirstLastPara="1" wrap="square" lIns="91425" tIns="91425" rIns="91425" bIns="91425" anchor="b" anchorCtr="0">
+            <a:noAutofit/>
+          </a:bodyPr>
+          <a:lstStyle/>
+          <a:p>
+            <a:pPr marL="0" lvl="0" indent="0" algn="l" rtl="0">
+              <a:spcBef>
+                <a:spcPts val="0"/>
+              </a:spcBef>
+              <a:spcAft>
+                <a:spcPts val="0"/>
+              </a:spcAft>
+              <a:buNone/>
+            </a:pPr>
+            <a:r>
+              <a:rPr lang="es-MX" dirty="0"/>
+              <a:t>Leyes del marco legal correspondiente  a nuestros servicios </a:t>
+            </a:r>
+          </a:p>
+        </p:txBody>
+      </p:sp>
+      <p:sp>
+        <p:nvSpPr>
+          <p:cNvPr id="263" name="Google Shape;263;p16"/>
+          <p:cNvSpPr txBox="1">
+            <a:spLocks noGrp="1"/>
+          </p:cNvSpPr>
+          <p:nvPr>
+            <p:ph type="sldNum" idx="12"/>
+          </p:nvPr>
+        </p:nvSpPr>
+        <p:spPr>
+          <a:xfrm>
+            <a:off x="8808000" y="2208279"/>
+            <a:ext cx="336000" cy="727200"/>
+          </a:xfrm>
+          <a:prstGeom prst="rect">
+            <a:avLst/>
+          </a:prstGeom>
+        </p:spPr>
+        <p:txBody>
+          <a:bodyPr spcFirstLastPara="1" wrap="square" lIns="91425" tIns="91425" rIns="91425" bIns="91425" anchor="ctr" anchorCtr="0">
+            <a:noAutofit/>
+          </a:bodyPr>
+          <a:lstStyle/>
+          <a:p>
+            <a:pPr marL="0" lvl="0" indent="0" algn="ctr" rtl="0">
+              <a:spcBef>
+                <a:spcPts val="0"/>
+              </a:spcBef>
+              <a:spcAft>
+                <a:spcPts val="0"/>
+              </a:spcAft>
+              <a:buNone/>
+            </a:pPr>
+            <a:fld id="{00000000-1234-1234-1234-123412341234}" type="slidenum">
+              <a:rPr lang="en"/>
+              <a:t>11</a:t>
+            </a:fld>
+            <a:endParaRPr/>
+          </a:p>
+        </p:txBody>
+      </p:sp>
+      <p:sp>
+        <p:nvSpPr>
+          <p:cNvPr id="7" name="CuadroTexto 6">
+            <a:extLst>
+              <a:ext uri="{FF2B5EF4-FFF2-40B4-BE49-F238E27FC236}">
+                <a16:creationId xmlns:a16="http://schemas.microsoft.com/office/drawing/2014/main" id="{7CC02281-3960-F87C-9DCC-C2A11D30C8B1}"/>
+              </a:ext>
+            </a:extLst>
+          </p:cNvPr>
+          <p:cNvSpPr txBox="1"/>
+          <p:nvPr/>
+        </p:nvSpPr>
+        <p:spPr>
+          <a:xfrm>
+            <a:off x="53340" y="1840739"/>
+            <a:ext cx="6042660" cy="2462213"/>
+          </a:xfrm>
+          <a:prstGeom prst="rect">
+            <a:avLst/>
+          </a:prstGeom>
+          <a:noFill/>
+        </p:spPr>
+        <p:txBody>
+          <a:bodyPr wrap="square">
+            <a:spAutoFit/>
+          </a:bodyPr>
+          <a:lstStyle/>
+          <a:p>
+            <a:pPr algn="just"/>
+            <a:r>
+              <a:rPr lang="es-MX" sz="1100" dirty="0"/>
+              <a:t>En cuanto a la Revelación de Secretos y</a:t>
+            </a:r>
+          </a:p>
+          <a:p>
+            <a:pPr algn="just"/>
+            <a:r>
+              <a:rPr lang="es-MX" sz="1100" dirty="0"/>
+              <a:t>Acceso Ilícito a Sistemas y Equipos de Informática.</a:t>
+            </a:r>
+          </a:p>
+          <a:p>
+            <a:pPr algn="just"/>
+            <a:endParaRPr lang="es-MX" sz="1100" dirty="0"/>
+          </a:p>
+          <a:p>
+            <a:pPr algn="just"/>
+            <a:r>
+              <a:rPr lang="es-MX" sz="1100" dirty="0"/>
+              <a:t>– Al que sin autorización modifique, destruya o provoque pérdida de información contenida en sistemas o equipos de informática protegidos por algún mecanismo de seguridad.</a:t>
+            </a:r>
+          </a:p>
+          <a:p>
+            <a:pPr algn="just"/>
+            <a:r>
+              <a:rPr lang="es-MX" sz="1100" dirty="0"/>
+              <a:t>– Al que sin autorización conozca o copie información contenida en sistemas o equipos de informática del Estado, protegidos por algún mecanismo de seguridad.</a:t>
+            </a:r>
+          </a:p>
+          <a:p>
+            <a:pPr algn="just"/>
+            <a:r>
+              <a:rPr lang="es-MX" sz="1100" dirty="0"/>
+              <a:t>– Al que estando autorizado para acceder a sistemas y equipos de informática del Estado, indebidamente modifique, destruya o provoque pérdida de información que contengan.</a:t>
+            </a:r>
+          </a:p>
+          <a:p>
+            <a:pPr algn="just"/>
+            <a:r>
+              <a:rPr lang="es-MX" sz="1100" dirty="0"/>
+              <a:t>– Al que estando autorizado para acceder a sistemas y equipos de informática del estado, indebidamente copie información que contengan.</a:t>
+            </a:r>
+          </a:p>
+          <a:p>
+            <a:pPr algn="just"/>
+            <a:r>
+              <a:rPr lang="es-MX" sz="1100" dirty="0"/>
+              <a:t>– Al que sin autorización modifique, destruya o =provoque pérdida de información contenida en sistemas o equipos de informática de las instituciones que integran el sistema financiero, protegidos por algún mecanismo de seguridad.</a:t>
+            </a:r>
+          </a:p>
+        </p:txBody>
+      </p:sp>
+    </p:spTree>
+    <p:extLst>
+      <p:ext uri="{BB962C8B-B14F-4D97-AF65-F5344CB8AC3E}">
+        <p14:creationId xmlns:p14="http://schemas.microsoft.com/office/powerpoint/2010/main" val="2039365911"/>
+      </p:ext>
+    </p:extLst>
+  </p:cSld>
+  <p:clrMapOvr>
+    <a:masterClrMapping/>
+  </p:clrMapOvr>
+</p:sld>
+</file>
+
+<file path=ppt/slides/slide12.xml><?xml version="1.0" encoding="utf-8"?>
+<p:sld xmlns:a="http://schemas.openxmlformats.org/drawingml/2006/main" xmlns:r="http://schemas.openxmlformats.org/officeDocument/2006/relationships" xmlns:p="http://schemas.openxmlformats.org/presentationml/2006/main">
+  <p:cSld>
+    <p:spTree>
+      <p:nvGrpSpPr>
+        <p:cNvPr id="1" name="Shape 260"/>
+        <p:cNvGrpSpPr/>
+        <p:nvPr/>
+      </p:nvGrpSpPr>
+      <p:grpSpPr>
+        <a:xfrm>
+          <a:off x="0" y="0"/>
+          <a:ext cx="0" cy="0"/>
+          <a:chOff x="0" y="0"/>
+          <a:chExt cx="0" cy="0"/>
+        </a:xfrm>
+      </p:grpSpPr>
+      <p:sp>
+        <p:nvSpPr>
+          <p:cNvPr id="261" name="Google Shape;261;p16"/>
+          <p:cNvSpPr txBox="1">
+            <a:spLocks noGrp="1"/>
+          </p:cNvSpPr>
+          <p:nvPr>
+            <p:ph type="title"/>
+          </p:nvPr>
+        </p:nvSpPr>
+        <p:spPr>
+          <a:xfrm>
+            <a:off x="403805" y="93065"/>
+            <a:ext cx="5138700" cy="857400"/>
+          </a:xfrm>
+          <a:prstGeom prst="rect">
+            <a:avLst/>
+          </a:prstGeom>
+        </p:spPr>
+        <p:txBody>
+          <a:bodyPr spcFirstLastPara="1" wrap="square" lIns="91425" tIns="91425" rIns="91425" bIns="91425" anchor="b" anchorCtr="0">
+            <a:noAutofit/>
+          </a:bodyPr>
+          <a:lstStyle/>
+          <a:p>
+            <a:pPr marL="0" lvl="0" indent="0" algn="l" rtl="0">
+              <a:spcBef>
+                <a:spcPts val="0"/>
+              </a:spcBef>
+              <a:spcAft>
+                <a:spcPts val="0"/>
+              </a:spcAft>
+              <a:buNone/>
+            </a:pPr>
+            <a:r>
+              <a:rPr lang="es-MX"/>
+              <a:t>Tipos de contrato</a:t>
+            </a:r>
+          </a:p>
+        </p:txBody>
+      </p:sp>
+      <p:sp>
+        <p:nvSpPr>
+          <p:cNvPr id="262" name="Google Shape;262;p16"/>
+          <p:cNvSpPr txBox="1">
+            <a:spLocks noGrp="1"/>
+          </p:cNvSpPr>
+          <p:nvPr>
+            <p:ph type="body" idx="1"/>
+          </p:nvPr>
+        </p:nvSpPr>
+        <p:spPr>
+          <a:xfrm>
+            <a:off x="225846" y="1429138"/>
+            <a:ext cx="5138700" cy="1506341"/>
+          </a:xfrm>
+          <a:prstGeom prst="rect">
+            <a:avLst/>
+          </a:prstGeom>
+        </p:spPr>
+        <p:txBody>
+          <a:bodyPr spcFirstLastPara="1" wrap="square" lIns="91425" tIns="91425" rIns="91425" bIns="91425" anchor="t" anchorCtr="0">
+            <a:noAutofit/>
+          </a:bodyPr>
+          <a:lstStyle/>
+          <a:p>
+            <a:pPr marL="457200" lvl="0" indent="-381000" algn="l" rtl="0">
+              <a:spcBef>
+                <a:spcPts val="600"/>
+              </a:spcBef>
+              <a:spcAft>
+                <a:spcPts val="0"/>
+              </a:spcAft>
+              <a:buSzPts val="2400"/>
+              <a:buChar char="▹"/>
+            </a:pPr>
+            <a:r>
+              <a:rPr lang="es-MX"/>
+              <a:t>Contrato a termino fijo </a:t>
+            </a:r>
+          </a:p>
+          <a:p>
+            <a:pPr marL="457200" lvl="0" indent="-381000" algn="l" rtl="0">
+              <a:spcBef>
+                <a:spcPts val="600"/>
+              </a:spcBef>
+              <a:spcAft>
+                <a:spcPts val="0"/>
+              </a:spcAft>
+              <a:buSzPts val="2400"/>
+              <a:buChar char="▹"/>
+            </a:pPr>
+            <a:r>
+              <a:rPr lang="es-MX"/>
+              <a:t>Contrato a termino indefinido</a:t>
+            </a:r>
+          </a:p>
+          <a:p>
+            <a:pPr marL="457200" lvl="0" indent="-381000" algn="l" rtl="0">
+              <a:spcBef>
+                <a:spcPts val="600"/>
+              </a:spcBef>
+              <a:spcAft>
+                <a:spcPts val="0"/>
+              </a:spcAft>
+              <a:buSzPts val="2400"/>
+              <a:buChar char="▹"/>
+            </a:pPr>
+            <a:r>
+              <a:rPr lang="es-MX"/>
+              <a:t>Contratacion civil por prestacion de servicios</a:t>
+            </a:r>
+          </a:p>
+          <a:p>
+            <a:pPr marL="457200" lvl="0" indent="-381000" algn="l" rtl="0">
+              <a:spcBef>
+                <a:spcPts val="600"/>
+              </a:spcBef>
+              <a:spcAft>
+                <a:spcPts val="0"/>
+              </a:spcAft>
+              <a:buSzPts val="2400"/>
+              <a:buChar char="▹"/>
+            </a:pPr>
+            <a:r>
+              <a:rPr lang="es-MX"/>
+              <a:t>Contratacion por servicios</a:t>
+            </a:r>
+          </a:p>
+          <a:p>
+            <a:pPr marL="457200" lvl="0" indent="-381000" algn="l" rtl="0">
+              <a:spcBef>
+                <a:spcPts val="600"/>
+              </a:spcBef>
+              <a:spcAft>
+                <a:spcPts val="0"/>
+              </a:spcAft>
+              <a:buSzPts val="2400"/>
+              <a:buChar char="▹"/>
+            </a:pPr>
+            <a:r>
+              <a:rPr lang="es-MX"/>
+              <a:t>Contrato por asesorias</a:t>
+            </a:r>
+          </a:p>
+          <a:p>
+            <a:pPr marL="457200" lvl="0" indent="-381000" algn="l" rtl="0">
+              <a:spcBef>
+                <a:spcPts val="600"/>
+              </a:spcBef>
+              <a:spcAft>
+                <a:spcPts val="0"/>
+              </a:spcAft>
+              <a:buSzPts val="2400"/>
+              <a:buChar char="▹"/>
+            </a:pPr>
+            <a:endParaRPr lang="es-MX"/>
+          </a:p>
+        </p:txBody>
+      </p:sp>
+      <p:sp>
+        <p:nvSpPr>
+          <p:cNvPr id="263" name="Google Shape;263;p16"/>
+          <p:cNvSpPr txBox="1">
+            <a:spLocks noGrp="1"/>
+          </p:cNvSpPr>
+          <p:nvPr>
+            <p:ph type="sldNum" idx="12"/>
+          </p:nvPr>
+        </p:nvSpPr>
+        <p:spPr>
+          <a:xfrm>
+            <a:off x="8808000" y="2208279"/>
+            <a:ext cx="336000" cy="727200"/>
+          </a:xfrm>
+          <a:prstGeom prst="rect">
+            <a:avLst/>
+          </a:prstGeom>
+        </p:spPr>
+        <p:txBody>
+          <a:bodyPr spcFirstLastPara="1" wrap="square" lIns="91425" tIns="91425" rIns="91425" bIns="91425" anchor="ctr" anchorCtr="0">
+            <a:noAutofit/>
+          </a:bodyPr>
+          <a:lstStyle/>
+          <a:p>
+            <a:pPr marL="0" lvl="0" indent="0" algn="ctr" rtl="0">
+              <a:spcBef>
+                <a:spcPts val="0"/>
+              </a:spcBef>
+              <a:spcAft>
+                <a:spcPts val="0"/>
+              </a:spcAft>
+              <a:buNone/>
+            </a:pPr>
+            <a:fld id="{00000000-1234-1234-1234-123412341234}" type="slidenum">
+              <a:rPr lang="en"/>
+              <a:t>12</a:t>
+            </a:fld>
+            <a:endParaRPr/>
+          </a:p>
+        </p:txBody>
+      </p:sp>
+    </p:spTree>
+    <p:extLst>
+      <p:ext uri="{BB962C8B-B14F-4D97-AF65-F5344CB8AC3E}">
+        <p14:creationId xmlns:p14="http://schemas.microsoft.com/office/powerpoint/2010/main" val="1866388024"/>
+      </p:ext>
+    </p:extLst>
+  </p:cSld>
+  <p:clrMapOvr>
+    <a:masterClrMapping/>
+  </p:clrMapOvr>
+</p:sld>
+</file>
+
+<file path=ppt/slides/slide13.xml><?xml version="1.0" encoding="utf-8"?>
+<p:sld xmlns:a="http://schemas.openxmlformats.org/drawingml/2006/main" xmlns:r="http://schemas.openxmlformats.org/officeDocument/2006/relationships" xmlns:p="http://schemas.openxmlformats.org/presentationml/2006/main">
+  <p:cSld>
+    <p:spTree>
+      <p:nvGrpSpPr>
         <p:cNvPr id="1" name="Shape 409"/>
         <p:cNvGrpSpPr/>
         <p:nvPr/>
@@ -33103,7 +34076,7 @@
             </a:pPr>
             <a:fld id="{00000000-1234-1234-1234-123412341234}" type="slidenum">
               <a:rPr lang="en"/>
-              <a:t>10</a:t>
+              <a:t>13</a:t>
             </a:fld>
             <a:endParaRPr dirty="0"/>
           </a:p>
@@ -34630,7 +35603,7 @@
 </p:sld>
 </file>
 
-<file path=ppt/slides/slide11.xml><?xml version="1.0" encoding="utf-8"?>
+<file path=ppt/slides/slide14.xml><?xml version="1.0" encoding="utf-8"?>
 <p:sld xmlns:a="http://schemas.openxmlformats.org/drawingml/2006/main" xmlns:r="http://schemas.openxmlformats.org/officeDocument/2006/relationships" xmlns:p="http://schemas.openxmlformats.org/presentationml/2006/main">
   <p:cSld>
     <p:spTree>
@@ -34707,7 +35680,7 @@
             </a:pPr>
             <a:fld id="{00000000-1234-1234-1234-123412341234}" type="slidenum">
               <a:rPr lang="es-MX" smtClean="0"/>
-              <a:t>11</a:t>
+              <a:t>14</a:t>
             </a:fld>
             <a:endParaRPr lang="es-MX" dirty="0"/>
           </a:p>
@@ -34769,7 +35742,7 @@
 </p:sld>
 </file>
 
-<file path=ppt/slides/slide12.xml><?xml version="1.0" encoding="utf-8"?>
+<file path=ppt/slides/slide15.xml><?xml version="1.0" encoding="utf-8"?>
 <p:sld xmlns:a="http://schemas.openxmlformats.org/drawingml/2006/main" xmlns:r="http://schemas.openxmlformats.org/officeDocument/2006/relationships" xmlns:p="http://schemas.openxmlformats.org/presentationml/2006/main">
   <p:cSld>
     <p:spTree>
@@ -34822,7 +35795,7 @@
             </a:pPr>
             <a:fld id="{00000000-1234-1234-1234-123412341234}" type="slidenum">
               <a:rPr lang="en"/>
-              <a:t>12</a:t>
+              <a:t>15</a:t>
             </a:fld>
             <a:endParaRPr/>
           </a:p>
@@ -49473,7 +50446,7 @@
         </p:nvSpPr>
         <p:spPr>
           <a:xfrm>
-            <a:off x="403805" y="93065"/>
+            <a:off x="350410" y="687091"/>
             <a:ext cx="5138700" cy="857400"/>
           </a:xfrm>
           <a:prstGeom prst="rect">
@@ -49496,128 +50469,9 @@
               <a:buNone/>
             </a:pPr>
             <a:r>
-              <a:rPr lang="es-MX"/>
-              <a:t>Tipos de contrato</a:t>
+              <a:rPr lang="es-MX" dirty="0"/>
+              <a:t>Leyes del marco legal correspondiente  a nuestros servicios </a:t>
             </a:r>
-          </a:p>
-        </p:txBody>
-      </p:sp>
-      <p:sp>
-        <p:nvSpPr>
-          <p:cNvPr id="262" name="Google Shape;262;p16"/>
-          <p:cNvSpPr txBox="1">
-            <a:spLocks noGrp="1"/>
-          </p:cNvSpPr>
-          <p:nvPr>
-            <p:ph type="body" idx="1"/>
-          </p:nvPr>
-        </p:nvSpPr>
-        <p:spPr>
-          <a:xfrm>
-            <a:off x="225846" y="1429138"/>
-            <a:ext cx="5138700" cy="1506341"/>
-          </a:xfrm>
-          <a:prstGeom prst="rect">
-            <a:avLst/>
-          </a:prstGeom>
-        </p:spPr>
-        <p:txBody>
-          <a:bodyPr spcFirstLastPara="1" wrap="square" lIns="91425" tIns="91425" rIns="91425" bIns="91425" anchor="t" anchorCtr="0">
-            <a:noAutofit/>
-          </a:bodyPr>
-          <a:lstStyle/>
-          <a:p>
-            <a:pPr marL="457200" lvl="0" indent="-381000" algn="l" rtl="0">
-              <a:spcBef>
-                <a:spcPts val="600"/>
-              </a:spcBef>
-              <a:spcAft>
-                <a:spcPts val="0"/>
-              </a:spcAft>
-              <a:buSzPts val="2400"/>
-              <a:buChar char="▹"/>
-            </a:pPr>
-            <a:r>
-              <a:rPr lang="es-MX"/>
-              <a:t>Contrato a termino fijo </a:t>
-            </a:r>
-          </a:p>
-          <a:p>
-            <a:pPr marL="457200" lvl="0" indent="-381000" algn="l" rtl="0">
-              <a:spcBef>
-                <a:spcPts val="600"/>
-              </a:spcBef>
-              <a:spcAft>
-                <a:spcPts val="0"/>
-              </a:spcAft>
-              <a:buSzPts val="2400"/>
-              <a:buChar char="▹"/>
-            </a:pPr>
-            <a:r>
-              <a:rPr lang="es-MX"/>
-              <a:t>Contrato a termino indefinido</a:t>
-            </a:r>
-          </a:p>
-          <a:p>
-            <a:pPr marL="457200" lvl="0" indent="-381000" algn="l" rtl="0">
-              <a:spcBef>
-                <a:spcPts val="600"/>
-              </a:spcBef>
-              <a:spcAft>
-                <a:spcPts val="0"/>
-              </a:spcAft>
-              <a:buSzPts val="2400"/>
-              <a:buChar char="▹"/>
-            </a:pPr>
-            <a:r>
-              <a:rPr lang="es-MX"/>
-              <a:t>Contratacion civil por prestacion de servicios</a:t>
-            </a:r>
-          </a:p>
-          <a:p>
-            <a:pPr marL="457200" lvl="0" indent="-381000" algn="l" rtl="0">
-              <a:spcBef>
-                <a:spcPts val="600"/>
-              </a:spcBef>
-              <a:spcAft>
-                <a:spcPts val="0"/>
-              </a:spcAft>
-              <a:buSzPts val="2400"/>
-              <a:buChar char="▹"/>
-            </a:pPr>
-            <a:r>
-              <a:rPr lang="es-MX"/>
-              <a:t>Contratacion por servicios</a:t>
-            </a:r>
-          </a:p>
-          <a:p>
-            <a:pPr marL="457200" lvl="0" indent="-381000" algn="l" rtl="0">
-              <a:spcBef>
-                <a:spcPts val="600"/>
-              </a:spcBef>
-              <a:spcAft>
-                <a:spcPts val="0"/>
-              </a:spcAft>
-              <a:buSzPts val="2400"/>
-              <a:buChar char="▹"/>
-            </a:pPr>
-            <a:r>
-              <a:rPr lang="es-MX"/>
-              <a:t>Contrato por asesorias</a:t>
-            </a:r>
-          </a:p>
-          <a:p>
-            <a:pPr marL="457200" lvl="0" indent="-381000" algn="l" rtl="0">
-              <a:spcBef>
-                <a:spcPts val="600"/>
-              </a:spcBef>
-              <a:spcAft>
-                <a:spcPts val="0"/>
-              </a:spcAft>
-              <a:buSzPts val="2400"/>
-              <a:buChar char="▹"/>
-            </a:pPr>
-            <a:endParaRPr lang="es-MX"/>
           </a:p>
         </p:txBody>
       </p:sp>
@@ -49663,10 +50517,111 @@
           </a:p>
         </p:txBody>
       </p:sp>
+      <p:sp>
+        <p:nvSpPr>
+          <p:cNvPr id="7" name="CuadroTexto 6">
+            <a:extLst>
+              <a:ext uri="{FF2B5EF4-FFF2-40B4-BE49-F238E27FC236}">
+                <a16:creationId xmlns:a16="http://schemas.microsoft.com/office/drawing/2014/main" id="{7CC02281-3960-F87C-9DCC-C2A11D30C8B1}"/>
+              </a:ext>
+            </a:extLst>
+          </p:cNvPr>
+          <p:cNvSpPr txBox="1"/>
+          <p:nvPr/>
+        </p:nvSpPr>
+        <p:spPr>
+          <a:xfrm>
+            <a:off x="129540" y="1712131"/>
+            <a:ext cx="6042660" cy="2970044"/>
+          </a:xfrm>
+          <a:prstGeom prst="rect">
+            <a:avLst/>
+          </a:prstGeom>
+          <a:noFill/>
+        </p:spPr>
+        <p:txBody>
+          <a:bodyPr wrap="square">
+            <a:spAutoFit/>
+          </a:bodyPr>
+          <a:lstStyle/>
+          <a:p>
+            <a:r>
+              <a:rPr lang="es-MX" sz="1100" b="1" dirty="0"/>
+              <a:t>Artículo 107</a:t>
+            </a:r>
+            <a:r>
+              <a:rPr lang="es-MX" sz="1100" dirty="0"/>
+              <a:t>.- Las bases de datos o de otros materiales legibles por medio de máquinas o en otra</a:t>
+            </a:r>
+          </a:p>
+          <a:p>
+            <a:r>
+              <a:rPr lang="es-MX" sz="1100" dirty="0"/>
+              <a:t>forma, que por razones de selección y disposición de su contenido constituyan creaciones intelectuales,</a:t>
+            </a:r>
+          </a:p>
+          <a:p>
+            <a:r>
+              <a:rPr lang="es-MX" sz="1100" dirty="0"/>
+              <a:t>quedarán protegidas como compilaciones. Dicha protección no se extenderá a los datos y materiales en sí</a:t>
+            </a:r>
+          </a:p>
+          <a:p>
+            <a:r>
+              <a:rPr lang="es-MX" sz="1100" dirty="0"/>
+              <a:t>mismos.</a:t>
+            </a:r>
+          </a:p>
+          <a:p>
+            <a:r>
+              <a:rPr lang="es-MX" sz="1100" b="1" dirty="0"/>
+              <a:t>Artículo 108</a:t>
+            </a:r>
+            <a:r>
+              <a:rPr lang="es-MX" sz="1100" dirty="0"/>
+              <a:t>.- Las bases de datos que no sean originales quedan, sin embargo, protegidas en su uso</a:t>
+            </a:r>
+          </a:p>
+          <a:p>
+            <a:r>
+              <a:rPr lang="es-MX" sz="1100" dirty="0"/>
+              <a:t>exclusivo por quien las haya elaborado, durante un lapso de 5 años.</a:t>
+            </a:r>
+          </a:p>
+          <a:p>
+            <a:r>
+              <a:rPr lang="es-MX" sz="1100" b="1" dirty="0"/>
+              <a:t>Artículo 109</a:t>
+            </a:r>
+            <a:r>
+              <a:rPr lang="es-MX" sz="1100" dirty="0"/>
+              <a:t>.- El acceso a información de carácter privado relativa a las personas contenida en las</a:t>
+            </a:r>
+          </a:p>
+          <a:p>
+            <a:r>
+              <a:rPr lang="es-MX" sz="1100" dirty="0"/>
+              <a:t>bases de datos a que se refiere el artículo anterior, así como la publicación, reproducción, divulgación,</a:t>
+            </a:r>
+          </a:p>
+          <a:p>
+            <a:r>
+              <a:rPr lang="es-MX" sz="1100" dirty="0"/>
+              <a:t>comunicación pública y transmisión de dicha información, requerirá la autorización previa de las personas</a:t>
+            </a:r>
+          </a:p>
+          <a:p>
+            <a:r>
+              <a:rPr lang="es-MX" sz="1100" dirty="0"/>
+              <a:t>de que se trate.</a:t>
+            </a:r>
+          </a:p>
+        </p:txBody>
+      </p:sp>
     </p:spTree>
     <p:extLst>
       <p:ext uri="{BB962C8B-B14F-4D97-AF65-F5344CB8AC3E}">
-        <p14:creationId xmlns:p14="http://schemas.microsoft.com/office/powerpoint/2010/main" val="1866388024"/>
+        <p14:creationId xmlns:p14="http://schemas.microsoft.com/office/powerpoint/2010/main" val="3794232010"/>
       </p:ext>
     </p:extLst>
   </p:cSld>

--- a/13 Modelos de negocios/Empresa Outtic.pptx
+++ b/13 Modelos de negocios/Empresa Outtic.pptx
@@ -5,7 +5,7 @@
     <p:sldMasterId id="2147483659" r:id="rId1"/>
   </p:sldMasterIdLst>
   <p:notesMasterIdLst>
-    <p:notesMasterId r:id="rId17"/>
+    <p:notesMasterId r:id="rId22"/>
   </p:notesMasterIdLst>
   <p:sldIdLst>
     <p:sldId id="256" r:id="rId2"/>
@@ -23,42 +23,47 @@
     <p:sldId id="288" r:id="rId14"/>
     <p:sldId id="292" r:id="rId15"/>
     <p:sldId id="291" r:id="rId16"/>
+    <p:sldId id="296" r:id="rId17"/>
+    <p:sldId id="297" r:id="rId18"/>
+    <p:sldId id="298" r:id="rId19"/>
+    <p:sldId id="301" r:id="rId20"/>
+    <p:sldId id="300" r:id="rId21"/>
   </p:sldIdLst>
   <p:sldSz cx="9144000" cy="5143500" type="screen16x9"/>
   <p:notesSz cx="6858000" cy="9144000"/>
   <p:embeddedFontLst>
     <p:embeddedFont>
       <p:font typeface="Barlow" panose="00000500000000000000" pitchFamily="2" charset="0"/>
-      <p:regular r:id="rId18"/>
-      <p:bold r:id="rId19"/>
-      <p:italic r:id="rId20"/>
-      <p:boldItalic r:id="rId21"/>
+      <p:regular r:id="rId23"/>
+      <p:bold r:id="rId24"/>
+      <p:italic r:id="rId25"/>
+      <p:boldItalic r:id="rId26"/>
     </p:embeddedFont>
     <p:embeddedFont>
       <p:font typeface="Barlow Light" panose="00000400000000000000" pitchFamily="2" charset="0"/>
-      <p:regular r:id="rId22"/>
-      <p:bold r:id="rId23"/>
-      <p:italic r:id="rId24"/>
-      <p:boldItalic r:id="rId25"/>
+      <p:regular r:id="rId27"/>
+      <p:bold r:id="rId28"/>
+      <p:italic r:id="rId29"/>
+      <p:boldItalic r:id="rId30"/>
     </p:embeddedFont>
     <p:embeddedFont>
       <p:font typeface="Calibri" panose="020F0502020204030204" pitchFamily="34" charset="0"/>
-      <p:regular r:id="rId26"/>
-      <p:bold r:id="rId27"/>
-      <p:italic r:id="rId28"/>
-      <p:boldItalic r:id="rId29"/>
+      <p:regular r:id="rId31"/>
+      <p:bold r:id="rId32"/>
+      <p:italic r:id="rId33"/>
+      <p:boldItalic r:id="rId34"/>
     </p:embeddedFont>
     <p:embeddedFont>
       <p:font typeface="Miriam Libre" panose="00000500000000000000" pitchFamily="2" charset="-79"/>
-      <p:regular r:id="rId30"/>
-      <p:bold r:id="rId31"/>
+      <p:regular r:id="rId35"/>
+      <p:bold r:id="rId36"/>
     </p:embeddedFont>
     <p:embeddedFont>
       <p:font typeface="Work Sans" pitchFamily="2" charset="0"/>
-      <p:regular r:id="rId32"/>
-      <p:bold r:id="rId33"/>
-      <p:italic r:id="rId34"/>
-      <p:boldItalic r:id="rId35"/>
+      <p:regular r:id="rId37"/>
+      <p:bold r:id="rId38"/>
+      <p:italic r:id="rId39"/>
+      <p:boldItalic r:id="rId40"/>
     </p:embeddedFont>
   </p:embeddedFontLst>
   <p:defaultTextStyle>
@@ -35844,6 +35849,1550 @@
 </p:sld>
 </file>
 
+<file path=ppt/slides/slide16.xml><?xml version="1.0" encoding="utf-8"?>
+<p:sld xmlns:a="http://schemas.openxmlformats.org/drawingml/2006/main" xmlns:r="http://schemas.openxmlformats.org/officeDocument/2006/relationships" xmlns:p="http://schemas.openxmlformats.org/presentationml/2006/main">
+  <p:cSld>
+    <p:spTree>
+      <p:nvGrpSpPr>
+        <p:cNvPr id="1" name=""/>
+        <p:cNvGrpSpPr/>
+        <p:nvPr/>
+      </p:nvGrpSpPr>
+      <p:grpSpPr>
+        <a:xfrm>
+          <a:off x="0" y="0"/>
+          <a:ext cx="0" cy="0"/>
+          <a:chOff x="0" y="0"/>
+          <a:chExt cx="0" cy="0"/>
+        </a:xfrm>
+      </p:grpSpPr>
+      <p:sp>
+        <p:nvSpPr>
+          <p:cNvPr id="6" name="Marcador de número de diapositiva 5">
+            <a:extLst>
+              <a:ext uri="{FF2B5EF4-FFF2-40B4-BE49-F238E27FC236}">
+                <a16:creationId xmlns:a16="http://schemas.microsoft.com/office/drawing/2014/main" id="{AF2C1595-887B-BB6D-9C8A-F4213FF28999}"/>
+              </a:ext>
+            </a:extLst>
+          </p:cNvPr>
+          <p:cNvSpPr>
+            <a:spLocks noGrp="1"/>
+          </p:cNvSpPr>
+          <p:nvPr>
+            <p:ph type="sldNum" idx="12"/>
+          </p:nvPr>
+        </p:nvSpPr>
+        <p:spPr/>
+        <p:txBody>
+          <a:bodyPr/>
+          <a:lstStyle/>
+          <a:p>
+            <a:pPr marL="0" lvl="0" indent="0" algn="ctr" rtl="0">
+              <a:spcBef>
+                <a:spcPts val="0"/>
+              </a:spcBef>
+              <a:spcAft>
+                <a:spcPts val="0"/>
+              </a:spcAft>
+              <a:buNone/>
+            </a:pPr>
+            <a:fld id="{00000000-1234-1234-1234-123412341234}" type="slidenum">
+              <a:rPr lang="es-MX" smtClean="0"/>
+              <a:t>16</a:t>
+            </a:fld>
+            <a:endParaRPr lang="es-MX" dirty="0"/>
+          </a:p>
+        </p:txBody>
+      </p:sp>
+      <p:sp>
+        <p:nvSpPr>
+          <p:cNvPr id="7" name="CuadroTexto 7">
+            <a:extLst>
+              <a:ext uri="{FF2B5EF4-FFF2-40B4-BE49-F238E27FC236}">
+                <a16:creationId xmlns:a16="http://schemas.microsoft.com/office/drawing/2014/main" id="{8DFA1D62-435D-7CC0-6A4B-16BC386DE7F0}"/>
+              </a:ext>
+            </a:extLst>
+          </p:cNvPr>
+          <p:cNvSpPr txBox="1"/>
+          <p:nvPr/>
+        </p:nvSpPr>
+        <p:spPr>
+          <a:xfrm>
+            <a:off x="1128994" y="214013"/>
+            <a:ext cx="4185273" cy="1077218"/>
+          </a:xfrm>
+          <a:prstGeom prst="rect">
+            <a:avLst/>
+          </a:prstGeom>
+          <a:noFill/>
+        </p:spPr>
+        <p:txBody>
+          <a:bodyPr wrap="square" rtlCol="0">
+            <a:spAutoFit/>
+          </a:bodyPr>
+          <a:lstStyle>
+            <a:defPPr>
+              <a:defRPr lang="es-MX"/>
+            </a:defPPr>
+            <a:lvl1pPr marL="0" algn="l" defTabSz="914400" rtl="0" eaLnBrk="1" latinLnBrk="0" hangingPunct="1">
+              <a:defRPr sz="1800" kern="1200">
+                <a:solidFill>
+                  <a:schemeClr val="tx1"/>
+                </a:solidFill>
+                <a:latin typeface="+mn-lt"/>
+                <a:ea typeface="+mn-ea"/>
+                <a:cs typeface="+mn-cs"/>
+              </a:defRPr>
+            </a:lvl1pPr>
+            <a:lvl2pPr marL="457200" algn="l" defTabSz="914400" rtl="0" eaLnBrk="1" latinLnBrk="0" hangingPunct="1">
+              <a:defRPr sz="1800" kern="1200">
+                <a:solidFill>
+                  <a:schemeClr val="tx1"/>
+                </a:solidFill>
+                <a:latin typeface="+mn-lt"/>
+                <a:ea typeface="+mn-ea"/>
+                <a:cs typeface="+mn-cs"/>
+              </a:defRPr>
+            </a:lvl2pPr>
+            <a:lvl3pPr marL="914400" algn="l" defTabSz="914400" rtl="0" eaLnBrk="1" latinLnBrk="0" hangingPunct="1">
+              <a:defRPr sz="1800" kern="1200">
+                <a:solidFill>
+                  <a:schemeClr val="tx1"/>
+                </a:solidFill>
+                <a:latin typeface="+mn-lt"/>
+                <a:ea typeface="+mn-ea"/>
+                <a:cs typeface="+mn-cs"/>
+              </a:defRPr>
+            </a:lvl3pPr>
+            <a:lvl4pPr marL="1371600" algn="l" defTabSz="914400" rtl="0" eaLnBrk="1" latinLnBrk="0" hangingPunct="1">
+              <a:defRPr sz="1800" kern="1200">
+                <a:solidFill>
+                  <a:schemeClr val="tx1"/>
+                </a:solidFill>
+                <a:latin typeface="+mn-lt"/>
+                <a:ea typeface="+mn-ea"/>
+                <a:cs typeface="+mn-cs"/>
+              </a:defRPr>
+            </a:lvl4pPr>
+            <a:lvl5pPr marL="1828800" algn="l" defTabSz="914400" rtl="0" eaLnBrk="1" latinLnBrk="0" hangingPunct="1">
+              <a:defRPr sz="1800" kern="1200">
+                <a:solidFill>
+                  <a:schemeClr val="tx1"/>
+                </a:solidFill>
+                <a:latin typeface="+mn-lt"/>
+                <a:ea typeface="+mn-ea"/>
+                <a:cs typeface="+mn-cs"/>
+              </a:defRPr>
+            </a:lvl5pPr>
+            <a:lvl6pPr marL="2286000" algn="l" defTabSz="914400" rtl="0" eaLnBrk="1" latinLnBrk="0" hangingPunct="1">
+              <a:defRPr sz="1800" kern="1200">
+                <a:solidFill>
+                  <a:schemeClr val="tx1"/>
+                </a:solidFill>
+                <a:latin typeface="+mn-lt"/>
+                <a:ea typeface="+mn-ea"/>
+                <a:cs typeface="+mn-cs"/>
+              </a:defRPr>
+            </a:lvl6pPr>
+            <a:lvl7pPr marL="2743200" algn="l" defTabSz="914400" rtl="0" eaLnBrk="1" latinLnBrk="0" hangingPunct="1">
+              <a:defRPr sz="1800" kern="1200">
+                <a:solidFill>
+                  <a:schemeClr val="tx1"/>
+                </a:solidFill>
+                <a:latin typeface="+mn-lt"/>
+                <a:ea typeface="+mn-ea"/>
+                <a:cs typeface="+mn-cs"/>
+              </a:defRPr>
+            </a:lvl7pPr>
+            <a:lvl8pPr marL="3200400" algn="l" defTabSz="914400" rtl="0" eaLnBrk="1" latinLnBrk="0" hangingPunct="1">
+              <a:defRPr sz="1800" kern="1200">
+                <a:solidFill>
+                  <a:schemeClr val="tx1"/>
+                </a:solidFill>
+                <a:latin typeface="+mn-lt"/>
+                <a:ea typeface="+mn-ea"/>
+                <a:cs typeface="+mn-cs"/>
+              </a:defRPr>
+            </a:lvl8pPr>
+            <a:lvl9pPr marL="3657600" algn="l" defTabSz="914400" rtl="0" eaLnBrk="1" latinLnBrk="0" hangingPunct="1">
+              <a:defRPr sz="1800" kern="1200">
+                <a:solidFill>
+                  <a:schemeClr val="tx1"/>
+                </a:solidFill>
+                <a:latin typeface="+mn-lt"/>
+                <a:ea typeface="+mn-ea"/>
+                <a:cs typeface="+mn-cs"/>
+              </a:defRPr>
+            </a:lvl9pPr>
+          </a:lstStyle>
+          <a:p>
+            <a:r>
+              <a:rPr lang="es-MX" sz="3200" dirty="0">
+                <a:latin typeface="Arial" panose="020B0604020202020204" pitchFamily="34" charset="0"/>
+                <a:cs typeface="Arial" panose="020B0604020202020204" pitchFamily="34" charset="0"/>
+              </a:rPr>
+              <a:t>Gestión para la gobernabilidad: ITR</a:t>
+            </a:r>
+          </a:p>
+        </p:txBody>
+      </p:sp>
+      <p:sp>
+        <p:nvSpPr>
+          <p:cNvPr id="8" name="CuadroTexto 9">
+            <a:extLst>
+              <a:ext uri="{FF2B5EF4-FFF2-40B4-BE49-F238E27FC236}">
+                <a16:creationId xmlns:a16="http://schemas.microsoft.com/office/drawing/2014/main" id="{BB8312B0-DB08-974C-8791-EFE6CCCDCDAE}"/>
+              </a:ext>
+            </a:extLst>
+          </p:cNvPr>
+          <p:cNvSpPr txBox="1"/>
+          <p:nvPr/>
+        </p:nvSpPr>
+        <p:spPr>
+          <a:xfrm>
+            <a:off x="254338" y="1637938"/>
+            <a:ext cx="5557644" cy="3139321"/>
+          </a:xfrm>
+          <a:prstGeom prst="rect">
+            <a:avLst/>
+          </a:prstGeom>
+          <a:noFill/>
+        </p:spPr>
+        <p:txBody>
+          <a:bodyPr wrap="square" rtlCol="0">
+            <a:spAutoFit/>
+          </a:bodyPr>
+          <a:lstStyle>
+            <a:defPPr>
+              <a:defRPr lang="es-MX"/>
+            </a:defPPr>
+            <a:lvl1pPr marL="0" algn="l" defTabSz="914400" rtl="0" eaLnBrk="1" latinLnBrk="0" hangingPunct="1">
+              <a:defRPr sz="1800" kern="1200">
+                <a:solidFill>
+                  <a:schemeClr val="tx1"/>
+                </a:solidFill>
+                <a:latin typeface="+mn-lt"/>
+                <a:ea typeface="+mn-ea"/>
+                <a:cs typeface="+mn-cs"/>
+              </a:defRPr>
+            </a:lvl1pPr>
+            <a:lvl2pPr marL="457200" algn="l" defTabSz="914400" rtl="0" eaLnBrk="1" latinLnBrk="0" hangingPunct="1">
+              <a:defRPr sz="1800" kern="1200">
+                <a:solidFill>
+                  <a:schemeClr val="tx1"/>
+                </a:solidFill>
+                <a:latin typeface="+mn-lt"/>
+                <a:ea typeface="+mn-ea"/>
+                <a:cs typeface="+mn-cs"/>
+              </a:defRPr>
+            </a:lvl2pPr>
+            <a:lvl3pPr marL="914400" algn="l" defTabSz="914400" rtl="0" eaLnBrk="1" latinLnBrk="0" hangingPunct="1">
+              <a:defRPr sz="1800" kern="1200">
+                <a:solidFill>
+                  <a:schemeClr val="tx1"/>
+                </a:solidFill>
+                <a:latin typeface="+mn-lt"/>
+                <a:ea typeface="+mn-ea"/>
+                <a:cs typeface="+mn-cs"/>
+              </a:defRPr>
+            </a:lvl3pPr>
+            <a:lvl4pPr marL="1371600" algn="l" defTabSz="914400" rtl="0" eaLnBrk="1" latinLnBrk="0" hangingPunct="1">
+              <a:defRPr sz="1800" kern="1200">
+                <a:solidFill>
+                  <a:schemeClr val="tx1"/>
+                </a:solidFill>
+                <a:latin typeface="+mn-lt"/>
+                <a:ea typeface="+mn-ea"/>
+                <a:cs typeface="+mn-cs"/>
+              </a:defRPr>
+            </a:lvl4pPr>
+            <a:lvl5pPr marL="1828800" algn="l" defTabSz="914400" rtl="0" eaLnBrk="1" latinLnBrk="0" hangingPunct="1">
+              <a:defRPr sz="1800" kern="1200">
+                <a:solidFill>
+                  <a:schemeClr val="tx1"/>
+                </a:solidFill>
+                <a:latin typeface="+mn-lt"/>
+                <a:ea typeface="+mn-ea"/>
+                <a:cs typeface="+mn-cs"/>
+              </a:defRPr>
+            </a:lvl5pPr>
+            <a:lvl6pPr marL="2286000" algn="l" defTabSz="914400" rtl="0" eaLnBrk="1" latinLnBrk="0" hangingPunct="1">
+              <a:defRPr sz="1800" kern="1200">
+                <a:solidFill>
+                  <a:schemeClr val="tx1"/>
+                </a:solidFill>
+                <a:latin typeface="+mn-lt"/>
+                <a:ea typeface="+mn-ea"/>
+                <a:cs typeface="+mn-cs"/>
+              </a:defRPr>
+            </a:lvl6pPr>
+            <a:lvl7pPr marL="2743200" algn="l" defTabSz="914400" rtl="0" eaLnBrk="1" latinLnBrk="0" hangingPunct="1">
+              <a:defRPr sz="1800" kern="1200">
+                <a:solidFill>
+                  <a:schemeClr val="tx1"/>
+                </a:solidFill>
+                <a:latin typeface="+mn-lt"/>
+                <a:ea typeface="+mn-ea"/>
+                <a:cs typeface="+mn-cs"/>
+              </a:defRPr>
+            </a:lvl7pPr>
+            <a:lvl8pPr marL="3200400" algn="l" defTabSz="914400" rtl="0" eaLnBrk="1" latinLnBrk="0" hangingPunct="1">
+              <a:defRPr sz="1800" kern="1200">
+                <a:solidFill>
+                  <a:schemeClr val="tx1"/>
+                </a:solidFill>
+                <a:latin typeface="+mn-lt"/>
+                <a:ea typeface="+mn-ea"/>
+                <a:cs typeface="+mn-cs"/>
+              </a:defRPr>
+            </a:lvl8pPr>
+            <a:lvl9pPr marL="3657600" algn="l" defTabSz="914400" rtl="0" eaLnBrk="1" latinLnBrk="0" hangingPunct="1">
+              <a:defRPr sz="1800" kern="1200">
+                <a:solidFill>
+                  <a:schemeClr val="tx1"/>
+                </a:solidFill>
+                <a:latin typeface="+mn-lt"/>
+                <a:ea typeface="+mn-ea"/>
+                <a:cs typeface="+mn-cs"/>
+              </a:defRPr>
+            </a:lvl9pPr>
+          </a:lstStyle>
+          <a:p>
+            <a:pPr marL="285750" indent="-285750" algn="just">
+              <a:buFont typeface="Arial" panose="020B0604020202020204" pitchFamily="34" charset="0"/>
+              <a:buChar char="•"/>
+            </a:pPr>
+            <a:r>
+              <a:rPr lang="es-MX" dirty="0">
+                <a:latin typeface="Arial" panose="020B0604020202020204" pitchFamily="34" charset="0"/>
+                <a:cs typeface="Arial" panose="020B0604020202020204" pitchFamily="34" charset="0"/>
+              </a:rPr>
+              <a:t>Principio 1:</a:t>
+            </a:r>
+          </a:p>
+          <a:p>
+            <a:pPr algn="just"/>
+            <a:r>
+              <a:rPr lang="es-MX" dirty="0">
+                <a:latin typeface="Arial" panose="020B0604020202020204" pitchFamily="34" charset="0"/>
+                <a:cs typeface="Arial" panose="020B0604020202020204" pitchFamily="34" charset="0"/>
+              </a:rPr>
+              <a:t>Dentro de este principio lo primero que se debe de realizar es la organización de los roles correspondientes de cada integrante. </a:t>
+            </a:r>
+          </a:p>
+          <a:p>
+            <a:pPr algn="just"/>
+            <a:endParaRPr lang="es-MX" dirty="0">
+              <a:latin typeface="Arial" panose="020B0604020202020204" pitchFamily="34" charset="0"/>
+              <a:cs typeface="Arial" panose="020B0604020202020204" pitchFamily="34" charset="0"/>
+            </a:endParaRPr>
+          </a:p>
+          <a:p>
+            <a:pPr algn="just"/>
+            <a:r>
+              <a:rPr lang="es-MX" dirty="0">
+                <a:latin typeface="Arial" panose="020B0604020202020204" pitchFamily="34" charset="0"/>
+                <a:cs typeface="Arial" panose="020B0604020202020204" pitchFamily="34" charset="0"/>
+              </a:rPr>
+              <a:t>Por ejemplo, podemos decir que la persona más apta para realizar las configuraciones es Gregorio, así que el tendrá la responsabilidad de la configuración, para la seguridad del servidor se le otorgara a Daniel y para la verificaciones de errores Sheila.</a:t>
+            </a:r>
+          </a:p>
+        </p:txBody>
+      </p:sp>
+      <p:pic>
+        <p:nvPicPr>
+          <p:cNvPr id="9" name="Picture 2" descr="Abrir foto">
+            <a:extLst>
+              <a:ext uri="{FF2B5EF4-FFF2-40B4-BE49-F238E27FC236}">
+                <a16:creationId xmlns:a16="http://schemas.microsoft.com/office/drawing/2014/main" id="{EECDF0E0-C598-A5F7-1B49-633B1A462361}"/>
+              </a:ext>
+            </a:extLst>
+          </p:cNvPr>
+          <p:cNvPicPr>
+            <a:picLocks noChangeAspect="1" noChangeArrowheads="1"/>
+          </p:cNvPicPr>
+          <p:nvPr/>
+        </p:nvPicPr>
+        <p:blipFill rotWithShape="1">
+          <a:blip r:embed="rId2">
+            <a:extLst>
+              <a:ext uri="{28A0092B-C50C-407E-A947-70E740481C1C}">
+                <a14:useLocalDpi xmlns:a14="http://schemas.microsoft.com/office/drawing/2010/main" val="0"/>
+              </a:ext>
+            </a:extLst>
+          </a:blip>
+          <a:srcRect l="19835" r="73"/>
+          <a:stretch/>
+        </p:blipFill>
+        <p:spPr bwMode="auto">
+          <a:xfrm>
+            <a:off x="6082144" y="0"/>
+            <a:ext cx="3061855" cy="2276067"/>
+          </a:xfrm>
+          <a:prstGeom prst="rect">
+            <a:avLst/>
+          </a:prstGeom>
+          <a:noFill/>
+          <a:extLst>
+            <a:ext uri="{909E8E84-426E-40DD-AFC4-6F175D3DCCD1}">
+              <a14:hiddenFill xmlns:a14="http://schemas.microsoft.com/office/drawing/2010/main">
+                <a:solidFill>
+                  <a:srgbClr val="FFFFFF"/>
+                </a:solidFill>
+              </a14:hiddenFill>
+            </a:ext>
+          </a:extLst>
+        </p:spPr>
+      </p:pic>
+    </p:spTree>
+    <p:extLst>
+      <p:ext uri="{BB962C8B-B14F-4D97-AF65-F5344CB8AC3E}">
+        <p14:creationId xmlns:p14="http://schemas.microsoft.com/office/powerpoint/2010/main" val="3004003161"/>
+      </p:ext>
+    </p:extLst>
+  </p:cSld>
+  <p:clrMapOvr>
+    <a:masterClrMapping/>
+  </p:clrMapOvr>
+</p:sld>
+</file>
+
+<file path=ppt/slides/slide17.xml><?xml version="1.0" encoding="utf-8"?>
+<p:sld xmlns:a="http://schemas.openxmlformats.org/drawingml/2006/main" xmlns:r="http://schemas.openxmlformats.org/officeDocument/2006/relationships" xmlns:p="http://schemas.openxmlformats.org/presentationml/2006/main">
+  <p:cSld>
+    <p:spTree>
+      <p:nvGrpSpPr>
+        <p:cNvPr id="1" name=""/>
+        <p:cNvGrpSpPr/>
+        <p:nvPr/>
+      </p:nvGrpSpPr>
+      <p:grpSpPr>
+        <a:xfrm>
+          <a:off x="0" y="0"/>
+          <a:ext cx="0" cy="0"/>
+          <a:chOff x="0" y="0"/>
+          <a:chExt cx="0" cy="0"/>
+        </a:xfrm>
+      </p:grpSpPr>
+      <p:sp>
+        <p:nvSpPr>
+          <p:cNvPr id="2" name="Marcador de número de diapositiva 1">
+            <a:extLst>
+              <a:ext uri="{FF2B5EF4-FFF2-40B4-BE49-F238E27FC236}">
+                <a16:creationId xmlns:a16="http://schemas.microsoft.com/office/drawing/2014/main" id="{B7030277-C416-FEBD-BFF5-DB7FF5F3E99D}"/>
+              </a:ext>
+            </a:extLst>
+          </p:cNvPr>
+          <p:cNvSpPr>
+            <a:spLocks noGrp="1"/>
+          </p:cNvSpPr>
+          <p:nvPr>
+            <p:ph type="sldNum" idx="12"/>
+          </p:nvPr>
+        </p:nvSpPr>
+        <p:spPr/>
+        <p:txBody>
+          <a:bodyPr/>
+          <a:lstStyle/>
+          <a:p>
+            <a:pPr marL="0" lvl="0" indent="0" algn="ctr" rtl="0">
+              <a:spcBef>
+                <a:spcPts val="0"/>
+              </a:spcBef>
+              <a:spcAft>
+                <a:spcPts val="0"/>
+              </a:spcAft>
+              <a:buNone/>
+            </a:pPr>
+            <a:fld id="{00000000-1234-1234-1234-123412341234}" type="slidenum">
+              <a:rPr lang="es-MX" smtClean="0"/>
+              <a:t>17</a:t>
+            </a:fld>
+            <a:endParaRPr lang="es-MX" dirty="0"/>
+          </a:p>
+        </p:txBody>
+      </p:sp>
+      <p:sp>
+        <p:nvSpPr>
+          <p:cNvPr id="5" name="CuadroTexto 1">
+            <a:extLst>
+              <a:ext uri="{FF2B5EF4-FFF2-40B4-BE49-F238E27FC236}">
+                <a16:creationId xmlns:a16="http://schemas.microsoft.com/office/drawing/2014/main" id="{9BC1F345-7B0E-553E-9ABB-FF9A05C88E24}"/>
+              </a:ext>
+            </a:extLst>
+          </p:cNvPr>
+          <p:cNvSpPr txBox="1"/>
+          <p:nvPr/>
+        </p:nvSpPr>
+        <p:spPr>
+          <a:xfrm>
+            <a:off x="212650" y="586591"/>
+            <a:ext cx="5741582" cy="3970318"/>
+          </a:xfrm>
+          <a:prstGeom prst="rect">
+            <a:avLst/>
+          </a:prstGeom>
+          <a:noFill/>
+        </p:spPr>
+        <p:txBody>
+          <a:bodyPr wrap="square" rtlCol="0">
+            <a:spAutoFit/>
+          </a:bodyPr>
+          <a:lstStyle>
+            <a:defPPr>
+              <a:defRPr lang="es-MX"/>
+            </a:defPPr>
+            <a:lvl1pPr marL="0" algn="l" defTabSz="914400" rtl="0" eaLnBrk="1" latinLnBrk="0" hangingPunct="1">
+              <a:defRPr sz="1800" kern="1200">
+                <a:solidFill>
+                  <a:schemeClr val="tx1"/>
+                </a:solidFill>
+                <a:latin typeface="+mn-lt"/>
+                <a:ea typeface="+mn-ea"/>
+                <a:cs typeface="+mn-cs"/>
+              </a:defRPr>
+            </a:lvl1pPr>
+            <a:lvl2pPr marL="457200" algn="l" defTabSz="914400" rtl="0" eaLnBrk="1" latinLnBrk="0" hangingPunct="1">
+              <a:defRPr sz="1800" kern="1200">
+                <a:solidFill>
+                  <a:schemeClr val="tx1"/>
+                </a:solidFill>
+                <a:latin typeface="+mn-lt"/>
+                <a:ea typeface="+mn-ea"/>
+                <a:cs typeface="+mn-cs"/>
+              </a:defRPr>
+            </a:lvl2pPr>
+            <a:lvl3pPr marL="914400" algn="l" defTabSz="914400" rtl="0" eaLnBrk="1" latinLnBrk="0" hangingPunct="1">
+              <a:defRPr sz="1800" kern="1200">
+                <a:solidFill>
+                  <a:schemeClr val="tx1"/>
+                </a:solidFill>
+                <a:latin typeface="+mn-lt"/>
+                <a:ea typeface="+mn-ea"/>
+                <a:cs typeface="+mn-cs"/>
+              </a:defRPr>
+            </a:lvl3pPr>
+            <a:lvl4pPr marL="1371600" algn="l" defTabSz="914400" rtl="0" eaLnBrk="1" latinLnBrk="0" hangingPunct="1">
+              <a:defRPr sz="1800" kern="1200">
+                <a:solidFill>
+                  <a:schemeClr val="tx1"/>
+                </a:solidFill>
+                <a:latin typeface="+mn-lt"/>
+                <a:ea typeface="+mn-ea"/>
+                <a:cs typeface="+mn-cs"/>
+              </a:defRPr>
+            </a:lvl4pPr>
+            <a:lvl5pPr marL="1828800" algn="l" defTabSz="914400" rtl="0" eaLnBrk="1" latinLnBrk="0" hangingPunct="1">
+              <a:defRPr sz="1800" kern="1200">
+                <a:solidFill>
+                  <a:schemeClr val="tx1"/>
+                </a:solidFill>
+                <a:latin typeface="+mn-lt"/>
+                <a:ea typeface="+mn-ea"/>
+                <a:cs typeface="+mn-cs"/>
+              </a:defRPr>
+            </a:lvl5pPr>
+            <a:lvl6pPr marL="2286000" algn="l" defTabSz="914400" rtl="0" eaLnBrk="1" latinLnBrk="0" hangingPunct="1">
+              <a:defRPr sz="1800" kern="1200">
+                <a:solidFill>
+                  <a:schemeClr val="tx1"/>
+                </a:solidFill>
+                <a:latin typeface="+mn-lt"/>
+                <a:ea typeface="+mn-ea"/>
+                <a:cs typeface="+mn-cs"/>
+              </a:defRPr>
+            </a:lvl6pPr>
+            <a:lvl7pPr marL="2743200" algn="l" defTabSz="914400" rtl="0" eaLnBrk="1" latinLnBrk="0" hangingPunct="1">
+              <a:defRPr sz="1800" kern="1200">
+                <a:solidFill>
+                  <a:schemeClr val="tx1"/>
+                </a:solidFill>
+                <a:latin typeface="+mn-lt"/>
+                <a:ea typeface="+mn-ea"/>
+                <a:cs typeface="+mn-cs"/>
+              </a:defRPr>
+            </a:lvl7pPr>
+            <a:lvl8pPr marL="3200400" algn="l" defTabSz="914400" rtl="0" eaLnBrk="1" latinLnBrk="0" hangingPunct="1">
+              <a:defRPr sz="1800" kern="1200">
+                <a:solidFill>
+                  <a:schemeClr val="tx1"/>
+                </a:solidFill>
+                <a:latin typeface="+mn-lt"/>
+                <a:ea typeface="+mn-ea"/>
+                <a:cs typeface="+mn-cs"/>
+              </a:defRPr>
+            </a:lvl8pPr>
+            <a:lvl9pPr marL="3657600" algn="l" defTabSz="914400" rtl="0" eaLnBrk="1" latinLnBrk="0" hangingPunct="1">
+              <a:defRPr sz="1800" kern="1200">
+                <a:solidFill>
+                  <a:schemeClr val="tx1"/>
+                </a:solidFill>
+                <a:latin typeface="+mn-lt"/>
+                <a:ea typeface="+mn-ea"/>
+                <a:cs typeface="+mn-cs"/>
+              </a:defRPr>
+            </a:lvl9pPr>
+          </a:lstStyle>
+          <a:p>
+            <a:pPr marL="285750" indent="-285750" algn="just">
+              <a:buFont typeface="Arial" panose="020B0604020202020204" pitchFamily="34" charset="0"/>
+              <a:buChar char="•"/>
+            </a:pPr>
+            <a:r>
+              <a:rPr lang="es-MX" sz="1400" dirty="0">
+                <a:latin typeface="Arial" panose="020B0604020202020204" pitchFamily="34" charset="0"/>
+                <a:cs typeface="Arial" panose="020B0604020202020204" pitchFamily="34" charset="0"/>
+              </a:rPr>
+              <a:t>Principio 2:</a:t>
+            </a:r>
+          </a:p>
+          <a:p>
+            <a:pPr algn="just"/>
+            <a:r>
+              <a:rPr lang="es-MX" sz="1400" dirty="0">
+                <a:latin typeface="Arial" panose="020B0604020202020204" pitchFamily="34" charset="0"/>
+                <a:cs typeface="Arial" panose="020B0604020202020204" pitchFamily="34" charset="0"/>
+              </a:rPr>
+              <a:t>Se planeara en tiempo y forma cada etapa que llevara al trabajar con el servidor, dejando en claro hasta que día se empieza y termina la etapa, cuando se podrá empezar la nueva, que día se puede hacer </a:t>
+            </a:r>
+            <a:r>
+              <a:rPr lang="es-MX" sz="1400" dirty="0" err="1">
+                <a:latin typeface="Arial" panose="020B0604020202020204" pitchFamily="34" charset="0"/>
+                <a:cs typeface="Arial" panose="020B0604020202020204" pitchFamily="34" charset="0"/>
+              </a:rPr>
+              <a:t>testing</a:t>
+            </a:r>
+            <a:r>
+              <a:rPr lang="es-MX" sz="1400" dirty="0">
+                <a:latin typeface="Arial" panose="020B0604020202020204" pitchFamily="34" charset="0"/>
+                <a:cs typeface="Arial" panose="020B0604020202020204" pitchFamily="34" charset="0"/>
+              </a:rPr>
+              <a:t>, etc.</a:t>
+            </a:r>
+          </a:p>
+          <a:p>
+            <a:pPr algn="just"/>
+            <a:endParaRPr lang="es-MX" sz="1400" dirty="0">
+              <a:latin typeface="Arial" panose="020B0604020202020204" pitchFamily="34" charset="0"/>
+              <a:cs typeface="Arial" panose="020B0604020202020204" pitchFamily="34" charset="0"/>
+            </a:endParaRPr>
+          </a:p>
+          <a:p>
+            <a:pPr algn="just"/>
+            <a:r>
+              <a:rPr lang="es-MX" sz="1400" dirty="0">
+                <a:latin typeface="Arial" panose="020B0604020202020204" pitchFamily="34" charset="0"/>
+                <a:cs typeface="Arial" panose="020B0604020202020204" pitchFamily="34" charset="0"/>
+              </a:rPr>
+              <a:t>En una tabla se colocaran los días en que se tendrán que realizar las actividades, es decir, vamos a estar monitoreando el tiempo y día en que se llevara el plazo de una etapa como:</a:t>
+            </a:r>
+          </a:p>
+          <a:p>
+            <a:pPr algn="just"/>
+            <a:endParaRPr lang="es-MX" sz="1400" dirty="0">
+              <a:latin typeface="Arial" panose="020B0604020202020204" pitchFamily="34" charset="0"/>
+              <a:cs typeface="Arial" panose="020B0604020202020204" pitchFamily="34" charset="0"/>
+            </a:endParaRPr>
+          </a:p>
+          <a:p>
+            <a:pPr algn="just"/>
+            <a:r>
+              <a:rPr lang="es-MX" sz="1400" dirty="0">
+                <a:latin typeface="Arial" panose="020B0604020202020204" pitchFamily="34" charset="0"/>
+                <a:cs typeface="Arial" panose="020B0604020202020204" pitchFamily="34" charset="0"/>
+              </a:rPr>
+              <a:t>Etapa 1.</a:t>
+            </a:r>
+          </a:p>
+          <a:p>
+            <a:pPr marL="285750" indent="-285750" algn="just">
+              <a:buFont typeface="Wingdings" panose="05000000000000000000" pitchFamily="2" charset="2"/>
+              <a:buChar char="ü"/>
+            </a:pPr>
+            <a:r>
+              <a:rPr lang="es-MX" sz="1400" dirty="0">
+                <a:latin typeface="Arial" panose="020B0604020202020204" pitchFamily="34" charset="0"/>
+                <a:cs typeface="Arial" panose="020B0604020202020204" pitchFamily="34" charset="0"/>
+              </a:rPr>
+              <a:t>Tiempo requerido de la etapa uno.</a:t>
+            </a:r>
+          </a:p>
+          <a:p>
+            <a:pPr marL="285750" indent="-285750" algn="just">
+              <a:buFont typeface="Wingdings" panose="05000000000000000000" pitchFamily="2" charset="2"/>
+              <a:buChar char="ü"/>
+            </a:pPr>
+            <a:r>
+              <a:rPr lang="es-MX" sz="1400" dirty="0">
+                <a:latin typeface="Arial" panose="020B0604020202020204" pitchFamily="34" charset="0"/>
+                <a:cs typeface="Arial" panose="020B0604020202020204" pitchFamily="34" charset="0"/>
+              </a:rPr>
+              <a:t>Encargado de la etapa.</a:t>
+            </a:r>
+          </a:p>
+          <a:p>
+            <a:pPr marL="285750" indent="-285750" algn="just">
+              <a:buFont typeface="Wingdings" panose="05000000000000000000" pitchFamily="2" charset="2"/>
+              <a:buChar char="ü"/>
+            </a:pPr>
+            <a:r>
+              <a:rPr lang="es-MX" sz="1400" dirty="0">
+                <a:latin typeface="Arial" panose="020B0604020202020204" pitchFamily="34" charset="0"/>
+                <a:cs typeface="Arial" panose="020B0604020202020204" pitchFamily="34" charset="0"/>
+              </a:rPr>
+              <a:t>Iniciación de pruebas.</a:t>
+            </a:r>
+          </a:p>
+          <a:p>
+            <a:pPr marL="285750" indent="-285750" algn="just">
+              <a:buFont typeface="Wingdings" panose="05000000000000000000" pitchFamily="2" charset="2"/>
+              <a:buChar char="ü"/>
+            </a:pPr>
+            <a:r>
+              <a:rPr lang="es-MX" sz="1400" dirty="0">
+                <a:latin typeface="Arial" panose="020B0604020202020204" pitchFamily="34" charset="0"/>
+                <a:cs typeface="Arial" panose="020B0604020202020204" pitchFamily="34" charset="0"/>
+              </a:rPr>
+              <a:t>Finalización de la etapa.</a:t>
+            </a:r>
+          </a:p>
+          <a:p>
+            <a:pPr marL="285750" indent="-285750" algn="just">
+              <a:buFont typeface="Wingdings" panose="05000000000000000000" pitchFamily="2" charset="2"/>
+              <a:buChar char="ü"/>
+            </a:pPr>
+            <a:endParaRPr lang="es-MX" sz="1400" dirty="0">
+              <a:latin typeface="Arial" panose="020B0604020202020204" pitchFamily="34" charset="0"/>
+              <a:cs typeface="Arial" panose="020B0604020202020204" pitchFamily="34" charset="0"/>
+            </a:endParaRPr>
+          </a:p>
+          <a:p>
+            <a:pPr algn="just"/>
+            <a:r>
+              <a:rPr lang="es-MX" sz="1400" dirty="0">
+                <a:latin typeface="Arial" panose="020B0604020202020204" pitchFamily="34" charset="0"/>
+                <a:cs typeface="Arial" panose="020B0604020202020204" pitchFamily="34" charset="0"/>
+              </a:rPr>
+              <a:t>Más que nada para llegar con un tipo de operatividad eficaz entre el proyecto.</a:t>
+            </a:r>
+          </a:p>
+        </p:txBody>
+      </p:sp>
+    </p:spTree>
+    <p:extLst>
+      <p:ext uri="{BB962C8B-B14F-4D97-AF65-F5344CB8AC3E}">
+        <p14:creationId xmlns:p14="http://schemas.microsoft.com/office/powerpoint/2010/main" val="3296156681"/>
+      </p:ext>
+    </p:extLst>
+  </p:cSld>
+  <p:clrMapOvr>
+    <a:masterClrMapping/>
+  </p:clrMapOvr>
+</p:sld>
+</file>
+
+<file path=ppt/slides/slide18.xml><?xml version="1.0" encoding="utf-8"?>
+<p:sld xmlns:a="http://schemas.openxmlformats.org/drawingml/2006/main" xmlns:r="http://schemas.openxmlformats.org/officeDocument/2006/relationships" xmlns:p="http://schemas.openxmlformats.org/presentationml/2006/main">
+  <p:cSld>
+    <p:spTree>
+      <p:nvGrpSpPr>
+        <p:cNvPr id="1" name=""/>
+        <p:cNvGrpSpPr/>
+        <p:nvPr/>
+      </p:nvGrpSpPr>
+      <p:grpSpPr>
+        <a:xfrm>
+          <a:off x="0" y="0"/>
+          <a:ext cx="0" cy="0"/>
+          <a:chOff x="0" y="0"/>
+          <a:chExt cx="0" cy="0"/>
+        </a:xfrm>
+      </p:grpSpPr>
+      <p:sp>
+        <p:nvSpPr>
+          <p:cNvPr id="3" name="Marcador de número de diapositiva 2">
+            <a:extLst>
+              <a:ext uri="{FF2B5EF4-FFF2-40B4-BE49-F238E27FC236}">
+                <a16:creationId xmlns:a16="http://schemas.microsoft.com/office/drawing/2014/main" id="{C6F9764A-971D-3113-B83E-BB96178B541F}"/>
+              </a:ext>
+            </a:extLst>
+          </p:cNvPr>
+          <p:cNvSpPr>
+            <a:spLocks noGrp="1"/>
+          </p:cNvSpPr>
+          <p:nvPr>
+            <p:ph type="sldNum" idx="12"/>
+          </p:nvPr>
+        </p:nvSpPr>
+        <p:spPr/>
+        <p:txBody>
+          <a:bodyPr/>
+          <a:lstStyle/>
+          <a:p>
+            <a:pPr marL="0" lvl="0" indent="0" algn="ctr" rtl="0">
+              <a:spcBef>
+                <a:spcPts val="0"/>
+              </a:spcBef>
+              <a:spcAft>
+                <a:spcPts val="0"/>
+              </a:spcAft>
+              <a:buNone/>
+            </a:pPr>
+            <a:fld id="{00000000-1234-1234-1234-123412341234}" type="slidenum">
+              <a:rPr lang="es-MX" smtClean="0"/>
+              <a:t>18</a:t>
+            </a:fld>
+            <a:endParaRPr lang="es-MX" dirty="0"/>
+          </a:p>
+        </p:txBody>
+      </p:sp>
+      <p:sp>
+        <p:nvSpPr>
+          <p:cNvPr id="4" name="CuadroTexto 1">
+            <a:extLst>
+              <a:ext uri="{FF2B5EF4-FFF2-40B4-BE49-F238E27FC236}">
+                <a16:creationId xmlns:a16="http://schemas.microsoft.com/office/drawing/2014/main" id="{711D7901-D91A-FFCB-AD0D-F842FE6DBC1A}"/>
+              </a:ext>
+            </a:extLst>
+          </p:cNvPr>
+          <p:cNvSpPr txBox="1"/>
+          <p:nvPr/>
+        </p:nvSpPr>
+        <p:spPr>
+          <a:xfrm>
+            <a:off x="244703" y="453849"/>
+            <a:ext cx="5433083" cy="1754326"/>
+          </a:xfrm>
+          <a:prstGeom prst="rect">
+            <a:avLst/>
+          </a:prstGeom>
+          <a:noFill/>
+        </p:spPr>
+        <p:txBody>
+          <a:bodyPr wrap="square" rtlCol="0">
+            <a:spAutoFit/>
+          </a:bodyPr>
+          <a:lstStyle>
+            <a:defPPr>
+              <a:defRPr lang="es-MX"/>
+            </a:defPPr>
+            <a:lvl1pPr marL="0" algn="l" defTabSz="914400" rtl="0" eaLnBrk="1" latinLnBrk="0" hangingPunct="1">
+              <a:defRPr sz="1800" kern="1200">
+                <a:solidFill>
+                  <a:schemeClr val="tx1"/>
+                </a:solidFill>
+                <a:latin typeface="+mn-lt"/>
+                <a:ea typeface="+mn-ea"/>
+                <a:cs typeface="+mn-cs"/>
+              </a:defRPr>
+            </a:lvl1pPr>
+            <a:lvl2pPr marL="457200" algn="l" defTabSz="914400" rtl="0" eaLnBrk="1" latinLnBrk="0" hangingPunct="1">
+              <a:defRPr sz="1800" kern="1200">
+                <a:solidFill>
+                  <a:schemeClr val="tx1"/>
+                </a:solidFill>
+                <a:latin typeface="+mn-lt"/>
+                <a:ea typeface="+mn-ea"/>
+                <a:cs typeface="+mn-cs"/>
+              </a:defRPr>
+            </a:lvl2pPr>
+            <a:lvl3pPr marL="914400" algn="l" defTabSz="914400" rtl="0" eaLnBrk="1" latinLnBrk="0" hangingPunct="1">
+              <a:defRPr sz="1800" kern="1200">
+                <a:solidFill>
+                  <a:schemeClr val="tx1"/>
+                </a:solidFill>
+                <a:latin typeface="+mn-lt"/>
+                <a:ea typeface="+mn-ea"/>
+                <a:cs typeface="+mn-cs"/>
+              </a:defRPr>
+            </a:lvl3pPr>
+            <a:lvl4pPr marL="1371600" algn="l" defTabSz="914400" rtl="0" eaLnBrk="1" latinLnBrk="0" hangingPunct="1">
+              <a:defRPr sz="1800" kern="1200">
+                <a:solidFill>
+                  <a:schemeClr val="tx1"/>
+                </a:solidFill>
+                <a:latin typeface="+mn-lt"/>
+                <a:ea typeface="+mn-ea"/>
+                <a:cs typeface="+mn-cs"/>
+              </a:defRPr>
+            </a:lvl4pPr>
+            <a:lvl5pPr marL="1828800" algn="l" defTabSz="914400" rtl="0" eaLnBrk="1" latinLnBrk="0" hangingPunct="1">
+              <a:defRPr sz="1800" kern="1200">
+                <a:solidFill>
+                  <a:schemeClr val="tx1"/>
+                </a:solidFill>
+                <a:latin typeface="+mn-lt"/>
+                <a:ea typeface="+mn-ea"/>
+                <a:cs typeface="+mn-cs"/>
+              </a:defRPr>
+            </a:lvl5pPr>
+            <a:lvl6pPr marL="2286000" algn="l" defTabSz="914400" rtl="0" eaLnBrk="1" latinLnBrk="0" hangingPunct="1">
+              <a:defRPr sz="1800" kern="1200">
+                <a:solidFill>
+                  <a:schemeClr val="tx1"/>
+                </a:solidFill>
+                <a:latin typeface="+mn-lt"/>
+                <a:ea typeface="+mn-ea"/>
+                <a:cs typeface="+mn-cs"/>
+              </a:defRPr>
+            </a:lvl6pPr>
+            <a:lvl7pPr marL="2743200" algn="l" defTabSz="914400" rtl="0" eaLnBrk="1" latinLnBrk="0" hangingPunct="1">
+              <a:defRPr sz="1800" kern="1200">
+                <a:solidFill>
+                  <a:schemeClr val="tx1"/>
+                </a:solidFill>
+                <a:latin typeface="+mn-lt"/>
+                <a:ea typeface="+mn-ea"/>
+                <a:cs typeface="+mn-cs"/>
+              </a:defRPr>
+            </a:lvl7pPr>
+            <a:lvl8pPr marL="3200400" algn="l" defTabSz="914400" rtl="0" eaLnBrk="1" latinLnBrk="0" hangingPunct="1">
+              <a:defRPr sz="1800" kern="1200">
+                <a:solidFill>
+                  <a:schemeClr val="tx1"/>
+                </a:solidFill>
+                <a:latin typeface="+mn-lt"/>
+                <a:ea typeface="+mn-ea"/>
+                <a:cs typeface="+mn-cs"/>
+              </a:defRPr>
+            </a:lvl8pPr>
+            <a:lvl9pPr marL="3657600" algn="l" defTabSz="914400" rtl="0" eaLnBrk="1" latinLnBrk="0" hangingPunct="1">
+              <a:defRPr sz="1800" kern="1200">
+                <a:solidFill>
+                  <a:schemeClr val="tx1"/>
+                </a:solidFill>
+                <a:latin typeface="+mn-lt"/>
+                <a:ea typeface="+mn-ea"/>
+                <a:cs typeface="+mn-cs"/>
+              </a:defRPr>
+            </a:lvl9pPr>
+          </a:lstStyle>
+          <a:p>
+            <a:pPr marL="285750" indent="-285750" algn="just">
+              <a:buFont typeface="Arial" panose="020B0604020202020204" pitchFamily="34" charset="0"/>
+              <a:buChar char="•"/>
+            </a:pPr>
+            <a:r>
+              <a:rPr lang="es-MX" sz="1200" dirty="0">
+                <a:latin typeface="Arial" panose="020B0604020202020204" pitchFamily="34" charset="0"/>
+                <a:cs typeface="Arial" panose="020B0604020202020204" pitchFamily="34" charset="0"/>
+              </a:rPr>
+              <a:t>Principio 3:</a:t>
+            </a:r>
+          </a:p>
+          <a:p>
+            <a:pPr algn="just"/>
+            <a:r>
+              <a:rPr lang="es-MX" sz="1200" dirty="0">
+                <a:latin typeface="Arial" panose="020B0604020202020204" pitchFamily="34" charset="0"/>
+                <a:cs typeface="Arial" panose="020B0604020202020204" pitchFamily="34" charset="0"/>
+              </a:rPr>
+              <a:t>Para el ITR estos sistemas tienen que haber pasado un análisis previo, esto con el fin de establecer que en realidad se necesiten, esto con el propósito de no gastar recursos innecesario.</a:t>
+            </a:r>
+          </a:p>
+          <a:p>
+            <a:pPr algn="just"/>
+            <a:endParaRPr lang="es-MX" sz="1200" dirty="0">
+              <a:latin typeface="Arial" panose="020B0604020202020204" pitchFamily="34" charset="0"/>
+              <a:cs typeface="Arial" panose="020B0604020202020204" pitchFamily="34" charset="0"/>
+            </a:endParaRPr>
+          </a:p>
+          <a:p>
+            <a:pPr algn="just"/>
+            <a:r>
+              <a:rPr lang="es-MX" sz="1200" dirty="0">
+                <a:latin typeface="Arial" panose="020B0604020202020204" pitchFamily="34" charset="0"/>
+                <a:cs typeface="Arial" panose="020B0604020202020204" pitchFamily="34" charset="0"/>
+              </a:rPr>
+              <a:t>Retomando el ejemplo del servidor, si bien podríamos hacer uso de una actualización completa del sistema, esta supondría un gasto innecesario, ya que podríamos cambiar la versión del sistema operativo actual o cambiar una parte mal funcional del rack y los resultados serian bastante similares.</a:t>
+            </a:r>
+          </a:p>
+        </p:txBody>
+      </p:sp>
+      <p:sp>
+        <p:nvSpPr>
+          <p:cNvPr id="5" name="CuadroTexto 2">
+            <a:extLst>
+              <a:ext uri="{FF2B5EF4-FFF2-40B4-BE49-F238E27FC236}">
+                <a16:creationId xmlns:a16="http://schemas.microsoft.com/office/drawing/2014/main" id="{257983B7-8541-E184-652F-84B3694B1277}"/>
+              </a:ext>
+            </a:extLst>
+          </p:cNvPr>
+          <p:cNvSpPr txBox="1"/>
+          <p:nvPr/>
+        </p:nvSpPr>
+        <p:spPr>
+          <a:xfrm>
+            <a:off x="244703" y="2750659"/>
+            <a:ext cx="5433083" cy="1938992"/>
+          </a:xfrm>
+          <a:prstGeom prst="rect">
+            <a:avLst/>
+          </a:prstGeom>
+          <a:noFill/>
+        </p:spPr>
+        <p:txBody>
+          <a:bodyPr wrap="square" rtlCol="0">
+            <a:spAutoFit/>
+          </a:bodyPr>
+          <a:lstStyle>
+            <a:defPPr>
+              <a:defRPr lang="es-MX"/>
+            </a:defPPr>
+            <a:lvl1pPr marL="0" algn="l" defTabSz="914400" rtl="0" eaLnBrk="1" latinLnBrk="0" hangingPunct="1">
+              <a:defRPr sz="1800" kern="1200">
+                <a:solidFill>
+                  <a:schemeClr val="tx1"/>
+                </a:solidFill>
+                <a:latin typeface="+mn-lt"/>
+                <a:ea typeface="+mn-ea"/>
+                <a:cs typeface="+mn-cs"/>
+              </a:defRPr>
+            </a:lvl1pPr>
+            <a:lvl2pPr marL="457200" algn="l" defTabSz="914400" rtl="0" eaLnBrk="1" latinLnBrk="0" hangingPunct="1">
+              <a:defRPr sz="1800" kern="1200">
+                <a:solidFill>
+                  <a:schemeClr val="tx1"/>
+                </a:solidFill>
+                <a:latin typeface="+mn-lt"/>
+                <a:ea typeface="+mn-ea"/>
+                <a:cs typeface="+mn-cs"/>
+              </a:defRPr>
+            </a:lvl2pPr>
+            <a:lvl3pPr marL="914400" algn="l" defTabSz="914400" rtl="0" eaLnBrk="1" latinLnBrk="0" hangingPunct="1">
+              <a:defRPr sz="1800" kern="1200">
+                <a:solidFill>
+                  <a:schemeClr val="tx1"/>
+                </a:solidFill>
+                <a:latin typeface="+mn-lt"/>
+                <a:ea typeface="+mn-ea"/>
+                <a:cs typeface="+mn-cs"/>
+              </a:defRPr>
+            </a:lvl3pPr>
+            <a:lvl4pPr marL="1371600" algn="l" defTabSz="914400" rtl="0" eaLnBrk="1" latinLnBrk="0" hangingPunct="1">
+              <a:defRPr sz="1800" kern="1200">
+                <a:solidFill>
+                  <a:schemeClr val="tx1"/>
+                </a:solidFill>
+                <a:latin typeface="+mn-lt"/>
+                <a:ea typeface="+mn-ea"/>
+                <a:cs typeface="+mn-cs"/>
+              </a:defRPr>
+            </a:lvl4pPr>
+            <a:lvl5pPr marL="1828800" algn="l" defTabSz="914400" rtl="0" eaLnBrk="1" latinLnBrk="0" hangingPunct="1">
+              <a:defRPr sz="1800" kern="1200">
+                <a:solidFill>
+                  <a:schemeClr val="tx1"/>
+                </a:solidFill>
+                <a:latin typeface="+mn-lt"/>
+                <a:ea typeface="+mn-ea"/>
+                <a:cs typeface="+mn-cs"/>
+              </a:defRPr>
+            </a:lvl5pPr>
+            <a:lvl6pPr marL="2286000" algn="l" defTabSz="914400" rtl="0" eaLnBrk="1" latinLnBrk="0" hangingPunct="1">
+              <a:defRPr sz="1800" kern="1200">
+                <a:solidFill>
+                  <a:schemeClr val="tx1"/>
+                </a:solidFill>
+                <a:latin typeface="+mn-lt"/>
+                <a:ea typeface="+mn-ea"/>
+                <a:cs typeface="+mn-cs"/>
+              </a:defRPr>
+            </a:lvl6pPr>
+            <a:lvl7pPr marL="2743200" algn="l" defTabSz="914400" rtl="0" eaLnBrk="1" latinLnBrk="0" hangingPunct="1">
+              <a:defRPr sz="1800" kern="1200">
+                <a:solidFill>
+                  <a:schemeClr val="tx1"/>
+                </a:solidFill>
+                <a:latin typeface="+mn-lt"/>
+                <a:ea typeface="+mn-ea"/>
+                <a:cs typeface="+mn-cs"/>
+              </a:defRPr>
+            </a:lvl7pPr>
+            <a:lvl8pPr marL="3200400" algn="l" defTabSz="914400" rtl="0" eaLnBrk="1" latinLnBrk="0" hangingPunct="1">
+              <a:defRPr sz="1800" kern="1200">
+                <a:solidFill>
+                  <a:schemeClr val="tx1"/>
+                </a:solidFill>
+                <a:latin typeface="+mn-lt"/>
+                <a:ea typeface="+mn-ea"/>
+                <a:cs typeface="+mn-cs"/>
+              </a:defRPr>
+            </a:lvl8pPr>
+            <a:lvl9pPr marL="3657600" algn="l" defTabSz="914400" rtl="0" eaLnBrk="1" latinLnBrk="0" hangingPunct="1">
+              <a:defRPr sz="1800" kern="1200">
+                <a:solidFill>
+                  <a:schemeClr val="tx1"/>
+                </a:solidFill>
+                <a:latin typeface="+mn-lt"/>
+                <a:ea typeface="+mn-ea"/>
+                <a:cs typeface="+mn-cs"/>
+              </a:defRPr>
+            </a:lvl9pPr>
+          </a:lstStyle>
+          <a:p>
+            <a:pPr marL="285750" indent="-285750" algn="just">
+              <a:buFont typeface="Arial" panose="020B0604020202020204" pitchFamily="34" charset="0"/>
+              <a:buChar char="•"/>
+            </a:pPr>
+            <a:r>
+              <a:rPr lang="es-MX" sz="1200" dirty="0">
+                <a:latin typeface="Arial" panose="020B0604020202020204" pitchFamily="34" charset="0"/>
+                <a:cs typeface="Arial" panose="020B0604020202020204" pitchFamily="34" charset="0"/>
+              </a:rPr>
+              <a:t>Principio 4:</a:t>
+            </a:r>
+          </a:p>
+          <a:p>
+            <a:pPr algn="just"/>
+            <a:r>
+              <a:rPr lang="es-MX" sz="1200" dirty="0">
+                <a:latin typeface="Arial" panose="020B0604020202020204" pitchFamily="34" charset="0"/>
+                <a:cs typeface="Arial" panose="020B0604020202020204" pitchFamily="34" charset="0"/>
+              </a:rPr>
+              <a:t>Para el principio 4 el o los trabajos que se realizarían en el ITR tienen que contar con un mejor rendimiento del o los sistemas que en los que se hayan trabajado, del mismo modo revisar que este cubra las necesidades para las cuales se solicito el trabajo</a:t>
+            </a:r>
+          </a:p>
+          <a:p>
+            <a:pPr algn="just"/>
+            <a:endParaRPr lang="es-MX" sz="1200" dirty="0">
+              <a:latin typeface="Arial" panose="020B0604020202020204" pitchFamily="34" charset="0"/>
+              <a:cs typeface="Arial" panose="020B0604020202020204" pitchFamily="34" charset="0"/>
+            </a:endParaRPr>
+          </a:p>
+          <a:p>
+            <a:pPr algn="just"/>
+            <a:r>
+              <a:rPr lang="es-MX" sz="1200" dirty="0">
+                <a:latin typeface="Arial" panose="020B0604020202020204" pitchFamily="34" charset="0"/>
+                <a:cs typeface="Arial" panose="020B0604020202020204" pitchFamily="34" charset="0"/>
+              </a:rPr>
+              <a:t>En cuanto a los servidores, y dependiendo la problemática, tenemos que ver una mejora de ellos, si el servidor se sobrecalienta, encontrar la forma de enfriarlo, si este se cae constantemente, averiguar la falla de desconexión, si no existe comunicación, reestablecerla, etc.</a:t>
+            </a:r>
+          </a:p>
+        </p:txBody>
+      </p:sp>
+    </p:spTree>
+    <p:extLst>
+      <p:ext uri="{BB962C8B-B14F-4D97-AF65-F5344CB8AC3E}">
+        <p14:creationId xmlns:p14="http://schemas.microsoft.com/office/powerpoint/2010/main" val="749082814"/>
+      </p:ext>
+    </p:extLst>
+  </p:cSld>
+  <p:clrMapOvr>
+    <a:masterClrMapping/>
+  </p:clrMapOvr>
+</p:sld>
+</file>
+
+<file path=ppt/slides/slide19.xml><?xml version="1.0" encoding="utf-8"?>
+<p:sld xmlns:a="http://schemas.openxmlformats.org/drawingml/2006/main" xmlns:r="http://schemas.openxmlformats.org/officeDocument/2006/relationships" xmlns:p="http://schemas.openxmlformats.org/presentationml/2006/main">
+  <p:cSld>
+    <p:spTree>
+      <p:nvGrpSpPr>
+        <p:cNvPr id="1" name=""/>
+        <p:cNvGrpSpPr/>
+        <p:nvPr/>
+      </p:nvGrpSpPr>
+      <p:grpSpPr>
+        <a:xfrm>
+          <a:off x="0" y="0"/>
+          <a:ext cx="0" cy="0"/>
+          <a:chOff x="0" y="0"/>
+          <a:chExt cx="0" cy="0"/>
+        </a:xfrm>
+      </p:grpSpPr>
+      <p:sp>
+        <p:nvSpPr>
+          <p:cNvPr id="6" name="Marcador de número de diapositiva 5">
+            <a:extLst>
+              <a:ext uri="{FF2B5EF4-FFF2-40B4-BE49-F238E27FC236}">
+                <a16:creationId xmlns:a16="http://schemas.microsoft.com/office/drawing/2014/main" id="{9AF45870-AE1C-5CC0-709F-0E7DEBB773DC}"/>
+              </a:ext>
+            </a:extLst>
+          </p:cNvPr>
+          <p:cNvSpPr>
+            <a:spLocks noGrp="1"/>
+          </p:cNvSpPr>
+          <p:nvPr>
+            <p:ph type="sldNum" idx="12"/>
+          </p:nvPr>
+        </p:nvSpPr>
+        <p:spPr/>
+        <p:txBody>
+          <a:bodyPr/>
+          <a:lstStyle/>
+          <a:p>
+            <a:pPr marL="0" lvl="0" indent="0" algn="ctr" rtl="0">
+              <a:spcBef>
+                <a:spcPts val="0"/>
+              </a:spcBef>
+              <a:spcAft>
+                <a:spcPts val="0"/>
+              </a:spcAft>
+              <a:buNone/>
+            </a:pPr>
+            <a:fld id="{00000000-1234-1234-1234-123412341234}" type="slidenum">
+              <a:rPr lang="es-MX" smtClean="0"/>
+              <a:t>19</a:t>
+            </a:fld>
+            <a:endParaRPr lang="es-MX" dirty="0"/>
+          </a:p>
+        </p:txBody>
+      </p:sp>
+      <p:sp>
+        <p:nvSpPr>
+          <p:cNvPr id="7" name="CuadroTexto 1">
+            <a:extLst>
+              <a:ext uri="{FF2B5EF4-FFF2-40B4-BE49-F238E27FC236}">
+                <a16:creationId xmlns:a16="http://schemas.microsoft.com/office/drawing/2014/main" id="{6BD3502A-82C5-48BA-985A-38EEE73ED3EF}"/>
+              </a:ext>
+            </a:extLst>
+          </p:cNvPr>
+          <p:cNvSpPr txBox="1"/>
+          <p:nvPr/>
+        </p:nvSpPr>
+        <p:spPr>
+          <a:xfrm>
+            <a:off x="148857" y="275983"/>
+            <a:ext cx="5762846" cy="1938992"/>
+          </a:xfrm>
+          <a:prstGeom prst="rect">
+            <a:avLst/>
+          </a:prstGeom>
+          <a:noFill/>
+        </p:spPr>
+        <p:txBody>
+          <a:bodyPr wrap="square" rtlCol="0">
+            <a:spAutoFit/>
+          </a:bodyPr>
+          <a:lstStyle>
+            <a:defPPr>
+              <a:defRPr lang="es-MX"/>
+            </a:defPPr>
+            <a:lvl1pPr marL="0" algn="l" defTabSz="914400" rtl="0" eaLnBrk="1" latinLnBrk="0" hangingPunct="1">
+              <a:defRPr sz="1800" kern="1200">
+                <a:solidFill>
+                  <a:schemeClr val="tx1"/>
+                </a:solidFill>
+                <a:latin typeface="+mn-lt"/>
+                <a:ea typeface="+mn-ea"/>
+                <a:cs typeface="+mn-cs"/>
+              </a:defRPr>
+            </a:lvl1pPr>
+            <a:lvl2pPr marL="457200" algn="l" defTabSz="914400" rtl="0" eaLnBrk="1" latinLnBrk="0" hangingPunct="1">
+              <a:defRPr sz="1800" kern="1200">
+                <a:solidFill>
+                  <a:schemeClr val="tx1"/>
+                </a:solidFill>
+                <a:latin typeface="+mn-lt"/>
+                <a:ea typeface="+mn-ea"/>
+                <a:cs typeface="+mn-cs"/>
+              </a:defRPr>
+            </a:lvl2pPr>
+            <a:lvl3pPr marL="914400" algn="l" defTabSz="914400" rtl="0" eaLnBrk="1" latinLnBrk="0" hangingPunct="1">
+              <a:defRPr sz="1800" kern="1200">
+                <a:solidFill>
+                  <a:schemeClr val="tx1"/>
+                </a:solidFill>
+                <a:latin typeface="+mn-lt"/>
+                <a:ea typeface="+mn-ea"/>
+                <a:cs typeface="+mn-cs"/>
+              </a:defRPr>
+            </a:lvl3pPr>
+            <a:lvl4pPr marL="1371600" algn="l" defTabSz="914400" rtl="0" eaLnBrk="1" latinLnBrk="0" hangingPunct="1">
+              <a:defRPr sz="1800" kern="1200">
+                <a:solidFill>
+                  <a:schemeClr val="tx1"/>
+                </a:solidFill>
+                <a:latin typeface="+mn-lt"/>
+                <a:ea typeface="+mn-ea"/>
+                <a:cs typeface="+mn-cs"/>
+              </a:defRPr>
+            </a:lvl4pPr>
+            <a:lvl5pPr marL="1828800" algn="l" defTabSz="914400" rtl="0" eaLnBrk="1" latinLnBrk="0" hangingPunct="1">
+              <a:defRPr sz="1800" kern="1200">
+                <a:solidFill>
+                  <a:schemeClr val="tx1"/>
+                </a:solidFill>
+                <a:latin typeface="+mn-lt"/>
+                <a:ea typeface="+mn-ea"/>
+                <a:cs typeface="+mn-cs"/>
+              </a:defRPr>
+            </a:lvl5pPr>
+            <a:lvl6pPr marL="2286000" algn="l" defTabSz="914400" rtl="0" eaLnBrk="1" latinLnBrk="0" hangingPunct="1">
+              <a:defRPr sz="1800" kern="1200">
+                <a:solidFill>
+                  <a:schemeClr val="tx1"/>
+                </a:solidFill>
+                <a:latin typeface="+mn-lt"/>
+                <a:ea typeface="+mn-ea"/>
+                <a:cs typeface="+mn-cs"/>
+              </a:defRPr>
+            </a:lvl6pPr>
+            <a:lvl7pPr marL="2743200" algn="l" defTabSz="914400" rtl="0" eaLnBrk="1" latinLnBrk="0" hangingPunct="1">
+              <a:defRPr sz="1800" kern="1200">
+                <a:solidFill>
+                  <a:schemeClr val="tx1"/>
+                </a:solidFill>
+                <a:latin typeface="+mn-lt"/>
+                <a:ea typeface="+mn-ea"/>
+                <a:cs typeface="+mn-cs"/>
+              </a:defRPr>
+            </a:lvl7pPr>
+            <a:lvl8pPr marL="3200400" algn="l" defTabSz="914400" rtl="0" eaLnBrk="1" latinLnBrk="0" hangingPunct="1">
+              <a:defRPr sz="1800" kern="1200">
+                <a:solidFill>
+                  <a:schemeClr val="tx1"/>
+                </a:solidFill>
+                <a:latin typeface="+mn-lt"/>
+                <a:ea typeface="+mn-ea"/>
+                <a:cs typeface="+mn-cs"/>
+              </a:defRPr>
+            </a:lvl8pPr>
+            <a:lvl9pPr marL="3657600" algn="l" defTabSz="914400" rtl="0" eaLnBrk="1" latinLnBrk="0" hangingPunct="1">
+              <a:defRPr sz="1800" kern="1200">
+                <a:solidFill>
+                  <a:schemeClr val="tx1"/>
+                </a:solidFill>
+                <a:latin typeface="+mn-lt"/>
+                <a:ea typeface="+mn-ea"/>
+                <a:cs typeface="+mn-cs"/>
+              </a:defRPr>
+            </a:lvl9pPr>
+          </a:lstStyle>
+          <a:p>
+            <a:pPr marL="285750" indent="-285750" algn="just">
+              <a:buFont typeface="Arial" panose="020B0604020202020204" pitchFamily="34" charset="0"/>
+              <a:buChar char="•"/>
+            </a:pPr>
+            <a:r>
+              <a:rPr lang="es-MX" sz="1200" dirty="0">
+                <a:latin typeface="Arial" panose="020B0604020202020204" pitchFamily="34" charset="0"/>
+                <a:cs typeface="Arial" panose="020B0604020202020204" pitchFamily="34" charset="0"/>
+              </a:rPr>
+              <a:t>Principio 5:</a:t>
+            </a:r>
+          </a:p>
+          <a:p>
+            <a:pPr algn="just"/>
+            <a:r>
+              <a:rPr lang="es-MX" sz="1200" dirty="0">
+                <a:latin typeface="Arial" panose="020B0604020202020204" pitchFamily="34" charset="0"/>
+                <a:cs typeface="Arial" panose="020B0604020202020204" pitchFamily="34" charset="0"/>
+              </a:rPr>
+              <a:t>Es en el principio 5 donde tenemos que ser bastante claros con los servicios que se brindarían y asegurarnos de que estos se cumplan de forma correcta y concreta, esto para que no existan mas problemas en el ITR en un futuro</a:t>
+            </a:r>
+          </a:p>
+          <a:p>
+            <a:pPr algn="just"/>
+            <a:endParaRPr lang="es-MX" sz="1200" dirty="0">
+              <a:latin typeface="Arial" panose="020B0604020202020204" pitchFamily="34" charset="0"/>
+              <a:cs typeface="Arial" panose="020B0604020202020204" pitchFamily="34" charset="0"/>
+            </a:endParaRPr>
+          </a:p>
+          <a:p>
+            <a:pPr algn="just"/>
+            <a:r>
+              <a:rPr lang="es-MX" sz="1200" dirty="0">
+                <a:latin typeface="Arial" panose="020B0604020202020204" pitchFamily="34" charset="0"/>
+                <a:cs typeface="Arial" panose="020B0604020202020204" pitchFamily="34" charset="0"/>
+              </a:rPr>
+              <a:t>De vuelta con el ejemplo, este consistiría en cumplir con los acuerdos establecidos a la hora de trabajar con los servidores, si se solicito una actualización del sistema, hacer eso nada más, a pesar de que existan otros aspectos que podamos mejorar, amenos que estos sean comunicados y también solicitados</a:t>
+            </a:r>
+          </a:p>
+        </p:txBody>
+      </p:sp>
+      <p:sp>
+        <p:nvSpPr>
+          <p:cNvPr id="8" name="CuadroTexto 2">
+            <a:extLst>
+              <a:ext uri="{FF2B5EF4-FFF2-40B4-BE49-F238E27FC236}">
+                <a16:creationId xmlns:a16="http://schemas.microsoft.com/office/drawing/2014/main" id="{69E17B7B-8EFB-4356-68DE-92C256AF43E4}"/>
+              </a:ext>
+            </a:extLst>
+          </p:cNvPr>
+          <p:cNvSpPr txBox="1"/>
+          <p:nvPr/>
+        </p:nvSpPr>
+        <p:spPr>
+          <a:xfrm>
+            <a:off x="148857" y="2743859"/>
+            <a:ext cx="5762846" cy="2123658"/>
+          </a:xfrm>
+          <a:prstGeom prst="rect">
+            <a:avLst/>
+          </a:prstGeom>
+          <a:noFill/>
+        </p:spPr>
+        <p:txBody>
+          <a:bodyPr wrap="square" rtlCol="0">
+            <a:spAutoFit/>
+          </a:bodyPr>
+          <a:lstStyle>
+            <a:defPPr>
+              <a:defRPr lang="es-MX"/>
+            </a:defPPr>
+            <a:lvl1pPr marL="0" algn="l" defTabSz="914400" rtl="0" eaLnBrk="1" latinLnBrk="0" hangingPunct="1">
+              <a:defRPr sz="1800" kern="1200">
+                <a:solidFill>
+                  <a:schemeClr val="tx1"/>
+                </a:solidFill>
+                <a:latin typeface="+mn-lt"/>
+                <a:ea typeface="+mn-ea"/>
+                <a:cs typeface="+mn-cs"/>
+              </a:defRPr>
+            </a:lvl1pPr>
+            <a:lvl2pPr marL="457200" algn="l" defTabSz="914400" rtl="0" eaLnBrk="1" latinLnBrk="0" hangingPunct="1">
+              <a:defRPr sz="1800" kern="1200">
+                <a:solidFill>
+                  <a:schemeClr val="tx1"/>
+                </a:solidFill>
+                <a:latin typeface="+mn-lt"/>
+                <a:ea typeface="+mn-ea"/>
+                <a:cs typeface="+mn-cs"/>
+              </a:defRPr>
+            </a:lvl2pPr>
+            <a:lvl3pPr marL="914400" algn="l" defTabSz="914400" rtl="0" eaLnBrk="1" latinLnBrk="0" hangingPunct="1">
+              <a:defRPr sz="1800" kern="1200">
+                <a:solidFill>
+                  <a:schemeClr val="tx1"/>
+                </a:solidFill>
+                <a:latin typeface="+mn-lt"/>
+                <a:ea typeface="+mn-ea"/>
+                <a:cs typeface="+mn-cs"/>
+              </a:defRPr>
+            </a:lvl3pPr>
+            <a:lvl4pPr marL="1371600" algn="l" defTabSz="914400" rtl="0" eaLnBrk="1" latinLnBrk="0" hangingPunct="1">
+              <a:defRPr sz="1800" kern="1200">
+                <a:solidFill>
+                  <a:schemeClr val="tx1"/>
+                </a:solidFill>
+                <a:latin typeface="+mn-lt"/>
+                <a:ea typeface="+mn-ea"/>
+                <a:cs typeface="+mn-cs"/>
+              </a:defRPr>
+            </a:lvl4pPr>
+            <a:lvl5pPr marL="1828800" algn="l" defTabSz="914400" rtl="0" eaLnBrk="1" latinLnBrk="0" hangingPunct="1">
+              <a:defRPr sz="1800" kern="1200">
+                <a:solidFill>
+                  <a:schemeClr val="tx1"/>
+                </a:solidFill>
+                <a:latin typeface="+mn-lt"/>
+                <a:ea typeface="+mn-ea"/>
+                <a:cs typeface="+mn-cs"/>
+              </a:defRPr>
+            </a:lvl5pPr>
+            <a:lvl6pPr marL="2286000" algn="l" defTabSz="914400" rtl="0" eaLnBrk="1" latinLnBrk="0" hangingPunct="1">
+              <a:defRPr sz="1800" kern="1200">
+                <a:solidFill>
+                  <a:schemeClr val="tx1"/>
+                </a:solidFill>
+                <a:latin typeface="+mn-lt"/>
+                <a:ea typeface="+mn-ea"/>
+                <a:cs typeface="+mn-cs"/>
+              </a:defRPr>
+            </a:lvl6pPr>
+            <a:lvl7pPr marL="2743200" algn="l" defTabSz="914400" rtl="0" eaLnBrk="1" latinLnBrk="0" hangingPunct="1">
+              <a:defRPr sz="1800" kern="1200">
+                <a:solidFill>
+                  <a:schemeClr val="tx1"/>
+                </a:solidFill>
+                <a:latin typeface="+mn-lt"/>
+                <a:ea typeface="+mn-ea"/>
+                <a:cs typeface="+mn-cs"/>
+              </a:defRPr>
+            </a:lvl7pPr>
+            <a:lvl8pPr marL="3200400" algn="l" defTabSz="914400" rtl="0" eaLnBrk="1" latinLnBrk="0" hangingPunct="1">
+              <a:defRPr sz="1800" kern="1200">
+                <a:solidFill>
+                  <a:schemeClr val="tx1"/>
+                </a:solidFill>
+                <a:latin typeface="+mn-lt"/>
+                <a:ea typeface="+mn-ea"/>
+                <a:cs typeface="+mn-cs"/>
+              </a:defRPr>
+            </a:lvl8pPr>
+            <a:lvl9pPr marL="3657600" algn="l" defTabSz="914400" rtl="0" eaLnBrk="1" latinLnBrk="0" hangingPunct="1">
+              <a:defRPr sz="1800" kern="1200">
+                <a:solidFill>
+                  <a:schemeClr val="tx1"/>
+                </a:solidFill>
+                <a:latin typeface="+mn-lt"/>
+                <a:ea typeface="+mn-ea"/>
+                <a:cs typeface="+mn-cs"/>
+              </a:defRPr>
+            </a:lvl9pPr>
+          </a:lstStyle>
+          <a:p>
+            <a:pPr marL="285750" indent="-285750" algn="just">
+              <a:buFont typeface="Arial" panose="020B0604020202020204" pitchFamily="34" charset="0"/>
+              <a:buChar char="•"/>
+            </a:pPr>
+            <a:r>
+              <a:rPr lang="es-MX" sz="1200" dirty="0">
+                <a:latin typeface="Arial" panose="020B0604020202020204" pitchFamily="34" charset="0"/>
+                <a:cs typeface="Arial" panose="020B0604020202020204" pitchFamily="34" charset="0"/>
+              </a:rPr>
+              <a:t>Principio 6:</a:t>
+            </a:r>
+          </a:p>
+          <a:p>
+            <a:pPr algn="just"/>
+            <a:r>
+              <a:rPr lang="es-MX" sz="1200" dirty="0">
+                <a:latin typeface="Arial" panose="020B0604020202020204" pitchFamily="34" charset="0"/>
+                <a:cs typeface="Arial" panose="020B0604020202020204" pitchFamily="34" charset="0"/>
+              </a:rPr>
+              <a:t>En este ultimo principio realizaremos un pequeño </a:t>
+            </a:r>
+            <a:r>
+              <a:rPr lang="es-MX" sz="1200" dirty="0" err="1">
+                <a:latin typeface="Arial" panose="020B0604020202020204" pitchFamily="34" charset="0"/>
+                <a:cs typeface="Arial" panose="020B0604020202020204" pitchFamily="34" charset="0"/>
+              </a:rPr>
+              <a:t>feedback</a:t>
+            </a:r>
+            <a:r>
+              <a:rPr lang="es-MX" sz="1200" dirty="0">
+                <a:latin typeface="Arial" panose="020B0604020202020204" pitchFamily="34" charset="0"/>
+                <a:cs typeface="Arial" panose="020B0604020202020204" pitchFamily="34" charset="0"/>
+              </a:rPr>
+              <a:t> donde nos aseguraremos que todos los puntos establecidos para este proyecto sean conformes para la empresa ajena, ya que se tiene que revisar si hay algún punto en que no se respeto las normas dadas y si hay uno, tratar de volver a reescribirlo para mejor comodidad.</a:t>
+            </a:r>
+          </a:p>
+          <a:p>
+            <a:pPr algn="just"/>
+            <a:endParaRPr lang="es-MX" sz="1200" dirty="0">
+              <a:latin typeface="Arial" panose="020B0604020202020204" pitchFamily="34" charset="0"/>
+              <a:cs typeface="Arial" panose="020B0604020202020204" pitchFamily="34" charset="0"/>
+            </a:endParaRPr>
+          </a:p>
+          <a:p>
+            <a:pPr algn="just"/>
+            <a:r>
+              <a:rPr lang="es-MX" sz="1200" dirty="0">
+                <a:latin typeface="Arial" panose="020B0604020202020204" pitchFamily="34" charset="0"/>
+                <a:cs typeface="Arial" panose="020B0604020202020204" pitchFamily="34" charset="0"/>
+              </a:rPr>
+              <a:t>Ejemplo, estaremos checando con detalle nuestros puntos, normas y leyes para evitar malentendidos, los artículos son importantes para ambas empresas ya que deja en claro la utilización que haremos con la información dada y los datos de dichos usuarios.</a:t>
+            </a:r>
+          </a:p>
+        </p:txBody>
+      </p:sp>
+    </p:spTree>
+    <p:extLst>
+      <p:ext uri="{BB962C8B-B14F-4D97-AF65-F5344CB8AC3E}">
+        <p14:creationId xmlns:p14="http://schemas.microsoft.com/office/powerpoint/2010/main" val="1662341956"/>
+      </p:ext>
+    </p:extLst>
+  </p:cSld>
+  <p:clrMapOvr>
+    <a:masterClrMapping/>
+  </p:clrMapOvr>
+</p:sld>
+</file>
+
 <file path=ppt/slides/slide2.xml><?xml version="1.0" encoding="utf-8"?>
 <p:sld xmlns:a="http://schemas.openxmlformats.org/drawingml/2006/main" xmlns:r="http://schemas.openxmlformats.org/officeDocument/2006/relationships" xmlns:p="http://schemas.openxmlformats.org/presentationml/2006/main">
   <p:cSld>
@@ -36004,6 +37553,121 @@
         </p:txBody>
       </p:sp>
     </p:spTree>
+  </p:cSld>
+  <p:clrMapOvr>
+    <a:masterClrMapping/>
+  </p:clrMapOvr>
+</p:sld>
+</file>
+
+<file path=ppt/slides/slide20.xml><?xml version="1.0" encoding="utf-8"?>
+<p:sld xmlns:a="http://schemas.openxmlformats.org/drawingml/2006/main" xmlns:r="http://schemas.openxmlformats.org/officeDocument/2006/relationships" xmlns:p="http://schemas.openxmlformats.org/presentationml/2006/main">
+  <p:cSld>
+    <p:spTree>
+      <p:nvGrpSpPr>
+        <p:cNvPr id="1" name=""/>
+        <p:cNvGrpSpPr/>
+        <p:nvPr/>
+      </p:nvGrpSpPr>
+      <p:grpSpPr>
+        <a:xfrm>
+          <a:off x="0" y="0"/>
+          <a:ext cx="0" cy="0"/>
+          <a:chOff x="0" y="0"/>
+          <a:chExt cx="0" cy="0"/>
+        </a:xfrm>
+      </p:grpSpPr>
+      <p:sp>
+        <p:nvSpPr>
+          <p:cNvPr id="3" name="Marcador de número de diapositiva 2">
+            <a:extLst>
+              <a:ext uri="{FF2B5EF4-FFF2-40B4-BE49-F238E27FC236}">
+                <a16:creationId xmlns:a16="http://schemas.microsoft.com/office/drawing/2014/main" id="{55E086AF-0509-62E2-1CAE-FDEA16BEBC93}"/>
+              </a:ext>
+            </a:extLst>
+          </p:cNvPr>
+          <p:cNvSpPr>
+            <a:spLocks noGrp="1"/>
+          </p:cNvSpPr>
+          <p:nvPr>
+            <p:ph type="sldNum" idx="12"/>
+          </p:nvPr>
+        </p:nvSpPr>
+        <p:spPr/>
+        <p:txBody>
+          <a:bodyPr/>
+          <a:lstStyle/>
+          <a:p>
+            <a:pPr marL="0" lvl="0" indent="0" algn="ctr" rtl="0">
+              <a:spcBef>
+                <a:spcPts val="0"/>
+              </a:spcBef>
+              <a:spcAft>
+                <a:spcPts val="0"/>
+              </a:spcAft>
+              <a:buNone/>
+            </a:pPr>
+            <a:fld id="{00000000-1234-1234-1234-123412341234}" type="slidenum">
+              <a:rPr lang="es-MX" smtClean="0"/>
+              <a:t>20</a:t>
+            </a:fld>
+            <a:endParaRPr lang="es-MX" dirty="0"/>
+          </a:p>
+        </p:txBody>
+      </p:sp>
+      <p:pic>
+        <p:nvPicPr>
+          <p:cNvPr id="4" name="Picture 2" descr="Descripción no disponible.">
+            <a:extLst>
+              <a:ext uri="{FF2B5EF4-FFF2-40B4-BE49-F238E27FC236}">
+                <a16:creationId xmlns:a16="http://schemas.microsoft.com/office/drawing/2014/main" id="{CEFA0BB0-E228-1915-1DCA-83992DB42BC4}"/>
+              </a:ext>
+            </a:extLst>
+          </p:cNvPr>
+          <p:cNvPicPr>
+            <a:picLocks noChangeAspect="1" noChangeArrowheads="1"/>
+          </p:cNvPicPr>
+          <p:nvPr/>
+        </p:nvPicPr>
+        <p:blipFill>
+          <a:blip r:embed="rId2">
+            <a:extLst>
+              <a:ext uri="{28A0092B-C50C-407E-A947-70E740481C1C}">
+                <a14:useLocalDpi xmlns:a14="http://schemas.microsoft.com/office/drawing/2010/main" val="0"/>
+              </a:ext>
+            </a:extLst>
+          </a:blip>
+          <a:srcRect/>
+          <a:stretch>
+            <a:fillRect/>
+          </a:stretch>
+        </p:blipFill>
+        <p:spPr bwMode="auto">
+          <a:xfrm>
+            <a:off x="2473036" y="1371459"/>
+            <a:ext cx="4181254" cy="2487031"/>
+          </a:xfrm>
+          <a:prstGeom prst="rect">
+            <a:avLst/>
+          </a:prstGeom>
+          <a:noFill/>
+          <a:extLst>
+            <a:ext uri="{909E8E84-426E-40DD-AFC4-6F175D3DCCD1}">
+              <a14:hiddenFill xmlns:a14="http://schemas.microsoft.com/office/drawing/2010/main">
+                <a:solidFill>
+                  <a:srgbClr val="FFFFFF"/>
+                </a:solidFill>
+              </a14:hiddenFill>
+            </a:ext>
+          </a:extLst>
+        </p:spPr>
+      </p:pic>
+    </p:spTree>
+    <p:extLst>
+      <p:ext uri="{BB962C8B-B14F-4D97-AF65-F5344CB8AC3E}">
+        <p14:creationId xmlns:p14="http://schemas.microsoft.com/office/powerpoint/2010/main" val="3842135309"/>
+      </p:ext>
+    </p:extLst>
   </p:cSld>
   <p:clrMapOvr>
     <a:masterClrMapping/>
